--- a/doc/test/AgendaSlidesBeamDefault.pptx
+++ b/doc/test/AgendaSlidesBeamDefault.pptx
@@ -20,7 +20,7 @@
     <p:sldId id="312" r:id="rId14"/>
     <p:sldId id="313" r:id="rId15"/>
     <p:sldId id="314" r:id="rId16"/>
-    <p:sldId id="316" r:id="rId17"/>
+    <p:sldId id="319" r:id="rId17"/>
   </p:sldIdLst>
   <p:sldSz cx="9144000" cy="6858000" type="screen4x3"/>
   <p:notesSz cx="6858000" cy="9144000"/>
@@ -157,13 +157,13 @@
         <p14:section name="あいうえおkl)(*&amp;%$#@85v_+)0_@#%L:CF]1" id="{7DC05ADB-162C-47A0-98D4-E8994A6A2B8E}">
           <p14:sldIdLst>
             <p14:sldId id="314"/>
-            <p14:sldId id="316"/>
+            <p14:sldId id="319"/>
           </p14:sldIdLst>
         </p14:section>
       </p14:sectionLst>
     </p:ext>
     <p:ext uri="{EFAFB233-063F-42B5-8137-9DF3F51BA10A}">
-      <p15:sldGuideLst xmlns:p15="http://schemas.microsoft.com/office/powerpoint/2012/main" xmlns="">
+      <p15:sldGuideLst xmlns:p15="http://schemas.microsoft.com/office/powerpoint/2012/main">
         <p15:guide id="1" orient="horz" pos="2160">
           <p15:clr>
             <a:srgbClr val="A4A3A4"/>
@@ -218,10 +218,9 @@
           <a:lstStyle/>
           <a:p>
             <a:r>
-              <a:rPr lang="en-US" smtClean="0"/>
+              <a:rPr lang="en-US"/>
               <a:t>Click to edit Master title style</a:t>
             </a:r>
-            <a:endParaRPr lang="en-US"/>
           </a:p>
         </p:txBody>
       </p:sp>
@@ -337,10 +336,9 @@
           </a:lstStyle>
           <a:p>
             <a:r>
-              <a:rPr lang="en-US" smtClean="0"/>
+              <a:rPr lang="en-US"/>
               <a:t>Click to edit Master subtitle style</a:t>
             </a:r>
-            <a:endParaRPr lang="en-US"/>
           </a:p>
         </p:txBody>
       </p:sp>
@@ -361,7 +359,7 @@
           <a:p>
             <a:fld id="{699DC775-C286-4358-8C92-D7E584E969B3}" type="datetimeFigureOut">
               <a:rPr lang="en-US" smtClean="0"/>
-              <a:t>19-Jun-15</a:t>
+              <a:t>1/23/2017</a:t>
             </a:fld>
             <a:endParaRPr lang="en-US"/>
           </a:p>
@@ -455,10 +453,9 @@
           <a:lstStyle/>
           <a:p>
             <a:r>
-              <a:rPr lang="en-US" smtClean="0"/>
+              <a:rPr lang="en-US"/>
               <a:t>Click to edit Master title style</a:t>
             </a:r>
-            <a:endParaRPr lang="en-US"/>
           </a:p>
         </p:txBody>
       </p:sp>
@@ -479,38 +476,37 @@
           <a:p>
             <a:pPr lvl="0"/>
             <a:r>
-              <a:rPr lang="en-US" smtClean="0"/>
+              <a:rPr lang="en-US"/>
               <a:t>Click to edit Master text styles</a:t>
             </a:r>
           </a:p>
           <a:p>
             <a:pPr lvl="1"/>
             <a:r>
-              <a:rPr lang="en-US" smtClean="0"/>
+              <a:rPr lang="en-US"/>
               <a:t>Second level</a:t>
             </a:r>
           </a:p>
           <a:p>
             <a:pPr lvl="2"/>
             <a:r>
-              <a:rPr lang="en-US" smtClean="0"/>
+              <a:rPr lang="en-US"/>
               <a:t>Third level</a:t>
             </a:r>
           </a:p>
           <a:p>
             <a:pPr lvl="3"/>
             <a:r>
-              <a:rPr lang="en-US" smtClean="0"/>
+              <a:rPr lang="en-US"/>
               <a:t>Fourth level</a:t>
             </a:r>
           </a:p>
           <a:p>
             <a:pPr lvl="4"/>
             <a:r>
-              <a:rPr lang="en-US" smtClean="0"/>
+              <a:rPr lang="en-US"/>
               <a:t>Fifth level</a:t>
             </a:r>
-            <a:endParaRPr lang="en-US"/>
           </a:p>
         </p:txBody>
       </p:sp>
@@ -531,7 +527,7 @@
           <a:p>
             <a:fld id="{699DC775-C286-4358-8C92-D7E584E969B3}" type="datetimeFigureOut">
               <a:rPr lang="en-US" smtClean="0"/>
-              <a:t>19-Jun-15</a:t>
+              <a:t>1/23/2017</a:t>
             </a:fld>
             <a:endParaRPr lang="en-US"/>
           </a:p>
@@ -630,10 +626,9 @@
           <a:lstStyle/>
           <a:p>
             <a:r>
-              <a:rPr lang="en-US" smtClean="0"/>
+              <a:rPr lang="en-US"/>
               <a:t>Click to edit Master title style</a:t>
             </a:r>
-            <a:endParaRPr lang="en-US"/>
           </a:p>
         </p:txBody>
       </p:sp>
@@ -659,38 +654,37 @@
           <a:p>
             <a:pPr lvl="0"/>
             <a:r>
-              <a:rPr lang="en-US" smtClean="0"/>
+              <a:rPr lang="en-US"/>
               <a:t>Click to edit Master text styles</a:t>
             </a:r>
           </a:p>
           <a:p>
             <a:pPr lvl="1"/>
             <a:r>
-              <a:rPr lang="en-US" smtClean="0"/>
+              <a:rPr lang="en-US"/>
               <a:t>Second level</a:t>
             </a:r>
           </a:p>
           <a:p>
             <a:pPr lvl="2"/>
             <a:r>
-              <a:rPr lang="en-US" smtClean="0"/>
+              <a:rPr lang="en-US"/>
               <a:t>Third level</a:t>
             </a:r>
           </a:p>
           <a:p>
             <a:pPr lvl="3"/>
             <a:r>
-              <a:rPr lang="en-US" smtClean="0"/>
+              <a:rPr lang="en-US"/>
               <a:t>Fourth level</a:t>
             </a:r>
           </a:p>
           <a:p>
             <a:pPr lvl="4"/>
             <a:r>
-              <a:rPr lang="en-US" smtClean="0"/>
+              <a:rPr lang="en-US"/>
               <a:t>Fifth level</a:t>
             </a:r>
-            <a:endParaRPr lang="en-US"/>
           </a:p>
         </p:txBody>
       </p:sp>
@@ -711,7 +705,7 @@
           <a:p>
             <a:fld id="{699DC775-C286-4358-8C92-D7E584E969B3}" type="datetimeFigureOut">
               <a:rPr lang="en-US" smtClean="0"/>
-              <a:t>19-Jun-15</a:t>
+              <a:t>1/23/2017</a:t>
             </a:fld>
             <a:endParaRPr lang="en-US"/>
           </a:p>
@@ -810,10 +804,9 @@
           <a:lstStyle/>
           <a:p>
             <a:r>
-              <a:rPr lang="en-US" smtClean="0"/>
+              <a:rPr lang="en-US"/>
               <a:t>Click to edit Master title style</a:t>
             </a:r>
-            <a:endParaRPr lang="en-US"/>
           </a:p>
         </p:txBody>
       </p:sp>
@@ -929,10 +922,9 @@
           </a:lstStyle>
           <a:p>
             <a:r>
-              <a:rPr lang="en-US" smtClean="0"/>
+              <a:rPr lang="en-US"/>
               <a:t>Click to edit Master subtitle style</a:t>
             </a:r>
-            <a:endParaRPr lang="en-US"/>
           </a:p>
         </p:txBody>
       </p:sp>
@@ -953,7 +945,7 @@
           <a:p>
             <a:fld id="{699DC775-C286-4358-8C92-D7E584E969B3}" type="datetimeFigureOut">
               <a:rPr lang="en-US" smtClean="0"/>
-              <a:t>19-Jun-15</a:t>
+              <a:t>1/23/2017</a:t>
             </a:fld>
             <a:endParaRPr lang="en-US"/>
           </a:p>
@@ -1047,10 +1039,9 @@
           <a:lstStyle/>
           <a:p>
             <a:r>
-              <a:rPr lang="en-US" smtClean="0"/>
+              <a:rPr lang="en-US"/>
               <a:t>Click to edit Master title style</a:t>
             </a:r>
-            <a:endParaRPr lang="en-US"/>
           </a:p>
         </p:txBody>
       </p:sp>
@@ -1071,38 +1062,37 @@
           <a:p>
             <a:pPr lvl="0"/>
             <a:r>
-              <a:rPr lang="en-US" smtClean="0"/>
+              <a:rPr lang="en-US"/>
               <a:t>Click to edit Master text styles</a:t>
             </a:r>
           </a:p>
           <a:p>
             <a:pPr lvl="1"/>
             <a:r>
-              <a:rPr lang="en-US" smtClean="0"/>
+              <a:rPr lang="en-US"/>
               <a:t>Second level</a:t>
             </a:r>
           </a:p>
           <a:p>
             <a:pPr lvl="2"/>
             <a:r>
-              <a:rPr lang="en-US" smtClean="0"/>
+              <a:rPr lang="en-US"/>
               <a:t>Third level</a:t>
             </a:r>
           </a:p>
           <a:p>
             <a:pPr lvl="3"/>
             <a:r>
-              <a:rPr lang="en-US" smtClean="0"/>
+              <a:rPr lang="en-US"/>
               <a:t>Fourth level</a:t>
             </a:r>
           </a:p>
           <a:p>
             <a:pPr lvl="4"/>
             <a:r>
-              <a:rPr lang="en-US" smtClean="0"/>
+              <a:rPr lang="en-US"/>
               <a:t>Fifth level</a:t>
             </a:r>
-            <a:endParaRPr lang="en-US"/>
           </a:p>
         </p:txBody>
       </p:sp>
@@ -1123,7 +1113,7 @@
           <a:p>
             <a:fld id="{699DC775-C286-4358-8C92-D7E584E969B3}" type="datetimeFigureOut">
               <a:rPr lang="en-US" smtClean="0"/>
-              <a:t>19-Jun-15</a:t>
+              <a:t>1/23/2017</a:t>
             </a:fld>
             <a:endParaRPr lang="en-US"/>
           </a:p>
@@ -1226,10 +1216,9 @@
           </a:lstStyle>
           <a:p>
             <a:r>
-              <a:rPr lang="en-US" smtClean="0"/>
+              <a:rPr lang="en-US"/>
               <a:t>Click to edit Master title style</a:t>
             </a:r>
-            <a:endParaRPr lang="en-US"/>
           </a:p>
         </p:txBody>
       </p:sp>
@@ -1346,7 +1335,7 @@
           <a:p>
             <a:pPr lvl="0"/>
             <a:r>
-              <a:rPr lang="en-US" smtClean="0"/>
+              <a:rPr lang="en-US"/>
               <a:t>Click to edit Master text styles</a:t>
             </a:r>
           </a:p>
@@ -1369,7 +1358,7 @@
           <a:p>
             <a:fld id="{699DC775-C286-4358-8C92-D7E584E969B3}" type="datetimeFigureOut">
               <a:rPr lang="en-US" smtClean="0"/>
-              <a:t>19-Jun-15</a:t>
+              <a:t>1/23/2017</a:t>
             </a:fld>
             <a:endParaRPr lang="en-US"/>
           </a:p>
@@ -1463,10 +1452,9 @@
           <a:lstStyle/>
           <a:p>
             <a:r>
-              <a:rPr lang="en-US" smtClean="0"/>
+              <a:rPr lang="en-US"/>
               <a:t>Click to edit Master title style</a:t>
             </a:r>
-            <a:endParaRPr lang="en-US"/>
           </a:p>
         </p:txBody>
       </p:sp>
@@ -1520,38 +1508,37 @@
           <a:p>
             <a:pPr lvl="0"/>
             <a:r>
-              <a:rPr lang="en-US" smtClean="0"/>
+              <a:rPr lang="en-US"/>
               <a:t>Click to edit Master text styles</a:t>
             </a:r>
           </a:p>
           <a:p>
             <a:pPr lvl="1"/>
             <a:r>
-              <a:rPr lang="en-US" smtClean="0"/>
+              <a:rPr lang="en-US"/>
               <a:t>Second level</a:t>
             </a:r>
           </a:p>
           <a:p>
             <a:pPr lvl="2"/>
             <a:r>
-              <a:rPr lang="en-US" smtClean="0"/>
+              <a:rPr lang="en-US"/>
               <a:t>Third level</a:t>
             </a:r>
           </a:p>
           <a:p>
             <a:pPr lvl="3"/>
             <a:r>
-              <a:rPr lang="en-US" smtClean="0"/>
+              <a:rPr lang="en-US"/>
               <a:t>Fourth level</a:t>
             </a:r>
           </a:p>
           <a:p>
             <a:pPr lvl="4"/>
             <a:r>
-              <a:rPr lang="en-US" smtClean="0"/>
+              <a:rPr lang="en-US"/>
               <a:t>Fifth level</a:t>
             </a:r>
-            <a:endParaRPr lang="en-US"/>
           </a:p>
         </p:txBody>
       </p:sp>
@@ -1605,38 +1592,37 @@
           <a:p>
             <a:pPr lvl="0"/>
             <a:r>
-              <a:rPr lang="en-US" smtClean="0"/>
+              <a:rPr lang="en-US"/>
               <a:t>Click to edit Master text styles</a:t>
             </a:r>
           </a:p>
           <a:p>
             <a:pPr lvl="1"/>
             <a:r>
-              <a:rPr lang="en-US" smtClean="0"/>
+              <a:rPr lang="en-US"/>
               <a:t>Second level</a:t>
             </a:r>
           </a:p>
           <a:p>
             <a:pPr lvl="2"/>
             <a:r>
-              <a:rPr lang="en-US" smtClean="0"/>
+              <a:rPr lang="en-US"/>
               <a:t>Third level</a:t>
             </a:r>
           </a:p>
           <a:p>
             <a:pPr lvl="3"/>
             <a:r>
-              <a:rPr lang="en-US" smtClean="0"/>
+              <a:rPr lang="en-US"/>
               <a:t>Fourth level</a:t>
             </a:r>
           </a:p>
           <a:p>
             <a:pPr lvl="4"/>
             <a:r>
-              <a:rPr lang="en-US" smtClean="0"/>
+              <a:rPr lang="en-US"/>
               <a:t>Fifth level</a:t>
             </a:r>
-            <a:endParaRPr lang="en-US"/>
           </a:p>
         </p:txBody>
       </p:sp>
@@ -1657,7 +1643,7 @@
           <a:p>
             <a:fld id="{699DC775-C286-4358-8C92-D7E584E969B3}" type="datetimeFigureOut">
               <a:rPr lang="en-US" smtClean="0"/>
-              <a:t>19-Jun-15</a:t>
+              <a:t>1/23/2017</a:t>
             </a:fld>
             <a:endParaRPr lang="en-US"/>
           </a:p>
@@ -1755,10 +1741,9 @@
           </a:lstStyle>
           <a:p>
             <a:r>
-              <a:rPr lang="en-US" smtClean="0"/>
+              <a:rPr lang="en-US"/>
               <a:t>Click to edit Master title style</a:t>
             </a:r>
-            <a:endParaRPr lang="en-US"/>
           </a:p>
         </p:txBody>
       </p:sp>
@@ -1821,7 +1806,7 @@
           <a:p>
             <a:pPr lvl="0"/>
             <a:r>
-              <a:rPr lang="en-US" smtClean="0"/>
+              <a:rPr lang="en-US"/>
               <a:t>Click to edit Master text styles</a:t>
             </a:r>
           </a:p>
@@ -1877,38 +1862,37 @@
           <a:p>
             <a:pPr lvl="0"/>
             <a:r>
-              <a:rPr lang="en-US" smtClean="0"/>
+              <a:rPr lang="en-US"/>
               <a:t>Click to edit Master text styles</a:t>
             </a:r>
           </a:p>
           <a:p>
             <a:pPr lvl="1"/>
             <a:r>
-              <a:rPr lang="en-US" smtClean="0"/>
+              <a:rPr lang="en-US"/>
               <a:t>Second level</a:t>
             </a:r>
           </a:p>
           <a:p>
             <a:pPr lvl="2"/>
             <a:r>
-              <a:rPr lang="en-US" smtClean="0"/>
+              <a:rPr lang="en-US"/>
               <a:t>Third level</a:t>
             </a:r>
           </a:p>
           <a:p>
             <a:pPr lvl="3"/>
             <a:r>
-              <a:rPr lang="en-US" smtClean="0"/>
+              <a:rPr lang="en-US"/>
               <a:t>Fourth level</a:t>
             </a:r>
           </a:p>
           <a:p>
             <a:pPr lvl="4"/>
             <a:r>
-              <a:rPr lang="en-US" smtClean="0"/>
+              <a:rPr lang="en-US"/>
               <a:t>Fifth level</a:t>
             </a:r>
-            <a:endParaRPr lang="en-US"/>
           </a:p>
         </p:txBody>
       </p:sp>
@@ -1971,7 +1955,7 @@
           <a:p>
             <a:pPr lvl="0"/>
             <a:r>
-              <a:rPr lang="en-US" smtClean="0"/>
+              <a:rPr lang="en-US"/>
               <a:t>Click to edit Master text styles</a:t>
             </a:r>
           </a:p>
@@ -2027,38 +2011,37 @@
           <a:p>
             <a:pPr lvl="0"/>
             <a:r>
-              <a:rPr lang="en-US" smtClean="0"/>
+              <a:rPr lang="en-US"/>
               <a:t>Click to edit Master text styles</a:t>
             </a:r>
           </a:p>
           <a:p>
             <a:pPr lvl="1"/>
             <a:r>
-              <a:rPr lang="en-US" smtClean="0"/>
+              <a:rPr lang="en-US"/>
               <a:t>Second level</a:t>
             </a:r>
           </a:p>
           <a:p>
             <a:pPr lvl="2"/>
             <a:r>
-              <a:rPr lang="en-US" smtClean="0"/>
+              <a:rPr lang="en-US"/>
               <a:t>Third level</a:t>
             </a:r>
           </a:p>
           <a:p>
             <a:pPr lvl="3"/>
             <a:r>
-              <a:rPr lang="en-US" smtClean="0"/>
+              <a:rPr lang="en-US"/>
               <a:t>Fourth level</a:t>
             </a:r>
           </a:p>
           <a:p>
             <a:pPr lvl="4"/>
             <a:r>
-              <a:rPr lang="en-US" smtClean="0"/>
+              <a:rPr lang="en-US"/>
               <a:t>Fifth level</a:t>
             </a:r>
-            <a:endParaRPr lang="en-US"/>
           </a:p>
         </p:txBody>
       </p:sp>
@@ -2079,7 +2062,7 @@
           <a:p>
             <a:fld id="{699DC775-C286-4358-8C92-D7E584E969B3}" type="datetimeFigureOut">
               <a:rPr lang="en-US" smtClean="0"/>
-              <a:t>19-Jun-15</a:t>
+              <a:t>1/23/2017</a:t>
             </a:fld>
             <a:endParaRPr lang="en-US"/>
           </a:p>
@@ -2173,10 +2156,9 @@
           <a:lstStyle/>
           <a:p>
             <a:r>
-              <a:rPr lang="en-US" smtClean="0"/>
+              <a:rPr lang="en-US"/>
               <a:t>Click to edit Master title style</a:t>
             </a:r>
-            <a:endParaRPr lang="en-US"/>
           </a:p>
         </p:txBody>
       </p:sp>
@@ -2197,7 +2179,7 @@
           <a:p>
             <a:fld id="{699DC775-C286-4358-8C92-D7E584E969B3}" type="datetimeFigureOut">
               <a:rPr lang="en-US" smtClean="0"/>
-              <a:t>19-Jun-15</a:t>
+              <a:t>1/23/2017</a:t>
             </a:fld>
             <a:endParaRPr lang="en-US"/>
           </a:p>
@@ -2292,7 +2274,7 @@
           <a:p>
             <a:fld id="{699DC775-C286-4358-8C92-D7E584E969B3}" type="datetimeFigureOut">
               <a:rPr lang="en-US" smtClean="0"/>
-              <a:t>19-Jun-15</a:t>
+              <a:t>1/23/2017</a:t>
             </a:fld>
             <a:endParaRPr lang="en-US"/>
           </a:p>
@@ -2395,10 +2377,9 @@
           </a:lstStyle>
           <a:p>
             <a:r>
-              <a:rPr lang="en-US" smtClean="0"/>
+              <a:rPr lang="en-US"/>
               <a:t>Click to edit Master title style</a:t>
             </a:r>
-            <a:endParaRPr lang="en-US"/>
           </a:p>
         </p:txBody>
       </p:sp>
@@ -2452,38 +2433,37 @@
           <a:p>
             <a:pPr lvl="0"/>
             <a:r>
-              <a:rPr lang="en-US" smtClean="0"/>
+              <a:rPr lang="en-US"/>
               <a:t>Click to edit Master text styles</a:t>
             </a:r>
           </a:p>
           <a:p>
             <a:pPr lvl="1"/>
             <a:r>
-              <a:rPr lang="en-US" smtClean="0"/>
+              <a:rPr lang="en-US"/>
               <a:t>Second level</a:t>
             </a:r>
           </a:p>
           <a:p>
             <a:pPr lvl="2"/>
             <a:r>
-              <a:rPr lang="en-US" smtClean="0"/>
+              <a:rPr lang="en-US"/>
               <a:t>Third level</a:t>
             </a:r>
           </a:p>
           <a:p>
             <a:pPr lvl="3"/>
             <a:r>
-              <a:rPr lang="en-US" smtClean="0"/>
+              <a:rPr lang="en-US"/>
               <a:t>Fourth level</a:t>
             </a:r>
           </a:p>
           <a:p>
             <a:pPr lvl="4"/>
             <a:r>
-              <a:rPr lang="en-US" smtClean="0"/>
+              <a:rPr lang="en-US"/>
               <a:t>Fifth level</a:t>
             </a:r>
-            <a:endParaRPr lang="en-US"/>
           </a:p>
         </p:txBody>
       </p:sp>
@@ -2546,7 +2526,7 @@
           <a:p>
             <a:pPr lvl="0"/>
             <a:r>
-              <a:rPr lang="en-US" smtClean="0"/>
+              <a:rPr lang="en-US"/>
               <a:t>Click to edit Master text styles</a:t>
             </a:r>
           </a:p>
@@ -2569,7 +2549,7 @@
           <a:p>
             <a:fld id="{699DC775-C286-4358-8C92-D7E584E969B3}" type="datetimeFigureOut">
               <a:rPr lang="en-US" smtClean="0"/>
-              <a:t>19-Jun-15</a:t>
+              <a:t>1/23/2017</a:t>
             </a:fld>
             <a:endParaRPr lang="en-US"/>
           </a:p>
@@ -2663,10 +2643,9 @@
           <a:lstStyle/>
           <a:p>
             <a:r>
-              <a:rPr lang="en-US" smtClean="0"/>
+              <a:rPr lang="en-US"/>
               <a:t>Click to edit Master title style</a:t>
             </a:r>
-            <a:endParaRPr lang="en-US"/>
           </a:p>
         </p:txBody>
       </p:sp>
@@ -2687,38 +2666,37 @@
           <a:p>
             <a:pPr lvl="0"/>
             <a:r>
-              <a:rPr lang="en-US" smtClean="0"/>
+              <a:rPr lang="en-US"/>
               <a:t>Click to edit Master text styles</a:t>
             </a:r>
           </a:p>
           <a:p>
             <a:pPr lvl="1"/>
             <a:r>
-              <a:rPr lang="en-US" smtClean="0"/>
+              <a:rPr lang="en-US"/>
               <a:t>Second level</a:t>
             </a:r>
           </a:p>
           <a:p>
             <a:pPr lvl="2"/>
             <a:r>
-              <a:rPr lang="en-US" smtClean="0"/>
+              <a:rPr lang="en-US"/>
               <a:t>Third level</a:t>
             </a:r>
           </a:p>
           <a:p>
             <a:pPr lvl="3"/>
             <a:r>
-              <a:rPr lang="en-US" smtClean="0"/>
+              <a:rPr lang="en-US"/>
               <a:t>Fourth level</a:t>
             </a:r>
           </a:p>
           <a:p>
             <a:pPr lvl="4"/>
             <a:r>
-              <a:rPr lang="en-US" smtClean="0"/>
+              <a:rPr lang="en-US"/>
               <a:t>Fifth level</a:t>
             </a:r>
-            <a:endParaRPr lang="en-US"/>
           </a:p>
         </p:txBody>
       </p:sp>
@@ -2739,7 +2717,7 @@
           <a:p>
             <a:fld id="{699DC775-C286-4358-8C92-D7E584E969B3}" type="datetimeFigureOut">
               <a:rPr lang="en-US" smtClean="0"/>
-              <a:t>19-Jun-15</a:t>
+              <a:t>1/23/2017</a:t>
             </a:fld>
             <a:endParaRPr lang="en-US"/>
           </a:p>
@@ -2842,10 +2820,9 @@
           </a:lstStyle>
           <a:p>
             <a:r>
-              <a:rPr lang="en-US" smtClean="0"/>
+              <a:rPr lang="en-US"/>
               <a:t>Click to edit Master title style</a:t>
             </a:r>
-            <a:endParaRPr lang="en-US"/>
           </a:p>
         </p:txBody>
       </p:sp>
@@ -2969,7 +2946,7 @@
           <a:p>
             <a:pPr lvl="0"/>
             <a:r>
-              <a:rPr lang="en-US" smtClean="0"/>
+              <a:rPr lang="en-US"/>
               <a:t>Click to edit Master text styles</a:t>
             </a:r>
           </a:p>
@@ -2992,7 +2969,7 @@
           <a:p>
             <a:fld id="{699DC775-C286-4358-8C92-D7E584E969B3}" type="datetimeFigureOut">
               <a:rPr lang="en-US" smtClean="0"/>
-              <a:t>19-Jun-15</a:t>
+              <a:t>1/23/2017</a:t>
             </a:fld>
             <a:endParaRPr lang="en-US"/>
           </a:p>
@@ -3086,10 +3063,9 @@
           <a:lstStyle/>
           <a:p>
             <a:r>
-              <a:rPr lang="en-US" smtClean="0"/>
+              <a:rPr lang="en-US"/>
               <a:t>Click to edit Master title style</a:t>
             </a:r>
-            <a:endParaRPr lang="en-US"/>
           </a:p>
         </p:txBody>
       </p:sp>
@@ -3110,38 +3086,37 @@
           <a:p>
             <a:pPr lvl="0"/>
             <a:r>
-              <a:rPr lang="en-US" smtClean="0"/>
+              <a:rPr lang="en-US"/>
               <a:t>Click to edit Master text styles</a:t>
             </a:r>
           </a:p>
           <a:p>
             <a:pPr lvl="1"/>
             <a:r>
-              <a:rPr lang="en-US" smtClean="0"/>
+              <a:rPr lang="en-US"/>
               <a:t>Second level</a:t>
             </a:r>
           </a:p>
           <a:p>
             <a:pPr lvl="2"/>
             <a:r>
-              <a:rPr lang="en-US" smtClean="0"/>
+              <a:rPr lang="en-US"/>
               <a:t>Third level</a:t>
             </a:r>
           </a:p>
           <a:p>
             <a:pPr lvl="3"/>
             <a:r>
-              <a:rPr lang="en-US" smtClean="0"/>
+              <a:rPr lang="en-US"/>
               <a:t>Fourth level</a:t>
             </a:r>
           </a:p>
           <a:p>
             <a:pPr lvl="4"/>
             <a:r>
-              <a:rPr lang="en-US" smtClean="0"/>
+              <a:rPr lang="en-US"/>
               <a:t>Fifth level</a:t>
             </a:r>
-            <a:endParaRPr lang="en-US"/>
           </a:p>
         </p:txBody>
       </p:sp>
@@ -3162,7 +3137,7 @@
           <a:p>
             <a:fld id="{699DC775-C286-4358-8C92-D7E584E969B3}" type="datetimeFigureOut">
               <a:rPr lang="en-US" smtClean="0"/>
-              <a:t>19-Jun-15</a:t>
+              <a:t>1/23/2017</a:t>
             </a:fld>
             <a:endParaRPr lang="en-US"/>
           </a:p>
@@ -3261,10 +3236,9 @@
           <a:lstStyle/>
           <a:p>
             <a:r>
-              <a:rPr lang="en-US" smtClean="0"/>
+              <a:rPr lang="en-US"/>
               <a:t>Click to edit Master title style</a:t>
             </a:r>
-            <a:endParaRPr lang="en-US"/>
           </a:p>
         </p:txBody>
       </p:sp>
@@ -3290,38 +3264,37 @@
           <a:p>
             <a:pPr lvl="0"/>
             <a:r>
-              <a:rPr lang="en-US" smtClean="0"/>
+              <a:rPr lang="en-US"/>
               <a:t>Click to edit Master text styles</a:t>
             </a:r>
           </a:p>
           <a:p>
             <a:pPr lvl="1"/>
             <a:r>
-              <a:rPr lang="en-US" smtClean="0"/>
+              <a:rPr lang="en-US"/>
               <a:t>Second level</a:t>
             </a:r>
           </a:p>
           <a:p>
             <a:pPr lvl="2"/>
             <a:r>
-              <a:rPr lang="en-US" smtClean="0"/>
+              <a:rPr lang="en-US"/>
               <a:t>Third level</a:t>
             </a:r>
           </a:p>
           <a:p>
             <a:pPr lvl="3"/>
             <a:r>
-              <a:rPr lang="en-US" smtClean="0"/>
+              <a:rPr lang="en-US"/>
               <a:t>Fourth level</a:t>
             </a:r>
           </a:p>
           <a:p>
             <a:pPr lvl="4"/>
             <a:r>
-              <a:rPr lang="en-US" smtClean="0"/>
+              <a:rPr lang="en-US"/>
               <a:t>Fifth level</a:t>
             </a:r>
-            <a:endParaRPr lang="en-US"/>
           </a:p>
         </p:txBody>
       </p:sp>
@@ -3342,7 +3315,7 @@
           <a:p>
             <a:fld id="{699DC775-C286-4358-8C92-D7E584E969B3}" type="datetimeFigureOut">
               <a:rPr lang="en-US" smtClean="0"/>
-              <a:t>19-Jun-15</a:t>
+              <a:t>1/23/2017</a:t>
             </a:fld>
             <a:endParaRPr lang="en-US"/>
           </a:p>
@@ -3449,10 +3422,9 @@
           <a:lstStyle/>
           <a:p>
             <a:r>
-              <a:rPr lang="en-US" smtClean="0"/>
+              <a:rPr lang="en-US"/>
               <a:t>Click to edit Master title style</a:t>
             </a:r>
-            <a:endParaRPr lang="en-US"/>
           </a:p>
         </p:txBody>
       </p:sp>
@@ -3568,10 +3540,9 @@
           </a:lstStyle>
           <a:p>
             <a:r>
-              <a:rPr lang="en-US" smtClean="0"/>
+              <a:rPr lang="en-US"/>
               <a:t>Click to edit Master subtitle style</a:t>
             </a:r>
-            <a:endParaRPr lang="en-US"/>
           </a:p>
         </p:txBody>
       </p:sp>
@@ -3592,7 +3563,7 @@
           <a:p>
             <a:fld id="{699DC775-C286-4358-8C92-D7E584E969B3}" type="datetimeFigureOut">
               <a:rPr lang="en-US" smtClean="0"/>
-              <a:t>19-Jun-15</a:t>
+              <a:t>1/23/2017</a:t>
             </a:fld>
             <a:endParaRPr lang="en-US"/>
           </a:p>
@@ -3694,10 +3665,9 @@
           <a:lstStyle/>
           <a:p>
             <a:r>
-              <a:rPr lang="en-US" smtClean="0"/>
+              <a:rPr lang="en-US"/>
               <a:t>Click to edit Master title style</a:t>
             </a:r>
-            <a:endParaRPr lang="en-US"/>
           </a:p>
         </p:txBody>
       </p:sp>
@@ -3718,38 +3688,37 @@
           <a:p>
             <a:pPr lvl="0"/>
             <a:r>
-              <a:rPr lang="en-US" smtClean="0"/>
+              <a:rPr lang="en-US"/>
               <a:t>Click to edit Master text styles</a:t>
             </a:r>
           </a:p>
           <a:p>
             <a:pPr lvl="1"/>
             <a:r>
-              <a:rPr lang="en-US" smtClean="0"/>
+              <a:rPr lang="en-US"/>
               <a:t>Second level</a:t>
             </a:r>
           </a:p>
           <a:p>
             <a:pPr lvl="2"/>
             <a:r>
-              <a:rPr lang="en-US" smtClean="0"/>
+              <a:rPr lang="en-US"/>
               <a:t>Third level</a:t>
             </a:r>
           </a:p>
           <a:p>
             <a:pPr lvl="3"/>
             <a:r>
-              <a:rPr lang="en-US" smtClean="0"/>
+              <a:rPr lang="en-US"/>
               <a:t>Fourth level</a:t>
             </a:r>
           </a:p>
           <a:p>
             <a:pPr lvl="4"/>
             <a:r>
-              <a:rPr lang="en-US" smtClean="0"/>
+              <a:rPr lang="en-US"/>
               <a:t>Fifth level</a:t>
             </a:r>
-            <a:endParaRPr lang="en-US"/>
           </a:p>
         </p:txBody>
       </p:sp>
@@ -3770,7 +3739,7 @@
           <a:p>
             <a:fld id="{699DC775-C286-4358-8C92-D7E584E969B3}" type="datetimeFigureOut">
               <a:rPr lang="en-US" smtClean="0"/>
-              <a:t>19-Jun-15</a:t>
+              <a:t>1/23/2017</a:t>
             </a:fld>
             <a:endParaRPr lang="en-US"/>
           </a:p>
@@ -3881,10 +3850,9 @@
           </a:lstStyle>
           <a:p>
             <a:r>
-              <a:rPr lang="en-US" smtClean="0"/>
+              <a:rPr lang="en-US"/>
               <a:t>Click to edit Master title style</a:t>
             </a:r>
-            <a:endParaRPr lang="en-US"/>
           </a:p>
         </p:txBody>
       </p:sp>
@@ -4001,7 +3969,7 @@
           <a:p>
             <a:pPr lvl="0"/>
             <a:r>
-              <a:rPr lang="en-US" smtClean="0"/>
+              <a:rPr lang="en-US"/>
               <a:t>Click to edit Master text styles</a:t>
             </a:r>
           </a:p>
@@ -4024,7 +3992,7 @@
           <a:p>
             <a:fld id="{699DC775-C286-4358-8C92-D7E584E969B3}" type="datetimeFigureOut">
               <a:rPr lang="en-US" smtClean="0"/>
-              <a:t>19-Jun-15</a:t>
+              <a:t>1/23/2017</a:t>
             </a:fld>
             <a:endParaRPr lang="en-US"/>
           </a:p>
@@ -4126,10 +4094,9 @@
           <a:lstStyle/>
           <a:p>
             <a:r>
-              <a:rPr lang="en-US" smtClean="0"/>
+              <a:rPr lang="en-US"/>
               <a:t>Click to edit Master title style</a:t>
             </a:r>
-            <a:endParaRPr lang="en-US"/>
           </a:p>
         </p:txBody>
       </p:sp>
@@ -4183,38 +4150,37 @@
           <a:p>
             <a:pPr lvl="0"/>
             <a:r>
-              <a:rPr lang="en-US" smtClean="0"/>
+              <a:rPr lang="en-US"/>
               <a:t>Click to edit Master text styles</a:t>
             </a:r>
           </a:p>
           <a:p>
             <a:pPr lvl="1"/>
             <a:r>
-              <a:rPr lang="en-US" smtClean="0"/>
+              <a:rPr lang="en-US"/>
               <a:t>Second level</a:t>
             </a:r>
           </a:p>
           <a:p>
             <a:pPr lvl="2"/>
             <a:r>
-              <a:rPr lang="en-US" smtClean="0"/>
+              <a:rPr lang="en-US"/>
               <a:t>Third level</a:t>
             </a:r>
           </a:p>
           <a:p>
             <a:pPr lvl="3"/>
             <a:r>
-              <a:rPr lang="en-US" smtClean="0"/>
+              <a:rPr lang="en-US"/>
               <a:t>Fourth level</a:t>
             </a:r>
           </a:p>
           <a:p>
             <a:pPr lvl="4"/>
             <a:r>
-              <a:rPr lang="en-US" smtClean="0"/>
+              <a:rPr lang="en-US"/>
               <a:t>Fifth level</a:t>
             </a:r>
-            <a:endParaRPr lang="en-US"/>
           </a:p>
         </p:txBody>
       </p:sp>
@@ -4268,38 +4234,37 @@
           <a:p>
             <a:pPr lvl="0"/>
             <a:r>
-              <a:rPr lang="en-US" smtClean="0"/>
+              <a:rPr lang="en-US"/>
               <a:t>Click to edit Master text styles</a:t>
             </a:r>
           </a:p>
           <a:p>
             <a:pPr lvl="1"/>
             <a:r>
-              <a:rPr lang="en-US" smtClean="0"/>
+              <a:rPr lang="en-US"/>
               <a:t>Second level</a:t>
             </a:r>
           </a:p>
           <a:p>
             <a:pPr lvl="2"/>
             <a:r>
-              <a:rPr lang="en-US" smtClean="0"/>
+              <a:rPr lang="en-US"/>
               <a:t>Third level</a:t>
             </a:r>
           </a:p>
           <a:p>
             <a:pPr lvl="3"/>
             <a:r>
-              <a:rPr lang="en-US" smtClean="0"/>
+              <a:rPr lang="en-US"/>
               <a:t>Fourth level</a:t>
             </a:r>
           </a:p>
           <a:p>
             <a:pPr lvl="4"/>
             <a:r>
-              <a:rPr lang="en-US" smtClean="0"/>
+              <a:rPr lang="en-US"/>
               <a:t>Fifth level</a:t>
             </a:r>
-            <a:endParaRPr lang="en-US"/>
           </a:p>
         </p:txBody>
       </p:sp>
@@ -4320,7 +4285,7 @@
           <a:p>
             <a:fld id="{699DC775-C286-4358-8C92-D7E584E969B3}" type="datetimeFigureOut">
               <a:rPr lang="en-US" smtClean="0"/>
-              <a:t>19-Jun-15</a:t>
+              <a:t>1/23/2017</a:t>
             </a:fld>
             <a:endParaRPr lang="en-US"/>
           </a:p>
@@ -4426,10 +4391,9 @@
           </a:lstStyle>
           <a:p>
             <a:r>
-              <a:rPr lang="en-US" smtClean="0"/>
+              <a:rPr lang="en-US"/>
               <a:t>Click to edit Master title style</a:t>
             </a:r>
-            <a:endParaRPr lang="en-US"/>
           </a:p>
         </p:txBody>
       </p:sp>
@@ -4492,7 +4456,7 @@
           <a:p>
             <a:pPr lvl="0"/>
             <a:r>
-              <a:rPr lang="en-US" smtClean="0"/>
+              <a:rPr lang="en-US"/>
               <a:t>Click to edit Master text styles</a:t>
             </a:r>
           </a:p>
@@ -4548,38 +4512,37 @@
           <a:p>
             <a:pPr lvl="0"/>
             <a:r>
-              <a:rPr lang="en-US" smtClean="0"/>
+              <a:rPr lang="en-US"/>
               <a:t>Click to edit Master text styles</a:t>
             </a:r>
           </a:p>
           <a:p>
             <a:pPr lvl="1"/>
             <a:r>
-              <a:rPr lang="en-US" smtClean="0"/>
+              <a:rPr lang="en-US"/>
               <a:t>Second level</a:t>
             </a:r>
           </a:p>
           <a:p>
             <a:pPr lvl="2"/>
             <a:r>
-              <a:rPr lang="en-US" smtClean="0"/>
+              <a:rPr lang="en-US"/>
               <a:t>Third level</a:t>
             </a:r>
           </a:p>
           <a:p>
             <a:pPr lvl="3"/>
             <a:r>
-              <a:rPr lang="en-US" smtClean="0"/>
+              <a:rPr lang="en-US"/>
               <a:t>Fourth level</a:t>
             </a:r>
           </a:p>
           <a:p>
             <a:pPr lvl="4"/>
             <a:r>
-              <a:rPr lang="en-US" smtClean="0"/>
+              <a:rPr lang="en-US"/>
               <a:t>Fifth level</a:t>
             </a:r>
-            <a:endParaRPr lang="en-US"/>
           </a:p>
         </p:txBody>
       </p:sp>
@@ -4642,7 +4605,7 @@
           <a:p>
             <a:pPr lvl="0"/>
             <a:r>
-              <a:rPr lang="en-US" smtClean="0"/>
+              <a:rPr lang="en-US"/>
               <a:t>Click to edit Master text styles</a:t>
             </a:r>
           </a:p>
@@ -4698,38 +4661,37 @@
           <a:p>
             <a:pPr lvl="0"/>
             <a:r>
-              <a:rPr lang="en-US" smtClean="0"/>
+              <a:rPr lang="en-US"/>
               <a:t>Click to edit Master text styles</a:t>
             </a:r>
           </a:p>
           <a:p>
             <a:pPr lvl="1"/>
             <a:r>
-              <a:rPr lang="en-US" smtClean="0"/>
+              <a:rPr lang="en-US"/>
               <a:t>Second level</a:t>
             </a:r>
           </a:p>
           <a:p>
             <a:pPr lvl="2"/>
             <a:r>
-              <a:rPr lang="en-US" smtClean="0"/>
+              <a:rPr lang="en-US"/>
               <a:t>Third level</a:t>
             </a:r>
           </a:p>
           <a:p>
             <a:pPr lvl="3"/>
             <a:r>
-              <a:rPr lang="en-US" smtClean="0"/>
+              <a:rPr lang="en-US"/>
               <a:t>Fourth level</a:t>
             </a:r>
           </a:p>
           <a:p>
             <a:pPr lvl="4"/>
             <a:r>
-              <a:rPr lang="en-US" smtClean="0"/>
+              <a:rPr lang="en-US"/>
               <a:t>Fifth level</a:t>
             </a:r>
-            <a:endParaRPr lang="en-US"/>
           </a:p>
         </p:txBody>
       </p:sp>
@@ -4750,7 +4712,7 @@
           <a:p>
             <a:fld id="{699DC775-C286-4358-8C92-D7E584E969B3}" type="datetimeFigureOut">
               <a:rPr lang="en-US" smtClean="0"/>
-              <a:t>19-Jun-15</a:t>
+              <a:t>1/23/2017</a:t>
             </a:fld>
             <a:endParaRPr lang="en-US"/>
           </a:p>
@@ -4852,10 +4814,9 @@
           <a:lstStyle/>
           <a:p>
             <a:r>
-              <a:rPr lang="en-US" smtClean="0"/>
+              <a:rPr lang="en-US"/>
               <a:t>Click to edit Master title style</a:t>
             </a:r>
-            <a:endParaRPr lang="en-US"/>
           </a:p>
         </p:txBody>
       </p:sp>
@@ -4876,7 +4837,7 @@
           <a:p>
             <a:fld id="{699DC775-C286-4358-8C92-D7E584E969B3}" type="datetimeFigureOut">
               <a:rPr lang="en-US" smtClean="0"/>
-              <a:t>19-Jun-15</a:t>
+              <a:t>1/23/2017</a:t>
             </a:fld>
             <a:endParaRPr lang="en-US"/>
           </a:p>
@@ -4979,7 +4940,7 @@
           <a:p>
             <a:fld id="{699DC775-C286-4358-8C92-D7E584E969B3}" type="datetimeFigureOut">
               <a:rPr lang="en-US" smtClean="0"/>
-              <a:t>19-Jun-15</a:t>
+              <a:t>1/23/2017</a:t>
             </a:fld>
             <a:endParaRPr lang="en-US"/>
           </a:p>
@@ -5082,10 +5043,9 @@
           </a:lstStyle>
           <a:p>
             <a:r>
-              <a:rPr lang="en-US" smtClean="0"/>
+              <a:rPr lang="en-US"/>
               <a:t>Click to edit Master title style</a:t>
             </a:r>
-            <a:endParaRPr lang="en-US"/>
           </a:p>
         </p:txBody>
       </p:sp>
@@ -5202,7 +5162,7 @@
           <a:p>
             <a:pPr lvl="0"/>
             <a:r>
-              <a:rPr lang="en-US" smtClean="0"/>
+              <a:rPr lang="en-US"/>
               <a:t>Click to edit Master text styles</a:t>
             </a:r>
           </a:p>
@@ -5225,7 +5185,7 @@
           <a:p>
             <a:fld id="{699DC775-C286-4358-8C92-D7E584E969B3}" type="datetimeFigureOut">
               <a:rPr lang="en-US" smtClean="0"/>
-              <a:t>19-Jun-15</a:t>
+              <a:t>1/23/2017</a:t>
             </a:fld>
             <a:endParaRPr lang="en-US"/>
           </a:p>
@@ -5336,10 +5296,9 @@
           </a:lstStyle>
           <a:p>
             <a:r>
-              <a:rPr lang="en-US" smtClean="0"/>
+              <a:rPr lang="en-US"/>
               <a:t>Click to edit Master title style</a:t>
             </a:r>
-            <a:endParaRPr lang="en-US"/>
           </a:p>
         </p:txBody>
       </p:sp>
@@ -5393,38 +5352,37 @@
           <a:p>
             <a:pPr lvl="0"/>
             <a:r>
-              <a:rPr lang="en-US" smtClean="0"/>
+              <a:rPr lang="en-US"/>
               <a:t>Click to edit Master text styles</a:t>
             </a:r>
           </a:p>
           <a:p>
             <a:pPr lvl="1"/>
             <a:r>
-              <a:rPr lang="en-US" smtClean="0"/>
+              <a:rPr lang="en-US"/>
               <a:t>Second level</a:t>
             </a:r>
           </a:p>
           <a:p>
             <a:pPr lvl="2"/>
             <a:r>
-              <a:rPr lang="en-US" smtClean="0"/>
+              <a:rPr lang="en-US"/>
               <a:t>Third level</a:t>
             </a:r>
           </a:p>
           <a:p>
             <a:pPr lvl="3"/>
             <a:r>
-              <a:rPr lang="en-US" smtClean="0"/>
+              <a:rPr lang="en-US"/>
               <a:t>Fourth level</a:t>
             </a:r>
           </a:p>
           <a:p>
             <a:pPr lvl="4"/>
             <a:r>
-              <a:rPr lang="en-US" smtClean="0"/>
+              <a:rPr lang="en-US"/>
               <a:t>Fifth level</a:t>
             </a:r>
-            <a:endParaRPr lang="en-US"/>
           </a:p>
         </p:txBody>
       </p:sp>
@@ -5487,7 +5445,7 @@
           <a:p>
             <a:pPr lvl="0"/>
             <a:r>
-              <a:rPr lang="en-US" smtClean="0"/>
+              <a:rPr lang="en-US"/>
               <a:t>Click to edit Master text styles</a:t>
             </a:r>
           </a:p>
@@ -5510,7 +5468,7 @@
           <a:p>
             <a:fld id="{699DC775-C286-4358-8C92-D7E584E969B3}" type="datetimeFigureOut">
               <a:rPr lang="en-US" smtClean="0"/>
-              <a:t>19-Jun-15</a:t>
+              <a:t>1/23/2017</a:t>
             </a:fld>
             <a:endParaRPr lang="en-US"/>
           </a:p>
@@ -5621,10 +5579,9 @@
           </a:lstStyle>
           <a:p>
             <a:r>
-              <a:rPr lang="en-US" smtClean="0"/>
+              <a:rPr lang="en-US"/>
               <a:t>Click to edit Master title style</a:t>
             </a:r>
-            <a:endParaRPr lang="en-US"/>
           </a:p>
         </p:txBody>
       </p:sp>
@@ -5748,7 +5705,7 @@
           <a:p>
             <a:pPr lvl="0"/>
             <a:r>
-              <a:rPr lang="en-US" smtClean="0"/>
+              <a:rPr lang="en-US"/>
               <a:t>Click to edit Master text styles</a:t>
             </a:r>
           </a:p>
@@ -5771,7 +5728,7 @@
           <a:p>
             <a:fld id="{699DC775-C286-4358-8C92-D7E584E969B3}" type="datetimeFigureOut">
               <a:rPr lang="en-US" smtClean="0"/>
-              <a:t>19-Jun-15</a:t>
+              <a:t>1/23/2017</a:t>
             </a:fld>
             <a:endParaRPr lang="en-US"/>
           </a:p>
@@ -5873,10 +5830,9 @@
           <a:lstStyle/>
           <a:p>
             <a:r>
-              <a:rPr lang="en-US" smtClean="0"/>
+              <a:rPr lang="en-US"/>
               <a:t>Click to edit Master title style</a:t>
             </a:r>
-            <a:endParaRPr lang="en-US"/>
           </a:p>
         </p:txBody>
       </p:sp>
@@ -5897,38 +5853,37 @@
           <a:p>
             <a:pPr lvl="0"/>
             <a:r>
-              <a:rPr lang="en-US" smtClean="0"/>
+              <a:rPr lang="en-US"/>
               <a:t>Click to edit Master text styles</a:t>
             </a:r>
           </a:p>
           <a:p>
             <a:pPr lvl="1"/>
             <a:r>
-              <a:rPr lang="en-US" smtClean="0"/>
+              <a:rPr lang="en-US"/>
               <a:t>Second level</a:t>
             </a:r>
           </a:p>
           <a:p>
             <a:pPr lvl="2"/>
             <a:r>
-              <a:rPr lang="en-US" smtClean="0"/>
+              <a:rPr lang="en-US"/>
               <a:t>Third level</a:t>
             </a:r>
           </a:p>
           <a:p>
             <a:pPr lvl="3"/>
             <a:r>
-              <a:rPr lang="en-US" smtClean="0"/>
+              <a:rPr lang="en-US"/>
               <a:t>Fourth level</a:t>
             </a:r>
           </a:p>
           <a:p>
             <a:pPr lvl="4"/>
             <a:r>
-              <a:rPr lang="en-US" smtClean="0"/>
+              <a:rPr lang="en-US"/>
               <a:t>Fifth level</a:t>
             </a:r>
-            <a:endParaRPr lang="en-US"/>
           </a:p>
         </p:txBody>
       </p:sp>
@@ -5949,7 +5904,7 @@
           <a:p>
             <a:fld id="{699DC775-C286-4358-8C92-D7E584E969B3}" type="datetimeFigureOut">
               <a:rPr lang="en-US" smtClean="0"/>
-              <a:t>19-Jun-15</a:t>
+              <a:t>1/23/2017</a:t>
             </a:fld>
             <a:endParaRPr lang="en-US"/>
           </a:p>
@@ -6056,10 +6011,9 @@
           <a:lstStyle/>
           <a:p>
             <a:r>
-              <a:rPr lang="en-US" smtClean="0"/>
+              <a:rPr lang="en-US"/>
               <a:t>Click to edit Master title style</a:t>
             </a:r>
-            <a:endParaRPr lang="en-US"/>
           </a:p>
         </p:txBody>
       </p:sp>
@@ -6085,38 +6039,37 @@
           <a:p>
             <a:pPr lvl="0"/>
             <a:r>
-              <a:rPr lang="en-US" smtClean="0"/>
+              <a:rPr lang="en-US"/>
               <a:t>Click to edit Master text styles</a:t>
             </a:r>
           </a:p>
           <a:p>
             <a:pPr lvl="1"/>
             <a:r>
-              <a:rPr lang="en-US" smtClean="0"/>
+              <a:rPr lang="en-US"/>
               <a:t>Second level</a:t>
             </a:r>
           </a:p>
           <a:p>
             <a:pPr lvl="2"/>
             <a:r>
-              <a:rPr lang="en-US" smtClean="0"/>
+              <a:rPr lang="en-US"/>
               <a:t>Third level</a:t>
             </a:r>
           </a:p>
           <a:p>
             <a:pPr lvl="3"/>
             <a:r>
-              <a:rPr lang="en-US" smtClean="0"/>
+              <a:rPr lang="en-US"/>
               <a:t>Fourth level</a:t>
             </a:r>
           </a:p>
           <a:p>
             <a:pPr lvl="4"/>
             <a:r>
-              <a:rPr lang="en-US" smtClean="0"/>
+              <a:rPr lang="en-US"/>
               <a:t>Fifth level</a:t>
             </a:r>
-            <a:endParaRPr lang="en-US"/>
           </a:p>
         </p:txBody>
       </p:sp>
@@ -6137,7 +6090,7 @@
           <a:p>
             <a:fld id="{699DC775-C286-4358-8C92-D7E584E969B3}" type="datetimeFigureOut">
               <a:rPr lang="en-US" smtClean="0"/>
-              <a:t>19-Jun-15</a:t>
+              <a:t>1/23/2017</a:t>
             </a:fld>
             <a:endParaRPr lang="en-US"/>
           </a:p>
@@ -6231,10 +6184,9 @@
           <a:lstStyle/>
           <a:p>
             <a:r>
-              <a:rPr lang="en-US" smtClean="0"/>
+              <a:rPr lang="en-US"/>
               <a:t>Click to edit Master title style</a:t>
             </a:r>
-            <a:endParaRPr lang="en-US"/>
           </a:p>
         </p:txBody>
       </p:sp>
@@ -6288,38 +6240,37 @@
           <a:p>
             <a:pPr lvl="0"/>
             <a:r>
-              <a:rPr lang="en-US" smtClean="0"/>
+              <a:rPr lang="en-US"/>
               <a:t>Click to edit Master text styles</a:t>
             </a:r>
           </a:p>
           <a:p>
             <a:pPr lvl="1"/>
             <a:r>
-              <a:rPr lang="en-US" smtClean="0"/>
+              <a:rPr lang="en-US"/>
               <a:t>Second level</a:t>
             </a:r>
           </a:p>
           <a:p>
             <a:pPr lvl="2"/>
             <a:r>
-              <a:rPr lang="en-US" smtClean="0"/>
+              <a:rPr lang="en-US"/>
               <a:t>Third level</a:t>
             </a:r>
           </a:p>
           <a:p>
             <a:pPr lvl="3"/>
             <a:r>
-              <a:rPr lang="en-US" smtClean="0"/>
+              <a:rPr lang="en-US"/>
               <a:t>Fourth level</a:t>
             </a:r>
           </a:p>
           <a:p>
             <a:pPr lvl="4"/>
             <a:r>
-              <a:rPr lang="en-US" smtClean="0"/>
+              <a:rPr lang="en-US"/>
               <a:t>Fifth level</a:t>
             </a:r>
-            <a:endParaRPr lang="en-US"/>
           </a:p>
         </p:txBody>
       </p:sp>
@@ -6373,38 +6324,37 @@
           <a:p>
             <a:pPr lvl="0"/>
             <a:r>
-              <a:rPr lang="en-US" smtClean="0"/>
+              <a:rPr lang="en-US"/>
               <a:t>Click to edit Master text styles</a:t>
             </a:r>
           </a:p>
           <a:p>
             <a:pPr lvl="1"/>
             <a:r>
-              <a:rPr lang="en-US" smtClean="0"/>
+              <a:rPr lang="en-US"/>
               <a:t>Second level</a:t>
             </a:r>
           </a:p>
           <a:p>
             <a:pPr lvl="2"/>
             <a:r>
-              <a:rPr lang="en-US" smtClean="0"/>
+              <a:rPr lang="en-US"/>
               <a:t>Third level</a:t>
             </a:r>
           </a:p>
           <a:p>
             <a:pPr lvl="3"/>
             <a:r>
-              <a:rPr lang="en-US" smtClean="0"/>
+              <a:rPr lang="en-US"/>
               <a:t>Fourth level</a:t>
             </a:r>
           </a:p>
           <a:p>
             <a:pPr lvl="4"/>
             <a:r>
-              <a:rPr lang="en-US" smtClean="0"/>
+              <a:rPr lang="en-US"/>
               <a:t>Fifth level</a:t>
             </a:r>
-            <a:endParaRPr lang="en-US"/>
           </a:p>
         </p:txBody>
       </p:sp>
@@ -6425,7 +6375,7 @@
           <a:p>
             <a:fld id="{699DC775-C286-4358-8C92-D7E584E969B3}" type="datetimeFigureOut">
               <a:rPr lang="en-US" smtClean="0"/>
-              <a:t>19-Jun-15</a:t>
+              <a:t>1/23/2017</a:t>
             </a:fld>
             <a:endParaRPr lang="en-US"/>
           </a:p>
@@ -6523,10 +6473,9 @@
           </a:lstStyle>
           <a:p>
             <a:r>
-              <a:rPr lang="en-US" smtClean="0"/>
+              <a:rPr lang="en-US"/>
               <a:t>Click to edit Master title style</a:t>
             </a:r>
-            <a:endParaRPr lang="en-US"/>
           </a:p>
         </p:txBody>
       </p:sp>
@@ -6589,7 +6538,7 @@
           <a:p>
             <a:pPr lvl="0"/>
             <a:r>
-              <a:rPr lang="en-US" smtClean="0"/>
+              <a:rPr lang="en-US"/>
               <a:t>Click to edit Master text styles</a:t>
             </a:r>
           </a:p>
@@ -6645,38 +6594,37 @@
           <a:p>
             <a:pPr lvl="0"/>
             <a:r>
-              <a:rPr lang="en-US" smtClean="0"/>
+              <a:rPr lang="en-US"/>
               <a:t>Click to edit Master text styles</a:t>
             </a:r>
           </a:p>
           <a:p>
             <a:pPr lvl="1"/>
             <a:r>
-              <a:rPr lang="en-US" smtClean="0"/>
+              <a:rPr lang="en-US"/>
               <a:t>Second level</a:t>
             </a:r>
           </a:p>
           <a:p>
             <a:pPr lvl="2"/>
             <a:r>
-              <a:rPr lang="en-US" smtClean="0"/>
+              <a:rPr lang="en-US"/>
               <a:t>Third level</a:t>
             </a:r>
           </a:p>
           <a:p>
             <a:pPr lvl="3"/>
             <a:r>
-              <a:rPr lang="en-US" smtClean="0"/>
+              <a:rPr lang="en-US"/>
               <a:t>Fourth level</a:t>
             </a:r>
           </a:p>
           <a:p>
             <a:pPr lvl="4"/>
             <a:r>
-              <a:rPr lang="en-US" smtClean="0"/>
+              <a:rPr lang="en-US"/>
               <a:t>Fifth level</a:t>
             </a:r>
-            <a:endParaRPr lang="en-US"/>
           </a:p>
         </p:txBody>
       </p:sp>
@@ -6739,7 +6687,7 @@
           <a:p>
             <a:pPr lvl="0"/>
             <a:r>
-              <a:rPr lang="en-US" smtClean="0"/>
+              <a:rPr lang="en-US"/>
               <a:t>Click to edit Master text styles</a:t>
             </a:r>
           </a:p>
@@ -6795,38 +6743,37 @@
           <a:p>
             <a:pPr lvl="0"/>
             <a:r>
-              <a:rPr lang="en-US" smtClean="0"/>
+              <a:rPr lang="en-US"/>
               <a:t>Click to edit Master text styles</a:t>
             </a:r>
           </a:p>
           <a:p>
             <a:pPr lvl="1"/>
             <a:r>
-              <a:rPr lang="en-US" smtClean="0"/>
+              <a:rPr lang="en-US"/>
               <a:t>Second level</a:t>
             </a:r>
           </a:p>
           <a:p>
             <a:pPr lvl="2"/>
             <a:r>
-              <a:rPr lang="en-US" smtClean="0"/>
+              <a:rPr lang="en-US"/>
               <a:t>Third level</a:t>
             </a:r>
           </a:p>
           <a:p>
             <a:pPr lvl="3"/>
             <a:r>
-              <a:rPr lang="en-US" smtClean="0"/>
+              <a:rPr lang="en-US"/>
               <a:t>Fourth level</a:t>
             </a:r>
           </a:p>
           <a:p>
             <a:pPr lvl="4"/>
             <a:r>
-              <a:rPr lang="en-US" smtClean="0"/>
+              <a:rPr lang="en-US"/>
               <a:t>Fifth level</a:t>
             </a:r>
-            <a:endParaRPr lang="en-US"/>
           </a:p>
         </p:txBody>
       </p:sp>
@@ -6847,7 +6794,7 @@
           <a:p>
             <a:fld id="{699DC775-C286-4358-8C92-D7E584E969B3}" type="datetimeFigureOut">
               <a:rPr lang="en-US" smtClean="0"/>
-              <a:t>19-Jun-15</a:t>
+              <a:t>1/23/2017</a:t>
             </a:fld>
             <a:endParaRPr lang="en-US"/>
           </a:p>
@@ -6941,10 +6888,9 @@
           <a:lstStyle/>
           <a:p>
             <a:r>
-              <a:rPr lang="en-US" smtClean="0"/>
+              <a:rPr lang="en-US"/>
               <a:t>Click to edit Master title style</a:t>
             </a:r>
-            <a:endParaRPr lang="en-US"/>
           </a:p>
         </p:txBody>
       </p:sp>
@@ -6965,7 +6911,7 @@
           <a:p>
             <a:fld id="{699DC775-C286-4358-8C92-D7E584E969B3}" type="datetimeFigureOut">
               <a:rPr lang="en-US" smtClean="0"/>
-              <a:t>19-Jun-15</a:t>
+              <a:t>1/23/2017</a:t>
             </a:fld>
             <a:endParaRPr lang="en-US"/>
           </a:p>
@@ -7060,7 +7006,7 @@
           <a:p>
             <a:fld id="{699DC775-C286-4358-8C92-D7E584E969B3}" type="datetimeFigureOut">
               <a:rPr lang="en-US" smtClean="0"/>
-              <a:t>19-Jun-15</a:t>
+              <a:t>1/23/2017</a:t>
             </a:fld>
             <a:endParaRPr lang="en-US"/>
           </a:p>
@@ -7163,10 +7109,9 @@
           </a:lstStyle>
           <a:p>
             <a:r>
-              <a:rPr lang="en-US" smtClean="0"/>
+              <a:rPr lang="en-US"/>
               <a:t>Click to edit Master title style</a:t>
             </a:r>
-            <a:endParaRPr lang="en-US"/>
           </a:p>
         </p:txBody>
       </p:sp>
@@ -7220,38 +7165,37 @@
           <a:p>
             <a:pPr lvl="0"/>
             <a:r>
-              <a:rPr lang="en-US" smtClean="0"/>
+              <a:rPr lang="en-US"/>
               <a:t>Click to edit Master text styles</a:t>
             </a:r>
           </a:p>
           <a:p>
             <a:pPr lvl="1"/>
             <a:r>
-              <a:rPr lang="en-US" smtClean="0"/>
+              <a:rPr lang="en-US"/>
               <a:t>Second level</a:t>
             </a:r>
           </a:p>
           <a:p>
             <a:pPr lvl="2"/>
             <a:r>
-              <a:rPr lang="en-US" smtClean="0"/>
+              <a:rPr lang="en-US"/>
               <a:t>Third level</a:t>
             </a:r>
           </a:p>
           <a:p>
             <a:pPr lvl="3"/>
             <a:r>
-              <a:rPr lang="en-US" smtClean="0"/>
+              <a:rPr lang="en-US"/>
               <a:t>Fourth level</a:t>
             </a:r>
           </a:p>
           <a:p>
             <a:pPr lvl="4"/>
             <a:r>
-              <a:rPr lang="en-US" smtClean="0"/>
+              <a:rPr lang="en-US"/>
               <a:t>Fifth level</a:t>
             </a:r>
-            <a:endParaRPr lang="en-US"/>
           </a:p>
         </p:txBody>
       </p:sp>
@@ -7314,7 +7258,7 @@
           <a:p>
             <a:pPr lvl="0"/>
             <a:r>
-              <a:rPr lang="en-US" smtClean="0"/>
+              <a:rPr lang="en-US"/>
               <a:t>Click to edit Master text styles</a:t>
             </a:r>
           </a:p>
@@ -7337,7 +7281,7 @@
           <a:p>
             <a:fld id="{699DC775-C286-4358-8C92-D7E584E969B3}" type="datetimeFigureOut">
               <a:rPr lang="en-US" smtClean="0"/>
-              <a:t>19-Jun-15</a:t>
+              <a:t>1/23/2017</a:t>
             </a:fld>
             <a:endParaRPr lang="en-US"/>
           </a:p>
@@ -7440,10 +7384,9 @@
           </a:lstStyle>
           <a:p>
             <a:r>
-              <a:rPr lang="en-US" smtClean="0"/>
+              <a:rPr lang="en-US"/>
               <a:t>Click to edit Master title style</a:t>
             </a:r>
-            <a:endParaRPr lang="en-US"/>
           </a:p>
         </p:txBody>
       </p:sp>
@@ -7567,7 +7510,7 @@
           <a:p>
             <a:pPr lvl="0"/>
             <a:r>
-              <a:rPr lang="en-US" smtClean="0"/>
+              <a:rPr lang="en-US"/>
               <a:t>Click to edit Master text styles</a:t>
             </a:r>
           </a:p>
@@ -7590,7 +7533,7 @@
           <a:p>
             <a:fld id="{699DC775-C286-4358-8C92-D7E584E969B3}" type="datetimeFigureOut">
               <a:rPr lang="en-US" smtClean="0"/>
-              <a:t>19-Jun-15</a:t>
+              <a:t>1/23/2017</a:t>
             </a:fld>
             <a:endParaRPr lang="en-US"/>
           </a:p>
@@ -7699,10 +7642,9 @@
           <a:lstStyle/>
           <a:p>
             <a:r>
-              <a:rPr lang="en-US" smtClean="0"/>
+              <a:rPr lang="en-US"/>
               <a:t>Click to edit Master title style</a:t>
             </a:r>
-            <a:endParaRPr lang="en-US"/>
           </a:p>
         </p:txBody>
       </p:sp>
@@ -7733,38 +7675,37 @@
           <a:p>
             <a:pPr lvl="0"/>
             <a:r>
-              <a:rPr lang="en-US" smtClean="0"/>
+              <a:rPr lang="en-US"/>
               <a:t>Click to edit Master text styles</a:t>
             </a:r>
           </a:p>
           <a:p>
             <a:pPr lvl="1"/>
             <a:r>
-              <a:rPr lang="en-US" smtClean="0"/>
+              <a:rPr lang="en-US"/>
               <a:t>Second level</a:t>
             </a:r>
           </a:p>
           <a:p>
             <a:pPr lvl="2"/>
             <a:r>
-              <a:rPr lang="en-US" smtClean="0"/>
+              <a:rPr lang="en-US"/>
               <a:t>Third level</a:t>
             </a:r>
           </a:p>
           <a:p>
             <a:pPr lvl="3"/>
             <a:r>
-              <a:rPr lang="en-US" smtClean="0"/>
+              <a:rPr lang="en-US"/>
               <a:t>Fourth level</a:t>
             </a:r>
           </a:p>
           <a:p>
             <a:pPr lvl="4"/>
             <a:r>
-              <a:rPr lang="en-US" smtClean="0"/>
+              <a:rPr lang="en-US"/>
               <a:t>Fifth level</a:t>
             </a:r>
-            <a:endParaRPr lang="en-US"/>
           </a:p>
         </p:txBody>
       </p:sp>
@@ -7803,7 +7744,7 @@
           <a:p>
             <a:fld id="{699DC775-C286-4358-8C92-D7E584E969B3}" type="datetimeFigureOut">
               <a:rPr lang="en-US" smtClean="0"/>
-              <a:t>19-Jun-15</a:t>
+              <a:t>1/23/2017</a:t>
             </a:fld>
             <a:endParaRPr lang="en-US"/>
           </a:p>
@@ -8214,10 +8155,9 @@
           <a:lstStyle/>
           <a:p>
             <a:r>
-              <a:rPr lang="en-US" smtClean="0"/>
+              <a:rPr lang="en-US"/>
               <a:t>Click to edit Master title style</a:t>
             </a:r>
-            <a:endParaRPr lang="en-US"/>
           </a:p>
         </p:txBody>
       </p:sp>
@@ -8248,38 +8188,37 @@
           <a:p>
             <a:pPr lvl="0"/>
             <a:r>
-              <a:rPr lang="en-US" smtClean="0"/>
+              <a:rPr lang="en-US"/>
               <a:t>Click to edit Master text styles</a:t>
             </a:r>
           </a:p>
           <a:p>
             <a:pPr lvl="1"/>
             <a:r>
-              <a:rPr lang="en-US" smtClean="0"/>
+              <a:rPr lang="en-US"/>
               <a:t>Second level</a:t>
             </a:r>
           </a:p>
           <a:p>
             <a:pPr lvl="2"/>
             <a:r>
-              <a:rPr lang="en-US" smtClean="0"/>
+              <a:rPr lang="en-US"/>
               <a:t>Third level</a:t>
             </a:r>
           </a:p>
           <a:p>
             <a:pPr lvl="3"/>
             <a:r>
-              <a:rPr lang="en-US" smtClean="0"/>
+              <a:rPr lang="en-US"/>
               <a:t>Fourth level</a:t>
             </a:r>
           </a:p>
           <a:p>
             <a:pPr lvl="4"/>
             <a:r>
-              <a:rPr lang="en-US" smtClean="0"/>
+              <a:rPr lang="en-US"/>
               <a:t>Fifth level</a:t>
             </a:r>
-            <a:endParaRPr lang="en-US"/>
           </a:p>
         </p:txBody>
       </p:sp>
@@ -8318,7 +8257,7 @@
           <a:p>
             <a:fld id="{699DC775-C286-4358-8C92-D7E584E969B3}" type="datetimeFigureOut">
               <a:rPr lang="en-US" smtClean="0"/>
-              <a:t>19-Jun-15</a:t>
+              <a:t>1/23/2017</a:t>
             </a:fld>
             <a:endParaRPr lang="en-US"/>
           </a:p>
@@ -8727,10 +8666,9 @@
           <a:lstStyle/>
           <a:p>
             <a:r>
-              <a:rPr lang="en-US" dirty="0" smtClean="0"/>
+              <a:rPr lang="en-US" dirty="0"/>
               <a:t>Click to edit Master title style</a:t>
             </a:r>
-            <a:endParaRPr lang="en-US" dirty="0"/>
           </a:p>
         </p:txBody>
       </p:sp>
@@ -8761,38 +8699,37 @@
           <a:p>
             <a:pPr lvl="0"/>
             <a:r>
-              <a:rPr lang="en-US" smtClean="0"/>
+              <a:rPr lang="en-US"/>
               <a:t>Click to edit Master text styles</a:t>
             </a:r>
           </a:p>
           <a:p>
             <a:pPr lvl="1"/>
             <a:r>
-              <a:rPr lang="en-US" smtClean="0"/>
+              <a:rPr lang="en-US"/>
               <a:t>Second level</a:t>
             </a:r>
           </a:p>
           <a:p>
             <a:pPr lvl="2"/>
             <a:r>
-              <a:rPr lang="en-US" smtClean="0"/>
+              <a:rPr lang="en-US"/>
               <a:t>Third level</a:t>
             </a:r>
           </a:p>
           <a:p>
             <a:pPr lvl="3"/>
             <a:r>
-              <a:rPr lang="en-US" smtClean="0"/>
+              <a:rPr lang="en-US"/>
               <a:t>Fourth level</a:t>
             </a:r>
           </a:p>
           <a:p>
             <a:pPr lvl="4"/>
             <a:r>
-              <a:rPr lang="en-US" smtClean="0"/>
+              <a:rPr lang="en-US"/>
               <a:t>Fifth level</a:t>
             </a:r>
-            <a:endParaRPr lang="en-US"/>
           </a:p>
         </p:txBody>
       </p:sp>
@@ -8831,7 +8768,7 @@
           <a:p>
             <a:fld id="{699DC775-C286-4358-8C92-D7E584E969B3}" type="datetimeFigureOut">
               <a:rPr lang="en-US" smtClean="0"/>
-              <a:t>19-Jun-15</a:t>
+              <a:t>1/23/2017</a:t>
             </a:fld>
             <a:endParaRPr lang="en-US"/>
           </a:p>
@@ -9232,7 +9169,7 @@
           <a:p>
             <a:pPr algn="ctr"/>
             <a:r>
-              <a:rPr lang="en-US" b="1" smtClean="0">
+              <a:rPr lang="en-US" b="1">
                 <a:solidFill>
                   <a:srgbClr val="FFFF00"/>
                 </a:solidFill>
@@ -9243,18 +9180,13 @@
           <a:p>
             <a:pPr algn="ctr"/>
             <a:r>
-              <a:rPr lang="en-US" smtClean="0">
+              <a:rPr lang="en-US">
                 <a:solidFill>
                   <a:srgbClr val="FFFFFF"/>
                 </a:solidFill>
               </a:rPr>
               <a:t>Adjust the design of this slide and click the 'Sync Agenda' (in Agenda Lab) to replicate the design in the other slides.</a:t>
             </a:r>
-            <a:endParaRPr lang="en-US">
-              <a:solidFill>
-                <a:srgbClr val="FFFFFF"/>
-              </a:solidFill>
-            </a:endParaRPr>
           </a:p>
         </p:txBody>
       </p:sp>
@@ -9355,18 +9287,13 @@
             <a:lstStyle/>
             <a:p>
               <a:r>
-                <a:rPr lang="en-US" smtClean="0">
+                <a:rPr lang="en-US">
                   <a:solidFill>
                     <a:srgbClr val="FFFFFF"/>
                   </a:solidFill>
                 </a:rPr>
                 <a:t>One Slide</a:t>
               </a:r>
-              <a:endParaRPr lang="en-US">
-                <a:solidFill>
-                  <a:srgbClr val="FFFFFF"/>
-                </a:solidFill>
-              </a:endParaRPr>
             </a:p>
           </p:txBody>
         </p:sp>
@@ -9393,18 +9320,13 @@
             <a:lstStyle/>
             <a:p>
               <a:r>
-                <a:rPr lang="en-US" smtClean="0">
+                <a:rPr lang="en-US">
                   <a:solidFill>
                     <a:srgbClr val="FFFFFF"/>
                   </a:solidFill>
                 </a:rPr>
                 <a:t>Two Slides</a:t>
               </a:r>
-              <a:endParaRPr lang="en-US">
-                <a:solidFill>
-                  <a:srgbClr val="FFFFFF"/>
-                </a:solidFill>
-              </a:endParaRPr>
             </a:p>
           </p:txBody>
         </p:sp>
@@ -9431,18 +9353,13 @@
             <a:lstStyle/>
             <a:p>
               <a:r>
-                <a:rPr lang="en-US" smtClean="0">
+                <a:rPr lang="en-US">
                   <a:solidFill>
                     <a:srgbClr val="FFFFFF"/>
                   </a:solidFill>
                 </a:rPr>
                 <a:t>Same Name</a:t>
               </a:r>
-              <a:endParaRPr lang="en-US">
-                <a:solidFill>
-                  <a:srgbClr val="FFFFFF"/>
-                </a:solidFill>
-              </a:endParaRPr>
             </a:p>
           </p:txBody>
         </p:sp>
@@ -9469,18 +9386,13 @@
             <a:lstStyle/>
             <a:p>
               <a:r>
-                <a:rPr lang="en-US" smtClean="0">
+                <a:rPr lang="en-US">
                   <a:solidFill>
                     <a:srgbClr val="FFFFFF"/>
                   </a:solidFill>
                 </a:rPr>
                 <a:t>Same Name</a:t>
               </a:r>
-              <a:endParaRPr lang="en-US">
-                <a:solidFill>
-                  <a:srgbClr val="FFFFFF"/>
-                </a:solidFill>
-              </a:endParaRPr>
             </a:p>
           </p:txBody>
         </p:sp>
@@ -9507,7 +9419,7 @@
             <a:lstStyle/>
             <a:p>
               <a:r>
-                <a:rPr lang="ja-JP" altLang="en-US" smtClean="0">
+                <a:rPr lang="ja-JP" altLang="en-US">
                   <a:solidFill>
                     <a:srgbClr val="FFFFFF"/>
                   </a:solidFill>
@@ -9515,18 +9427,13 @@
                 <a:t>あいうえお</a:t>
               </a:r>
               <a:r>
-                <a:rPr lang="en-US" smtClean="0">
+                <a:rPr lang="en-US">
                   <a:solidFill>
                     <a:srgbClr val="FFFFFF"/>
                   </a:solidFill>
                 </a:rPr>
                 <a:t>kl)(*&amp;%$#@85v_+)0_@#%L:CF]1</a:t>
               </a:r>
-              <a:endParaRPr lang="en-US">
-                <a:solidFill>
-                  <a:srgbClr val="FFFFFF"/>
-                </a:solidFill>
-              </a:endParaRPr>
             </a:p>
           </p:txBody>
         </p:sp>
@@ -9553,18 +9460,13 @@
             <a:lstStyle/>
             <a:p>
               <a:r>
-                <a:rPr lang="en-US" smtClean="0">
+                <a:rPr lang="en-US">
                   <a:solidFill>
                     <a:srgbClr val="FFFF00"/>
                   </a:solidFill>
                 </a:rPr>
                 <a:t>Highlighted</a:t>
               </a:r>
-              <a:endParaRPr lang="en-US">
-                <a:solidFill>
-                  <a:srgbClr val="FFFF00"/>
-                </a:solidFill>
-              </a:endParaRPr>
             </a:p>
           </p:txBody>
         </p:sp>
@@ -9579,14 +9481,6 @@
   <p:clrMapOvr>
     <a:masterClrMapping/>
   </p:clrMapOvr>
-  <mc:AlternateContent xmlns:mc="http://schemas.openxmlformats.org/markup-compatibility/2006">
-    <mc:Choice xmlns:p14="http://schemas.microsoft.com/office/powerpoint/2010/main" Requires="p14">
-      <p:transition spd="slow" p14:dur="2000"/>
-    </mc:Choice>
-    <mc:Fallback>
-      <p:transition spd="slow"/>
-    </mc:Fallback>
-  </mc:AlternateContent>
   <p:timing>
     <p:tnLst>
       <p:par>
@@ -9821,18 +9715,13 @@
             <a:lstStyle/>
             <a:p>
               <a:r>
-                <a:rPr lang="en-US" smtClean="0">
+                <a:rPr lang="en-US">
                   <a:solidFill>
                     <a:srgbClr val="FFFFFF"/>
                   </a:solidFill>
                 </a:rPr>
                 <a:t>One Slide</a:t>
               </a:r>
-              <a:endParaRPr lang="en-US">
-                <a:solidFill>
-                  <a:srgbClr val="FFFFFF"/>
-                </a:solidFill>
-              </a:endParaRPr>
             </a:p>
           </p:txBody>
         </p:sp>
@@ -9859,18 +9748,13 @@
             <a:lstStyle/>
             <a:p>
               <a:r>
-                <a:rPr lang="en-US" smtClean="0">
+                <a:rPr lang="en-US">
                   <a:solidFill>
                     <a:srgbClr val="FFFFFF"/>
                   </a:solidFill>
                 </a:rPr>
                 <a:t>Two Slides</a:t>
               </a:r>
-              <a:endParaRPr lang="en-US">
-                <a:solidFill>
-                  <a:srgbClr val="FFFFFF"/>
-                </a:solidFill>
-              </a:endParaRPr>
             </a:p>
           </p:txBody>
         </p:sp>
@@ -9897,18 +9781,13 @@
             <a:lstStyle/>
             <a:p>
               <a:r>
-                <a:rPr lang="en-US" smtClean="0">
+                <a:rPr lang="en-US">
                   <a:solidFill>
                     <a:srgbClr val="FFFFFF"/>
                   </a:solidFill>
                 </a:rPr>
                 <a:t>Same Name</a:t>
               </a:r>
-              <a:endParaRPr lang="en-US">
-                <a:solidFill>
-                  <a:srgbClr val="FFFFFF"/>
-                </a:solidFill>
-              </a:endParaRPr>
             </a:p>
           </p:txBody>
         </p:sp>
@@ -9936,18 +9815,13 @@
             <a:p>
               <a:pPr lvl="0"/>
               <a:r>
-                <a:rPr lang="en-US" smtClean="0">
+                <a:rPr lang="en-US">
                   <a:solidFill>
                     <a:srgbClr val="FFFF00"/>
                   </a:solidFill>
                 </a:rPr>
                 <a:t>Same Name</a:t>
               </a:r>
-              <a:endParaRPr lang="en-US">
-                <a:solidFill>
-                  <a:srgbClr val="FFFF00"/>
-                </a:solidFill>
-              </a:endParaRPr>
             </a:p>
           </p:txBody>
         </p:sp>
@@ -9974,7 +9848,7 @@
             <a:lstStyle/>
             <a:p>
               <a:r>
-                <a:rPr lang="ja-JP" altLang="en-US" smtClean="0">
+                <a:rPr lang="ja-JP" altLang="en-US">
                   <a:solidFill>
                     <a:srgbClr val="FFFFFF"/>
                   </a:solidFill>
@@ -9982,18 +9856,13 @@
                 <a:t>あいうえお</a:t>
               </a:r>
               <a:r>
-                <a:rPr lang="en-US" smtClean="0">
+                <a:rPr lang="en-US">
                   <a:solidFill>
                     <a:srgbClr val="FFFFFF"/>
                   </a:solidFill>
                 </a:rPr>
                 <a:t>kl)(*&amp;%$#@85v_+)0_@#%L:CF]1</a:t>
               </a:r>
-              <a:endParaRPr lang="en-US">
-                <a:solidFill>
-                  <a:srgbClr val="FFFFFF"/>
-                </a:solidFill>
-              </a:endParaRPr>
             </a:p>
           </p:txBody>
         </p:sp>
@@ -10008,13 +9877,6 @@
   <p:clrMapOvr>
     <a:masterClrMapping/>
   </p:clrMapOvr>
-  <p:timing>
-    <p:tnLst>
-      <p:par>
-        <p:cTn id="1" dur="indefinite" restart="never" nodeType="tmRoot"/>
-      </p:par>
-    </p:tnLst>
-  </p:timing>
 </p:sld>
 </file>
 
@@ -10141,18 +10003,13 @@
             <a:lstStyle/>
             <a:p>
               <a:r>
-                <a:rPr lang="en-US" smtClean="0">
+                <a:rPr lang="en-US">
                   <a:solidFill>
                     <a:srgbClr val="FFFFFF"/>
                   </a:solidFill>
                 </a:rPr>
                 <a:t>One Slide</a:t>
               </a:r>
-              <a:endParaRPr lang="en-US">
-                <a:solidFill>
-                  <a:srgbClr val="FFFFFF"/>
-                </a:solidFill>
-              </a:endParaRPr>
             </a:p>
           </p:txBody>
         </p:sp>
@@ -10179,18 +10036,13 @@
             <a:lstStyle/>
             <a:p>
               <a:r>
-                <a:rPr lang="en-US" smtClean="0">
+                <a:rPr lang="en-US">
                   <a:solidFill>
                     <a:srgbClr val="FFFFFF"/>
                   </a:solidFill>
                 </a:rPr>
                 <a:t>Two Slides</a:t>
               </a:r>
-              <a:endParaRPr lang="en-US">
-                <a:solidFill>
-                  <a:srgbClr val="FFFFFF"/>
-                </a:solidFill>
-              </a:endParaRPr>
             </a:p>
           </p:txBody>
         </p:sp>
@@ -10217,18 +10069,13 @@
             <a:lstStyle/>
             <a:p>
               <a:r>
-                <a:rPr lang="en-US" smtClean="0">
+                <a:rPr lang="en-US">
                   <a:solidFill>
                     <a:srgbClr val="FFFFFF"/>
                   </a:solidFill>
                 </a:rPr>
                 <a:t>Same Name</a:t>
               </a:r>
-              <a:endParaRPr lang="en-US">
-                <a:solidFill>
-                  <a:srgbClr val="FFFFFF"/>
-                </a:solidFill>
-              </a:endParaRPr>
             </a:p>
           </p:txBody>
         </p:sp>
@@ -10256,18 +10103,13 @@
             <a:p>
               <a:pPr lvl="0"/>
               <a:r>
-                <a:rPr lang="en-US" smtClean="0">
+                <a:rPr lang="en-US">
                   <a:solidFill>
                     <a:srgbClr val="FFFF00"/>
                   </a:solidFill>
                 </a:rPr>
                 <a:t>Same Name</a:t>
               </a:r>
-              <a:endParaRPr lang="en-US">
-                <a:solidFill>
-                  <a:srgbClr val="FFFF00"/>
-                </a:solidFill>
-              </a:endParaRPr>
             </a:p>
           </p:txBody>
         </p:sp>
@@ -10294,7 +10136,7 @@
             <a:lstStyle/>
             <a:p>
               <a:r>
-                <a:rPr lang="ja-JP" altLang="en-US" smtClean="0">
+                <a:rPr lang="ja-JP" altLang="en-US">
                   <a:solidFill>
                     <a:srgbClr val="FFFFFF"/>
                   </a:solidFill>
@@ -10302,18 +10144,13 @@
                 <a:t>あいうえお</a:t>
               </a:r>
               <a:r>
-                <a:rPr lang="en-US" smtClean="0">
+                <a:rPr lang="en-US">
                   <a:solidFill>
                     <a:srgbClr val="FFFFFF"/>
                   </a:solidFill>
                 </a:rPr>
                 <a:t>kl)(*&amp;%$#@85v_+)0_@#%L:CF]1</a:t>
               </a:r>
-              <a:endParaRPr lang="en-US">
-                <a:solidFill>
-                  <a:srgbClr val="FFFFFF"/>
-                </a:solidFill>
-              </a:endParaRPr>
             </a:p>
           </p:txBody>
         </p:sp>
@@ -10328,13 +10165,6 @@
   <p:clrMapOvr>
     <a:masterClrMapping/>
   </p:clrMapOvr>
-  <p:timing>
-    <p:tnLst>
-      <p:par>
-        <p:cTn id="1" dur="indefinite" restart="never" nodeType="tmRoot"/>
-      </p:par>
-    </p:tnLst>
-  </p:timing>
 </p:sld>
 </file>
 
@@ -10452,18 +10282,13 @@
             <a:lstStyle/>
             <a:p>
               <a:r>
-                <a:rPr lang="en-US" smtClean="0">
+                <a:rPr lang="en-US">
                   <a:solidFill>
                     <a:srgbClr val="FFFFFF"/>
                   </a:solidFill>
                 </a:rPr>
                 <a:t>One Slide</a:t>
               </a:r>
-              <a:endParaRPr lang="en-US">
-                <a:solidFill>
-                  <a:srgbClr val="FFFFFF"/>
-                </a:solidFill>
-              </a:endParaRPr>
             </a:p>
           </p:txBody>
         </p:sp>
@@ -10490,18 +10315,13 @@
             <a:lstStyle/>
             <a:p>
               <a:r>
-                <a:rPr lang="en-US" smtClean="0">
+                <a:rPr lang="en-US">
                   <a:solidFill>
                     <a:srgbClr val="FFFFFF"/>
                   </a:solidFill>
                 </a:rPr>
                 <a:t>Two Slides</a:t>
               </a:r>
-              <a:endParaRPr lang="en-US">
-                <a:solidFill>
-                  <a:srgbClr val="FFFFFF"/>
-                </a:solidFill>
-              </a:endParaRPr>
             </a:p>
           </p:txBody>
         </p:sp>
@@ -10528,18 +10348,13 @@
             <a:lstStyle/>
             <a:p>
               <a:r>
-                <a:rPr lang="en-US" smtClean="0">
+                <a:rPr lang="en-US">
                   <a:solidFill>
                     <a:srgbClr val="FFFFFF"/>
                   </a:solidFill>
                 </a:rPr>
                 <a:t>Same Name</a:t>
               </a:r>
-              <a:endParaRPr lang="en-US">
-                <a:solidFill>
-                  <a:srgbClr val="FFFFFF"/>
-                </a:solidFill>
-              </a:endParaRPr>
             </a:p>
           </p:txBody>
         </p:sp>
@@ -10567,18 +10382,13 @@
             <a:p>
               <a:pPr lvl="0"/>
               <a:r>
-                <a:rPr lang="en-US" smtClean="0">
+                <a:rPr lang="en-US">
                   <a:solidFill>
                     <a:srgbClr val="FFFF00"/>
                   </a:solidFill>
                 </a:rPr>
                 <a:t>Same Name</a:t>
               </a:r>
-              <a:endParaRPr lang="en-US">
-                <a:solidFill>
-                  <a:srgbClr val="FFFF00"/>
-                </a:solidFill>
-              </a:endParaRPr>
             </a:p>
           </p:txBody>
         </p:sp>
@@ -10605,7 +10415,7 @@
             <a:lstStyle/>
             <a:p>
               <a:r>
-                <a:rPr lang="ja-JP" altLang="en-US" smtClean="0">
+                <a:rPr lang="ja-JP" altLang="en-US">
                   <a:solidFill>
                     <a:srgbClr val="FFFFFF"/>
                   </a:solidFill>
@@ -10613,18 +10423,13 @@
                 <a:t>あいうえお</a:t>
               </a:r>
               <a:r>
-                <a:rPr lang="en-US" smtClean="0">
+                <a:rPr lang="en-US">
                   <a:solidFill>
                     <a:srgbClr val="FFFFFF"/>
                   </a:solidFill>
                 </a:rPr>
                 <a:t>kl)(*&amp;%$#@85v_+)0_@#%L:CF]1</a:t>
               </a:r>
-              <a:endParaRPr lang="en-US">
-                <a:solidFill>
-                  <a:srgbClr val="FFFFFF"/>
-                </a:solidFill>
-              </a:endParaRPr>
             </a:p>
           </p:txBody>
         </p:sp>
@@ -10639,13 +10444,6 @@
   <p:clrMapOvr>
     <a:masterClrMapping/>
   </p:clrMapOvr>
-  <p:timing>
-    <p:tnLst>
-      <p:par>
-        <p:cTn id="1" dur="indefinite" restart="never" nodeType="tmRoot"/>
-      </p:par>
-    </p:tnLst>
-  </p:timing>
 </p:sld>
 </file>
 
@@ -10771,18 +10569,13 @@
             <a:lstStyle/>
             <a:p>
               <a:r>
-                <a:rPr lang="en-US" smtClean="0">
+                <a:rPr lang="en-US">
                   <a:solidFill>
                     <a:srgbClr val="FFFFFF"/>
                   </a:solidFill>
                 </a:rPr>
                 <a:t>One Slide</a:t>
               </a:r>
-              <a:endParaRPr lang="en-US">
-                <a:solidFill>
-                  <a:srgbClr val="FFFFFF"/>
-                </a:solidFill>
-              </a:endParaRPr>
             </a:p>
           </p:txBody>
         </p:sp>
@@ -10809,18 +10602,13 @@
             <a:lstStyle/>
             <a:p>
               <a:r>
-                <a:rPr lang="en-US" smtClean="0">
+                <a:rPr lang="en-US">
                   <a:solidFill>
                     <a:srgbClr val="FFFFFF"/>
                   </a:solidFill>
                 </a:rPr>
                 <a:t>Two Slides</a:t>
               </a:r>
-              <a:endParaRPr lang="en-US">
-                <a:solidFill>
-                  <a:srgbClr val="FFFFFF"/>
-                </a:solidFill>
-              </a:endParaRPr>
             </a:p>
           </p:txBody>
         </p:sp>
@@ -10847,18 +10635,13 @@
             <a:lstStyle/>
             <a:p>
               <a:r>
-                <a:rPr lang="en-US" smtClean="0">
+                <a:rPr lang="en-US">
                   <a:solidFill>
                     <a:srgbClr val="FFFFFF"/>
                   </a:solidFill>
                 </a:rPr>
                 <a:t>Same Name</a:t>
               </a:r>
-              <a:endParaRPr lang="en-US">
-                <a:solidFill>
-                  <a:srgbClr val="FFFFFF"/>
-                </a:solidFill>
-              </a:endParaRPr>
             </a:p>
           </p:txBody>
         </p:sp>
@@ -10885,18 +10668,13 @@
             <a:lstStyle/>
             <a:p>
               <a:r>
-                <a:rPr lang="en-US" smtClean="0">
+                <a:rPr lang="en-US">
                   <a:solidFill>
                     <a:srgbClr val="FFFFFF"/>
                   </a:solidFill>
                 </a:rPr>
                 <a:t>Same Name</a:t>
               </a:r>
-              <a:endParaRPr lang="en-US">
-                <a:solidFill>
-                  <a:srgbClr val="FFFFFF"/>
-                </a:solidFill>
-              </a:endParaRPr>
             </a:p>
           </p:txBody>
         </p:sp>
@@ -10924,7 +10702,7 @@
             <a:p>
               <a:pPr lvl="0"/>
               <a:r>
-                <a:rPr lang="ja-JP" altLang="en-US" smtClean="0">
+                <a:rPr lang="ja-JP" altLang="en-US">
                   <a:solidFill>
                     <a:srgbClr val="FFFF00"/>
                   </a:solidFill>
@@ -10932,18 +10710,13 @@
                 <a:t>あいうえお</a:t>
               </a:r>
               <a:r>
-                <a:rPr lang="en-US" smtClean="0">
+                <a:rPr lang="en-US">
                   <a:solidFill>
                     <a:srgbClr val="FFFF00"/>
                   </a:solidFill>
                 </a:rPr>
                 <a:t>kl)(*&amp;%$#@85v_+)0_@#%L:CF]1</a:t>
               </a:r>
-              <a:endParaRPr lang="en-US">
-                <a:solidFill>
-                  <a:srgbClr val="FFFF00"/>
-                </a:solidFill>
-              </a:endParaRPr>
             </a:p>
           </p:txBody>
         </p:sp>
@@ -10958,13 +10731,6 @@
   <p:clrMapOvr>
     <a:masterClrMapping/>
   </p:clrMapOvr>
-  <p:timing>
-    <p:tnLst>
-      <p:par>
-        <p:cTn id="1" dur="indefinite" restart="never" nodeType="tmRoot"/>
-      </p:par>
-    </p:tnLst>
-  </p:timing>
 </p:sld>
 </file>
 
@@ -10989,7 +10755,7 @@
         <p:nvPicPr>
           <p:cNvPr id="2" name="Picture 1"/>
           <p:cNvPicPr>
-            <a:picLocks/>
+            <a:picLocks noChangeAspect="1"/>
           </p:cNvPicPr>
           <p:nvPr/>
         </p:nvPicPr>
@@ -11007,8 +10773,8 @@
         </p:blipFill>
         <p:spPr>
           <a:xfrm>
-            <a:off x="649224" y="992124"/>
-            <a:ext cx="7845552" cy="4873752"/>
+            <a:off x="0" y="1029202"/>
+            <a:ext cx="9144000" cy="4799596"/>
           </a:xfrm>
           <a:prstGeom prst="rect">
             <a:avLst/>
@@ -11018,21 +10784,13 @@
     </p:spTree>
     <p:extLst>
       <p:ext uri="{BB962C8B-B14F-4D97-AF65-F5344CB8AC3E}">
-        <p14:creationId xmlns:p14="http://schemas.microsoft.com/office/powerpoint/2010/main" val="1306472527"/>
+        <p14:creationId xmlns:p14="http://schemas.microsoft.com/office/powerpoint/2010/main" val="614392867"/>
       </p:ext>
     </p:extLst>
   </p:cSld>
   <p:clrMapOvr>
     <a:masterClrMapping/>
   </p:clrMapOvr>
-  <mc:AlternateContent xmlns:mc="http://schemas.openxmlformats.org/markup-compatibility/2006">
-    <mc:Choice xmlns:p14="http://schemas.microsoft.com/office/powerpoint/2010/main" Requires="p14">
-      <p:transition spd="slow" p14:dur="2000"/>
-    </mc:Choice>
-    <mc:Fallback>
-      <p:transition spd="slow"/>
-    </mc:Fallback>
-  </mc:AlternateContent>
 </p:sld>
 </file>
 
@@ -11071,7 +10829,7 @@
           <a:lstStyle/>
           <a:p>
             <a:r>
-              <a:rPr lang="en-US" sz="5400" b="1" dirty="0" err="1" smtClean="0">
+              <a:rPr lang="en-US" sz="5400" b="1" dirty="0" err="1">
                 <a:solidFill>
                   <a:schemeClr val="accent6">
                     <a:lumMod val="75000"/>
@@ -11081,7 +10839,7 @@
               <a:t>PowerPointLabs</a:t>
             </a:r>
             <a:r>
-              <a:rPr lang="en-US" sz="5400" b="1" dirty="0" smtClean="0">
+              <a:rPr lang="en-US" sz="5400" b="1" dirty="0">
                 <a:solidFill>
                   <a:schemeClr val="accent6">
                     <a:lumMod val="75000"/>
@@ -11119,7 +10877,7 @@
               <a:buNone/>
             </a:pPr>
             <a:r>
-              <a:rPr lang="en-US" b="1" dirty="0" smtClean="0">
+              <a:rPr lang="en-US" b="1" dirty="0">
                 <a:solidFill>
                   <a:srgbClr val="0070C0"/>
                 </a:solidFill>
@@ -11130,34 +10888,21 @@
           <a:p>
             <a:pPr marL="285750" indent="-285750"/>
             <a:r>
-              <a:rPr lang="en-US" b="1" dirty="0" smtClean="0">
-                <a:solidFill>
-                  <a:srgbClr val="0070C0"/>
-                </a:solidFill>
-              </a:rPr>
-              <a:t>DO </a:t>
-            </a:r>
-            <a:r>
               <a:rPr lang="en-US" b="1" dirty="0">
                 <a:solidFill>
                   <a:srgbClr val="0070C0"/>
                 </a:solidFill>
               </a:rPr>
-              <a:t>NOT SAVE </a:t>
-            </a:r>
-            <a:r>
-              <a:rPr lang="en-US" dirty="0" smtClean="0">
+              <a:t>DO NOT SAVE </a:t>
+            </a:r>
+            <a:r>
+              <a:rPr lang="en-US" dirty="0">
                 <a:solidFill>
                   <a:srgbClr val="0070C0"/>
                 </a:solidFill>
               </a:rPr>
               <a:t>these slides after testing. Keep this file in its original form.</a:t>
             </a:r>
-            <a:endParaRPr lang="en-US" dirty="0">
-              <a:solidFill>
-                <a:srgbClr val="0070C0"/>
-              </a:solidFill>
-            </a:endParaRPr>
           </a:p>
           <a:p>
             <a:pPr marL="285750" indent="-285750"/>
@@ -11167,47 +10912,7 @@
                   <a:srgbClr val="0070C0"/>
                 </a:solidFill>
               </a:rPr>
-              <a:t>If </a:t>
-            </a:r>
-            <a:r>
-              <a:rPr lang="en-US" dirty="0" smtClean="0">
-                <a:solidFill>
-                  <a:srgbClr val="0070C0"/>
-                </a:solidFill>
-              </a:rPr>
-              <a:t>your </a:t>
-            </a:r>
-            <a:r>
-              <a:rPr lang="en-US" dirty="0">
-                <a:solidFill>
-                  <a:srgbClr val="0070C0"/>
-                </a:solidFill>
-              </a:rPr>
-              <a:t>result </a:t>
-            </a:r>
-            <a:r>
-              <a:rPr lang="en-US" dirty="0" smtClean="0">
-                <a:solidFill>
-                  <a:srgbClr val="0070C0"/>
-                </a:solidFill>
-              </a:rPr>
-              <a:t>is different from the </a:t>
-            </a:r>
-            <a:r>
-              <a:rPr lang="en-US" dirty="0">
-                <a:solidFill>
-                  <a:srgbClr val="0070C0"/>
-                </a:solidFill>
-              </a:rPr>
-              <a:t>expected output, </a:t>
-            </a:r>
-            <a:r>
-              <a:rPr lang="en-US" dirty="0" smtClean="0">
-                <a:solidFill>
-                  <a:srgbClr val="0070C0"/>
-                </a:solidFill>
-              </a:rPr>
-              <a:t>please submit a bug report (attach slides/screenshots as necessary).</a:t>
+              <a:t>If your result is different from the expected output, please submit a bug report (attach slides/screenshots as necessary).</a:t>
             </a:r>
             <a:endParaRPr lang="en-SG" dirty="0">
               <a:solidFill>
@@ -11230,13 +10935,6 @@
   <p:clrMapOvr>
     <a:masterClrMapping/>
   </p:clrMapOvr>
-  <p:timing>
-    <p:tnLst>
-      <p:par>
-        <p:cTn id="1" dur="indefinite" restart="never" nodeType="tmRoot"/>
-      </p:par>
-    </p:tnLst>
-  </p:timing>
 </p:sld>
 </file>
 
@@ -11291,7 +10989,7 @@
           <a:p>
             <a:pPr algn="l"/>
             <a:r>
-              <a:rPr lang="en-US" sz="7200" dirty="0" smtClean="0">
+              <a:rPr lang="en-US" sz="7200" dirty="0">
                 <a:solidFill>
                   <a:schemeClr val="bg1"/>
                 </a:solidFill>
@@ -11329,7 +11027,7 @@
           <a:lstStyle/>
           <a:p>
             <a:r>
-              <a:rPr lang="en-US" sz="2400" b="1" dirty="0" smtClean="0">
+              <a:rPr lang="en-US" sz="2400" b="1" dirty="0">
                 <a:solidFill>
                   <a:schemeClr val="bg1"/>
                 </a:solidFill>
@@ -11343,7 +11041,7 @@
               <a:buChar char="•"/>
             </a:pPr>
             <a:r>
-              <a:rPr lang="en-US" sz="2400" dirty="0" smtClean="0">
+              <a:rPr lang="en-US" sz="2400" dirty="0">
                 <a:solidFill>
                   <a:schemeClr val="bg1"/>
                 </a:solidFill>
@@ -11451,18 +11149,13 @@
             <a:p>
               <a:pPr lvl="0"/>
               <a:r>
-                <a:rPr lang="en-US" smtClean="0">
+                <a:rPr lang="en-US">
                   <a:solidFill>
                     <a:srgbClr val="FFFF00"/>
                   </a:solidFill>
                 </a:rPr>
                 <a:t>One Slide</a:t>
               </a:r>
-              <a:endParaRPr lang="en-US">
-                <a:solidFill>
-                  <a:srgbClr val="FFFF00"/>
-                </a:solidFill>
-              </a:endParaRPr>
             </a:p>
           </p:txBody>
         </p:sp>
@@ -11489,18 +11182,13 @@
             <a:lstStyle/>
             <a:p>
               <a:r>
-                <a:rPr lang="en-US" smtClean="0">
+                <a:rPr lang="en-US">
                   <a:solidFill>
                     <a:srgbClr val="FFFFFF"/>
                   </a:solidFill>
                 </a:rPr>
                 <a:t>Two Slides</a:t>
               </a:r>
-              <a:endParaRPr lang="en-US">
-                <a:solidFill>
-                  <a:srgbClr val="FFFFFF"/>
-                </a:solidFill>
-              </a:endParaRPr>
             </a:p>
           </p:txBody>
         </p:sp>
@@ -11527,18 +11215,13 @@
             <a:lstStyle/>
             <a:p>
               <a:r>
-                <a:rPr lang="en-US" smtClean="0">
+                <a:rPr lang="en-US">
                   <a:solidFill>
                     <a:srgbClr val="FFFFFF"/>
                   </a:solidFill>
                 </a:rPr>
                 <a:t>Same Name</a:t>
               </a:r>
-              <a:endParaRPr lang="en-US">
-                <a:solidFill>
-                  <a:srgbClr val="FFFFFF"/>
-                </a:solidFill>
-              </a:endParaRPr>
             </a:p>
           </p:txBody>
         </p:sp>
@@ -11565,18 +11248,13 @@
             <a:lstStyle/>
             <a:p>
               <a:r>
-                <a:rPr lang="en-US" smtClean="0">
+                <a:rPr lang="en-US">
                   <a:solidFill>
                     <a:srgbClr val="FFFFFF"/>
                   </a:solidFill>
                 </a:rPr>
                 <a:t>Same Name</a:t>
               </a:r>
-              <a:endParaRPr lang="en-US">
-                <a:solidFill>
-                  <a:srgbClr val="FFFFFF"/>
-                </a:solidFill>
-              </a:endParaRPr>
             </a:p>
           </p:txBody>
         </p:sp>
@@ -11603,7 +11281,7 @@
             <a:lstStyle/>
             <a:p>
               <a:r>
-                <a:rPr lang="ja-JP" altLang="en-US" smtClean="0">
+                <a:rPr lang="ja-JP" altLang="en-US">
                   <a:solidFill>
                     <a:srgbClr val="FFFFFF"/>
                   </a:solidFill>
@@ -11611,18 +11289,13 @@
                 <a:t>あいうえお</a:t>
               </a:r>
               <a:r>
-                <a:rPr lang="en-US" smtClean="0">
+                <a:rPr lang="en-US">
                   <a:solidFill>
                     <a:srgbClr val="FFFFFF"/>
                   </a:solidFill>
                 </a:rPr>
                 <a:t>kl)(*&amp;%$#@85v_+)0_@#%L:CF]1</a:t>
               </a:r>
-              <a:endParaRPr lang="en-US">
-                <a:solidFill>
-                  <a:srgbClr val="FFFFFF"/>
-                </a:solidFill>
-              </a:endParaRPr>
             </a:p>
           </p:txBody>
         </p:sp>
@@ -11637,13 +11310,6 @@
   <p:clrMapOvr>
     <a:masterClrMapping/>
   </p:clrMapOvr>
-  <p:timing>
-    <p:tnLst>
-      <p:par>
-        <p:cTn id="1" dur="indefinite" restart="never" nodeType="tmRoot"/>
-      </p:par>
-    </p:tnLst>
-  </p:timing>
 </p:sld>
 </file>
 
@@ -11717,7 +11383,7 @@
           <a:lstStyle/>
           <a:p>
             <a:r>
-              <a:rPr lang="en-US" sz="6000" dirty="0" smtClean="0"/>
+              <a:rPr lang="en-US" sz="6000" dirty="0"/>
               <a:t>Test Image</a:t>
             </a:r>
             <a:endParaRPr lang="en-SG" sz="6000" dirty="0"/>
@@ -11821,18 +11487,13 @@
             <a:lstStyle/>
             <a:p>
               <a:r>
-                <a:rPr lang="en-US" smtClean="0">
+                <a:rPr lang="en-US">
                   <a:solidFill>
                     <a:srgbClr val="FFFFFF"/>
                   </a:solidFill>
                 </a:rPr>
                 <a:t>One Slide</a:t>
               </a:r>
-              <a:endParaRPr lang="en-US">
-                <a:solidFill>
-                  <a:srgbClr val="FFFFFF"/>
-                </a:solidFill>
-              </a:endParaRPr>
             </a:p>
           </p:txBody>
         </p:sp>
@@ -11860,18 +11521,13 @@
             <a:p>
               <a:pPr lvl="0"/>
               <a:r>
-                <a:rPr lang="en-US" smtClean="0">
+                <a:rPr lang="en-US">
                   <a:solidFill>
                     <a:srgbClr val="FFFF00"/>
                   </a:solidFill>
                 </a:rPr>
                 <a:t>Two Slides</a:t>
               </a:r>
-              <a:endParaRPr lang="en-US">
-                <a:solidFill>
-                  <a:srgbClr val="FFFF00"/>
-                </a:solidFill>
-              </a:endParaRPr>
             </a:p>
           </p:txBody>
         </p:sp>
@@ -11898,18 +11554,13 @@
             <a:lstStyle/>
             <a:p>
               <a:r>
-                <a:rPr lang="en-US" smtClean="0">
+                <a:rPr lang="en-US">
                   <a:solidFill>
                     <a:srgbClr val="FFFFFF"/>
                   </a:solidFill>
                 </a:rPr>
                 <a:t>Same Name</a:t>
               </a:r>
-              <a:endParaRPr lang="en-US">
-                <a:solidFill>
-                  <a:srgbClr val="FFFFFF"/>
-                </a:solidFill>
-              </a:endParaRPr>
             </a:p>
           </p:txBody>
         </p:sp>
@@ -11936,18 +11587,13 @@
             <a:lstStyle/>
             <a:p>
               <a:r>
-                <a:rPr lang="en-US" smtClean="0">
+                <a:rPr lang="en-US">
                   <a:solidFill>
                     <a:srgbClr val="FFFFFF"/>
                   </a:solidFill>
                 </a:rPr>
                 <a:t>Same Name</a:t>
               </a:r>
-              <a:endParaRPr lang="en-US">
-                <a:solidFill>
-                  <a:srgbClr val="FFFFFF"/>
-                </a:solidFill>
-              </a:endParaRPr>
             </a:p>
           </p:txBody>
         </p:sp>
@@ -11974,7 +11620,7 @@
             <a:lstStyle/>
             <a:p>
               <a:r>
-                <a:rPr lang="ja-JP" altLang="en-US" smtClean="0">
+                <a:rPr lang="ja-JP" altLang="en-US">
                   <a:solidFill>
                     <a:srgbClr val="FFFFFF"/>
                   </a:solidFill>
@@ -11982,18 +11628,13 @@
                 <a:t>あいうえお</a:t>
               </a:r>
               <a:r>
-                <a:rPr lang="en-US" smtClean="0">
+                <a:rPr lang="en-US">
                   <a:solidFill>
                     <a:srgbClr val="FFFFFF"/>
                   </a:solidFill>
                 </a:rPr>
                 <a:t>kl)(*&amp;%$#@85v_+)0_@#%L:CF]1</a:t>
               </a:r>
-              <a:endParaRPr lang="en-US">
-                <a:solidFill>
-                  <a:srgbClr val="FFFFFF"/>
-                </a:solidFill>
-              </a:endParaRPr>
             </a:p>
           </p:txBody>
         </p:sp>
@@ -12008,13 +11649,6 @@
   <p:clrMapOvr>
     <a:masterClrMapping/>
   </p:clrMapOvr>
-  <p:timing>
-    <p:tnLst>
-      <p:par>
-        <p:cTn id="1" dur="indefinite" restart="never" nodeType="tmRoot"/>
-      </p:par>
-    </p:tnLst>
-  </p:timing>
 </p:sld>
 </file>
 
@@ -12132,18 +11766,13 @@
             <a:lstStyle/>
             <a:p>
               <a:r>
-                <a:rPr lang="en-US" smtClean="0">
+                <a:rPr lang="en-US">
                   <a:solidFill>
                     <a:srgbClr val="FFFFFF"/>
                   </a:solidFill>
                 </a:rPr>
                 <a:t>One Slide</a:t>
               </a:r>
-              <a:endParaRPr lang="en-US">
-                <a:solidFill>
-                  <a:srgbClr val="FFFFFF"/>
-                </a:solidFill>
-              </a:endParaRPr>
             </a:p>
           </p:txBody>
         </p:sp>
@@ -12171,18 +11800,13 @@
             <a:p>
               <a:pPr lvl="0"/>
               <a:r>
-                <a:rPr lang="en-US" smtClean="0">
+                <a:rPr lang="en-US">
                   <a:solidFill>
                     <a:srgbClr val="FFFF00"/>
                   </a:solidFill>
                 </a:rPr>
                 <a:t>Two Slides</a:t>
               </a:r>
-              <a:endParaRPr lang="en-US">
-                <a:solidFill>
-                  <a:srgbClr val="FFFF00"/>
-                </a:solidFill>
-              </a:endParaRPr>
             </a:p>
           </p:txBody>
         </p:sp>
@@ -12209,18 +11833,13 @@
             <a:lstStyle/>
             <a:p>
               <a:r>
-                <a:rPr lang="en-US" smtClean="0">
+                <a:rPr lang="en-US">
                   <a:solidFill>
                     <a:srgbClr val="FFFFFF"/>
                   </a:solidFill>
                 </a:rPr>
                 <a:t>Same Name</a:t>
               </a:r>
-              <a:endParaRPr lang="en-US">
-                <a:solidFill>
-                  <a:srgbClr val="FFFFFF"/>
-                </a:solidFill>
-              </a:endParaRPr>
             </a:p>
           </p:txBody>
         </p:sp>
@@ -12247,18 +11866,13 @@
             <a:lstStyle/>
             <a:p>
               <a:r>
-                <a:rPr lang="en-US" smtClean="0">
+                <a:rPr lang="en-US">
                   <a:solidFill>
                     <a:srgbClr val="FFFFFF"/>
                   </a:solidFill>
                 </a:rPr>
                 <a:t>Same Name</a:t>
               </a:r>
-              <a:endParaRPr lang="en-US">
-                <a:solidFill>
-                  <a:srgbClr val="FFFFFF"/>
-                </a:solidFill>
-              </a:endParaRPr>
             </a:p>
           </p:txBody>
         </p:sp>
@@ -12285,7 +11899,7 @@
             <a:lstStyle/>
             <a:p>
               <a:r>
-                <a:rPr lang="ja-JP" altLang="en-US" smtClean="0">
+                <a:rPr lang="ja-JP" altLang="en-US">
                   <a:solidFill>
                     <a:srgbClr val="FFFFFF"/>
                   </a:solidFill>
@@ -12293,18 +11907,13 @@
                 <a:t>あいうえお</a:t>
               </a:r>
               <a:r>
-                <a:rPr lang="en-US" smtClean="0">
+                <a:rPr lang="en-US">
                   <a:solidFill>
                     <a:srgbClr val="FFFFFF"/>
                   </a:solidFill>
                 </a:rPr>
                 <a:t>kl)(*&amp;%$#@85v_+)0_@#%L:CF]1</a:t>
               </a:r>
-              <a:endParaRPr lang="en-US">
-                <a:solidFill>
-                  <a:srgbClr val="FFFFFF"/>
-                </a:solidFill>
-              </a:endParaRPr>
             </a:p>
           </p:txBody>
         </p:sp>
@@ -12319,13 +11928,6 @@
   <p:clrMapOvr>
     <a:masterClrMapping/>
   </p:clrMapOvr>
-  <p:timing>
-    <p:tnLst>
-      <p:par>
-        <p:cTn id="1" dur="indefinite" restart="never" nodeType="tmRoot"/>
-      </p:par>
-    </p:tnLst>
-  </p:timing>
 </p:sld>
 </file>
 
@@ -12483,10 +12085,9 @@
           </a:lstStyle>
           <a:p>
             <a:r>
-              <a:rPr lang="en-US" dirty="0" smtClean="0"/>
+              <a:rPr lang="en-US" dirty="0"/>
               <a:t>Pattern</a:t>
             </a:r>
-            <a:endParaRPr lang="en-US" dirty="0"/>
           </a:p>
         </p:txBody>
       </p:sp>
@@ -12587,18 +12188,13 @@
             <a:lstStyle/>
             <a:p>
               <a:r>
-                <a:rPr lang="en-US" smtClean="0">
+                <a:rPr lang="en-US">
                   <a:solidFill>
                     <a:srgbClr val="FFFFFF"/>
                   </a:solidFill>
                 </a:rPr>
                 <a:t>One Slide</a:t>
               </a:r>
-              <a:endParaRPr lang="en-US">
-                <a:solidFill>
-                  <a:srgbClr val="FFFFFF"/>
-                </a:solidFill>
-              </a:endParaRPr>
             </a:p>
           </p:txBody>
         </p:sp>
@@ -12625,18 +12221,13 @@
             <a:lstStyle/>
             <a:p>
               <a:r>
-                <a:rPr lang="en-US" smtClean="0">
+                <a:rPr lang="en-US">
                   <a:solidFill>
                     <a:srgbClr val="FFFFFF"/>
                   </a:solidFill>
                 </a:rPr>
                 <a:t>Two Slides</a:t>
               </a:r>
-              <a:endParaRPr lang="en-US">
-                <a:solidFill>
-                  <a:srgbClr val="FFFFFF"/>
-                </a:solidFill>
-              </a:endParaRPr>
             </a:p>
           </p:txBody>
         </p:sp>
@@ -12664,18 +12255,13 @@
             <a:p>
               <a:pPr lvl="0"/>
               <a:r>
-                <a:rPr lang="en-US" smtClean="0">
+                <a:rPr lang="en-US">
                   <a:solidFill>
                     <a:srgbClr val="FFFF00"/>
                   </a:solidFill>
                 </a:rPr>
                 <a:t>Same Name</a:t>
               </a:r>
-              <a:endParaRPr lang="en-US">
-                <a:solidFill>
-                  <a:srgbClr val="FFFF00"/>
-                </a:solidFill>
-              </a:endParaRPr>
             </a:p>
           </p:txBody>
         </p:sp>
@@ -12702,18 +12288,13 @@
             <a:lstStyle/>
             <a:p>
               <a:r>
-                <a:rPr lang="en-US" smtClean="0">
+                <a:rPr lang="en-US">
                   <a:solidFill>
                     <a:srgbClr val="FFFFFF"/>
                   </a:solidFill>
                 </a:rPr>
                 <a:t>Same Name</a:t>
               </a:r>
-              <a:endParaRPr lang="en-US">
-                <a:solidFill>
-                  <a:srgbClr val="FFFFFF"/>
-                </a:solidFill>
-              </a:endParaRPr>
             </a:p>
           </p:txBody>
         </p:sp>
@@ -12740,7 +12321,7 @@
             <a:lstStyle/>
             <a:p>
               <a:r>
-                <a:rPr lang="ja-JP" altLang="en-US" smtClean="0">
+                <a:rPr lang="ja-JP" altLang="en-US">
                   <a:solidFill>
                     <a:srgbClr val="FFFFFF"/>
                   </a:solidFill>
@@ -12748,18 +12329,13 @@
                 <a:t>あいうえお</a:t>
               </a:r>
               <a:r>
-                <a:rPr lang="en-US" smtClean="0">
+                <a:rPr lang="en-US">
                   <a:solidFill>
                     <a:srgbClr val="FFFFFF"/>
                   </a:solidFill>
                 </a:rPr>
                 <a:t>kl)(*&amp;%$#@85v_+)0_@#%L:CF]1</a:t>
               </a:r>
-              <a:endParaRPr lang="en-US">
-                <a:solidFill>
-                  <a:srgbClr val="FFFFFF"/>
-                </a:solidFill>
-              </a:endParaRPr>
             </a:p>
           </p:txBody>
         </p:sp>
@@ -12774,13 +12350,6 @@
   <p:clrMapOvr>
     <a:masterClrMapping/>
   </p:clrMapOvr>
-  <p:timing>
-    <p:tnLst>
-      <p:par>
-        <p:cTn id="1" dur="indefinite" restart="never" nodeType="tmRoot"/>
-      </p:par>
-    </p:tnLst>
-  </p:timing>
 </p:sld>
 </file>
 
@@ -12898,18 +12467,13 @@
             <a:lstStyle/>
             <a:p>
               <a:r>
-                <a:rPr lang="en-US" smtClean="0">
+                <a:rPr lang="en-US">
                   <a:solidFill>
                     <a:srgbClr val="FFFFFF"/>
                   </a:solidFill>
                 </a:rPr>
                 <a:t>One Slide</a:t>
               </a:r>
-              <a:endParaRPr lang="en-US">
-                <a:solidFill>
-                  <a:srgbClr val="FFFFFF"/>
-                </a:solidFill>
-              </a:endParaRPr>
             </a:p>
           </p:txBody>
         </p:sp>
@@ -12936,18 +12500,13 @@
             <a:lstStyle/>
             <a:p>
               <a:r>
-                <a:rPr lang="en-US" smtClean="0">
+                <a:rPr lang="en-US">
                   <a:solidFill>
                     <a:srgbClr val="FFFFFF"/>
                   </a:solidFill>
                 </a:rPr>
                 <a:t>Two Slides</a:t>
               </a:r>
-              <a:endParaRPr lang="en-US">
-                <a:solidFill>
-                  <a:srgbClr val="FFFFFF"/>
-                </a:solidFill>
-              </a:endParaRPr>
             </a:p>
           </p:txBody>
         </p:sp>
@@ -12975,18 +12534,13 @@
             <a:p>
               <a:pPr lvl="0"/>
               <a:r>
-                <a:rPr lang="en-US" smtClean="0">
+                <a:rPr lang="en-US">
                   <a:solidFill>
                     <a:srgbClr val="FFFF00"/>
                   </a:solidFill>
                 </a:rPr>
                 <a:t>Same Name</a:t>
               </a:r>
-              <a:endParaRPr lang="en-US">
-                <a:solidFill>
-                  <a:srgbClr val="FFFF00"/>
-                </a:solidFill>
-              </a:endParaRPr>
             </a:p>
           </p:txBody>
         </p:sp>
@@ -13013,18 +12567,13 @@
             <a:lstStyle/>
             <a:p>
               <a:r>
-                <a:rPr lang="en-US" smtClean="0">
+                <a:rPr lang="en-US">
                   <a:solidFill>
                     <a:srgbClr val="FFFFFF"/>
                   </a:solidFill>
                 </a:rPr>
                 <a:t>Same Name</a:t>
               </a:r>
-              <a:endParaRPr lang="en-US">
-                <a:solidFill>
-                  <a:srgbClr val="FFFFFF"/>
-                </a:solidFill>
-              </a:endParaRPr>
             </a:p>
           </p:txBody>
         </p:sp>
@@ -13051,7 +12600,7 @@
             <a:lstStyle/>
             <a:p>
               <a:r>
-                <a:rPr lang="ja-JP" altLang="en-US" smtClean="0">
+                <a:rPr lang="ja-JP" altLang="en-US">
                   <a:solidFill>
                     <a:srgbClr val="FFFFFF"/>
                   </a:solidFill>
@@ -13059,18 +12608,13 @@
                 <a:t>あいうえお</a:t>
               </a:r>
               <a:r>
-                <a:rPr lang="en-US" smtClean="0">
+                <a:rPr lang="en-US">
                   <a:solidFill>
                     <a:srgbClr val="FFFFFF"/>
                   </a:solidFill>
                 </a:rPr>
                 <a:t>kl)(*&amp;%$#@85v_+)0_@#%L:CF]1</a:t>
               </a:r>
-              <a:endParaRPr lang="en-US">
-                <a:solidFill>
-                  <a:srgbClr val="FFFFFF"/>
-                </a:solidFill>
-              </a:endParaRPr>
             </a:p>
           </p:txBody>
         </p:sp>
@@ -13085,13 +12629,6 @@
   <p:clrMapOvr>
     <a:masterClrMapping/>
   </p:clrMapOvr>
-  <p:timing>
-    <p:tnLst>
-      <p:par>
-        <p:cTn id="1" dur="indefinite" restart="never" nodeType="tmRoot"/>
-      </p:par>
-    </p:tnLst>
-  </p:timing>
 </p:sld>
 </file>
 
@@ -13165,7 +12702,7 @@
           <a:lstStyle/>
           <a:p>
             <a:r>
-              <a:rPr lang="en-US" sz="6000" dirty="0" smtClean="0"/>
+              <a:rPr lang="en-US" sz="6000" dirty="0"/>
               <a:t>Test Image</a:t>
             </a:r>
             <a:endParaRPr lang="en-SG" sz="6000" dirty="0"/>
@@ -13269,18 +12806,13 @@
             <a:lstStyle/>
             <a:p>
               <a:r>
-                <a:rPr lang="en-US" smtClean="0">
+                <a:rPr lang="en-US">
                   <a:solidFill>
                     <a:srgbClr val="FFFFFF"/>
                   </a:solidFill>
                 </a:rPr>
                 <a:t>One Slide</a:t>
               </a:r>
-              <a:endParaRPr lang="en-US">
-                <a:solidFill>
-                  <a:srgbClr val="FFFFFF"/>
-                </a:solidFill>
-              </a:endParaRPr>
             </a:p>
           </p:txBody>
         </p:sp>
@@ -13307,18 +12839,13 @@
             <a:lstStyle/>
             <a:p>
               <a:r>
-                <a:rPr lang="en-US" smtClean="0">
+                <a:rPr lang="en-US">
                   <a:solidFill>
                     <a:srgbClr val="FFFFFF"/>
                   </a:solidFill>
                 </a:rPr>
                 <a:t>Two Slides</a:t>
               </a:r>
-              <a:endParaRPr lang="en-US">
-                <a:solidFill>
-                  <a:srgbClr val="FFFFFF"/>
-                </a:solidFill>
-              </a:endParaRPr>
             </a:p>
           </p:txBody>
         </p:sp>
@@ -13345,18 +12872,13 @@
             <a:lstStyle/>
             <a:p>
               <a:r>
-                <a:rPr lang="en-US" smtClean="0">
+                <a:rPr lang="en-US">
                   <a:solidFill>
                     <a:srgbClr val="FFFFFF"/>
                   </a:solidFill>
                 </a:rPr>
                 <a:t>Same Name</a:t>
               </a:r>
-              <a:endParaRPr lang="en-US">
-                <a:solidFill>
-                  <a:srgbClr val="FFFFFF"/>
-                </a:solidFill>
-              </a:endParaRPr>
             </a:p>
           </p:txBody>
         </p:sp>
@@ -13384,18 +12906,13 @@
             <a:p>
               <a:pPr lvl="0"/>
               <a:r>
-                <a:rPr lang="en-US" smtClean="0">
+                <a:rPr lang="en-US">
                   <a:solidFill>
                     <a:srgbClr val="FFFF00"/>
                   </a:solidFill>
                 </a:rPr>
                 <a:t>Same Name</a:t>
               </a:r>
-              <a:endParaRPr lang="en-US">
-                <a:solidFill>
-                  <a:srgbClr val="FFFF00"/>
-                </a:solidFill>
-              </a:endParaRPr>
             </a:p>
           </p:txBody>
         </p:sp>
@@ -13422,7 +12939,7 @@
             <a:lstStyle/>
             <a:p>
               <a:r>
-                <a:rPr lang="ja-JP" altLang="en-US" smtClean="0">
+                <a:rPr lang="ja-JP" altLang="en-US">
                   <a:solidFill>
                     <a:srgbClr val="FFFFFF"/>
                   </a:solidFill>
@@ -13430,18 +12947,13 @@
                 <a:t>あいうえお</a:t>
               </a:r>
               <a:r>
-                <a:rPr lang="en-US" smtClean="0">
+                <a:rPr lang="en-US">
                   <a:solidFill>
                     <a:srgbClr val="FFFFFF"/>
                   </a:solidFill>
                 </a:rPr>
                 <a:t>kl)(*&amp;%$#@85v_+)0_@#%L:CF]1</a:t>
               </a:r>
-              <a:endParaRPr lang="en-US">
-                <a:solidFill>
-                  <a:srgbClr val="FFFFFF"/>
-                </a:solidFill>
-              </a:endParaRPr>
             </a:p>
           </p:txBody>
         </p:sp>
@@ -13456,13 +12968,6 @@
   <p:clrMapOvr>
     <a:masterClrMapping/>
   </p:clrMapOvr>
-  <p:timing>
-    <p:tnLst>
-      <p:par>
-        <p:cTn id="1" dur="indefinite" restart="never" nodeType="tmRoot"/>
-      </p:par>
-    </p:tnLst>
-  </p:timing>
 </p:sld>
 </file>
 
@@ -13506,7 +13011,7 @@
           <a:lstStyle/>
           <a:p>
             <a:r>
-              <a:rPr lang="en-US" sz="6000" dirty="0" smtClean="0"/>
+              <a:rPr lang="en-US" sz="6000" dirty="0"/>
               <a:t>A long section</a:t>
             </a:r>
             <a:endParaRPr lang="en-SG" sz="6000" dirty="0"/>
@@ -13610,18 +13115,13 @@
             <a:lstStyle/>
             <a:p>
               <a:r>
-                <a:rPr lang="en-US" smtClean="0">
+                <a:rPr lang="en-US">
                   <a:solidFill>
                     <a:srgbClr val="FFFFFF"/>
                   </a:solidFill>
                 </a:rPr>
                 <a:t>One Slide</a:t>
               </a:r>
-              <a:endParaRPr lang="en-US">
-                <a:solidFill>
-                  <a:srgbClr val="FFFFFF"/>
-                </a:solidFill>
-              </a:endParaRPr>
             </a:p>
           </p:txBody>
         </p:sp>
@@ -13648,18 +13148,13 @@
             <a:lstStyle/>
             <a:p>
               <a:r>
-                <a:rPr lang="en-US" smtClean="0">
+                <a:rPr lang="en-US">
                   <a:solidFill>
                     <a:srgbClr val="FFFFFF"/>
                   </a:solidFill>
                 </a:rPr>
                 <a:t>Two Slides</a:t>
               </a:r>
-              <a:endParaRPr lang="en-US">
-                <a:solidFill>
-                  <a:srgbClr val="FFFFFF"/>
-                </a:solidFill>
-              </a:endParaRPr>
             </a:p>
           </p:txBody>
         </p:sp>
@@ -13686,18 +13181,13 @@
             <a:lstStyle/>
             <a:p>
               <a:r>
-                <a:rPr lang="en-US" smtClean="0">
+                <a:rPr lang="en-US">
                   <a:solidFill>
                     <a:srgbClr val="FFFFFF"/>
                   </a:solidFill>
                 </a:rPr>
                 <a:t>Same Name</a:t>
               </a:r>
-              <a:endParaRPr lang="en-US">
-                <a:solidFill>
-                  <a:srgbClr val="FFFFFF"/>
-                </a:solidFill>
-              </a:endParaRPr>
             </a:p>
           </p:txBody>
         </p:sp>
@@ -13725,18 +13215,13 @@
             <a:p>
               <a:pPr lvl="0"/>
               <a:r>
-                <a:rPr lang="en-US" smtClean="0">
+                <a:rPr lang="en-US">
                   <a:solidFill>
                     <a:srgbClr val="FFFF00"/>
                   </a:solidFill>
                 </a:rPr>
                 <a:t>Same Name</a:t>
               </a:r>
-              <a:endParaRPr lang="en-US">
-                <a:solidFill>
-                  <a:srgbClr val="FFFF00"/>
-                </a:solidFill>
-              </a:endParaRPr>
             </a:p>
           </p:txBody>
         </p:sp>
@@ -13763,7 +13248,7 @@
             <a:lstStyle/>
             <a:p>
               <a:r>
-                <a:rPr lang="ja-JP" altLang="en-US" smtClean="0">
+                <a:rPr lang="ja-JP" altLang="en-US">
                   <a:solidFill>
                     <a:srgbClr val="FFFFFF"/>
                   </a:solidFill>
@@ -13771,18 +13256,13 @@
                 <a:t>あいうえお</a:t>
               </a:r>
               <a:r>
-                <a:rPr lang="en-US" smtClean="0">
+                <a:rPr lang="en-US">
                   <a:solidFill>
                     <a:srgbClr val="FFFFFF"/>
                   </a:solidFill>
                 </a:rPr>
                 <a:t>kl)(*&amp;%$#@85v_+)0_@#%L:CF]1</a:t>
               </a:r>
-              <a:endParaRPr lang="en-US">
-                <a:solidFill>
-                  <a:srgbClr val="FFFFFF"/>
-                </a:solidFill>
-              </a:endParaRPr>
             </a:p>
           </p:txBody>
         </p:sp>
@@ -13797,13 +13277,6 @@
   <p:clrMapOvr>
     <a:masterClrMapping/>
   </p:clrMapOvr>
-  <p:timing>
-    <p:tnLst>
-      <p:par>
-        <p:cTn id="1" dur="indefinite" restart="never" nodeType="tmRoot"/>
-      </p:par>
-    </p:tnLst>
-  </p:timing>
 </p:sld>
 </file>
 

--- a/doc/test/AgendaSlidesBeamDefault.pptx
+++ b/doc/test/AgendaSlidesBeamDefault.pptx
@@ -20,7 +20,7 @@
     <p:sldId id="312" r:id="rId14"/>
     <p:sldId id="313" r:id="rId15"/>
     <p:sldId id="314" r:id="rId16"/>
-    <p:sldId id="319" r:id="rId17"/>
+    <p:sldId id="316" r:id="rId17"/>
   </p:sldIdLst>
   <p:sldSz cx="9144000" cy="6858000" type="screen4x3"/>
   <p:notesSz cx="6858000" cy="9144000"/>
@@ -157,13 +157,13 @@
         <p14:section name="あいうえおkl)(*&amp;%$#@85v_+)0_@#%L:CF]1" id="{7DC05ADB-162C-47A0-98D4-E8994A6A2B8E}">
           <p14:sldIdLst>
             <p14:sldId id="314"/>
-            <p14:sldId id="319"/>
+            <p14:sldId id="316"/>
           </p14:sldIdLst>
         </p14:section>
       </p14:sectionLst>
     </p:ext>
     <p:ext uri="{EFAFB233-063F-42B5-8137-9DF3F51BA10A}">
-      <p15:sldGuideLst xmlns:p15="http://schemas.microsoft.com/office/powerpoint/2012/main">
+      <p15:sldGuideLst xmlns:p15="http://schemas.microsoft.com/office/powerpoint/2012/main" xmlns="">
         <p15:guide id="1" orient="horz" pos="2160">
           <p15:clr>
             <a:srgbClr val="A4A3A4"/>
@@ -218,9 +218,10 @@
           <a:lstStyle/>
           <a:p>
             <a:r>
-              <a:rPr lang="en-US"/>
+              <a:rPr lang="en-US" smtClean="0"/>
               <a:t>Click to edit Master title style</a:t>
             </a:r>
+            <a:endParaRPr lang="en-US"/>
           </a:p>
         </p:txBody>
       </p:sp>
@@ -336,9 +337,10 @@
           </a:lstStyle>
           <a:p>
             <a:r>
-              <a:rPr lang="en-US"/>
+              <a:rPr lang="en-US" smtClean="0"/>
               <a:t>Click to edit Master subtitle style</a:t>
             </a:r>
+            <a:endParaRPr lang="en-US"/>
           </a:p>
         </p:txBody>
       </p:sp>
@@ -359,7 +361,7 @@
           <a:p>
             <a:fld id="{699DC775-C286-4358-8C92-D7E584E969B3}" type="datetimeFigureOut">
               <a:rPr lang="en-US" smtClean="0"/>
-              <a:t>1/23/2017</a:t>
+              <a:t>19-Jun-15</a:t>
             </a:fld>
             <a:endParaRPr lang="en-US"/>
           </a:p>
@@ -453,9 +455,10 @@
           <a:lstStyle/>
           <a:p>
             <a:r>
-              <a:rPr lang="en-US"/>
+              <a:rPr lang="en-US" smtClean="0"/>
               <a:t>Click to edit Master title style</a:t>
             </a:r>
+            <a:endParaRPr lang="en-US"/>
           </a:p>
         </p:txBody>
       </p:sp>
@@ -476,37 +479,38 @@
           <a:p>
             <a:pPr lvl="0"/>
             <a:r>
-              <a:rPr lang="en-US"/>
+              <a:rPr lang="en-US" smtClean="0"/>
               <a:t>Click to edit Master text styles</a:t>
             </a:r>
           </a:p>
           <a:p>
             <a:pPr lvl="1"/>
             <a:r>
-              <a:rPr lang="en-US"/>
+              <a:rPr lang="en-US" smtClean="0"/>
               <a:t>Second level</a:t>
             </a:r>
           </a:p>
           <a:p>
             <a:pPr lvl="2"/>
             <a:r>
-              <a:rPr lang="en-US"/>
+              <a:rPr lang="en-US" smtClean="0"/>
               <a:t>Third level</a:t>
             </a:r>
           </a:p>
           <a:p>
             <a:pPr lvl="3"/>
             <a:r>
-              <a:rPr lang="en-US"/>
+              <a:rPr lang="en-US" smtClean="0"/>
               <a:t>Fourth level</a:t>
             </a:r>
           </a:p>
           <a:p>
             <a:pPr lvl="4"/>
             <a:r>
-              <a:rPr lang="en-US"/>
+              <a:rPr lang="en-US" smtClean="0"/>
               <a:t>Fifth level</a:t>
             </a:r>
+            <a:endParaRPr lang="en-US"/>
           </a:p>
         </p:txBody>
       </p:sp>
@@ -527,7 +531,7 @@
           <a:p>
             <a:fld id="{699DC775-C286-4358-8C92-D7E584E969B3}" type="datetimeFigureOut">
               <a:rPr lang="en-US" smtClean="0"/>
-              <a:t>1/23/2017</a:t>
+              <a:t>19-Jun-15</a:t>
             </a:fld>
             <a:endParaRPr lang="en-US"/>
           </a:p>
@@ -626,9 +630,10 @@
           <a:lstStyle/>
           <a:p>
             <a:r>
-              <a:rPr lang="en-US"/>
+              <a:rPr lang="en-US" smtClean="0"/>
               <a:t>Click to edit Master title style</a:t>
             </a:r>
+            <a:endParaRPr lang="en-US"/>
           </a:p>
         </p:txBody>
       </p:sp>
@@ -654,37 +659,38 @@
           <a:p>
             <a:pPr lvl="0"/>
             <a:r>
-              <a:rPr lang="en-US"/>
+              <a:rPr lang="en-US" smtClean="0"/>
               <a:t>Click to edit Master text styles</a:t>
             </a:r>
           </a:p>
           <a:p>
             <a:pPr lvl="1"/>
             <a:r>
-              <a:rPr lang="en-US"/>
+              <a:rPr lang="en-US" smtClean="0"/>
               <a:t>Second level</a:t>
             </a:r>
           </a:p>
           <a:p>
             <a:pPr lvl="2"/>
             <a:r>
-              <a:rPr lang="en-US"/>
+              <a:rPr lang="en-US" smtClean="0"/>
               <a:t>Third level</a:t>
             </a:r>
           </a:p>
           <a:p>
             <a:pPr lvl="3"/>
             <a:r>
-              <a:rPr lang="en-US"/>
+              <a:rPr lang="en-US" smtClean="0"/>
               <a:t>Fourth level</a:t>
             </a:r>
           </a:p>
           <a:p>
             <a:pPr lvl="4"/>
             <a:r>
-              <a:rPr lang="en-US"/>
+              <a:rPr lang="en-US" smtClean="0"/>
               <a:t>Fifth level</a:t>
             </a:r>
+            <a:endParaRPr lang="en-US"/>
           </a:p>
         </p:txBody>
       </p:sp>
@@ -705,7 +711,7 @@
           <a:p>
             <a:fld id="{699DC775-C286-4358-8C92-D7E584E969B3}" type="datetimeFigureOut">
               <a:rPr lang="en-US" smtClean="0"/>
-              <a:t>1/23/2017</a:t>
+              <a:t>19-Jun-15</a:t>
             </a:fld>
             <a:endParaRPr lang="en-US"/>
           </a:p>
@@ -804,9 +810,10 @@
           <a:lstStyle/>
           <a:p>
             <a:r>
-              <a:rPr lang="en-US"/>
+              <a:rPr lang="en-US" smtClean="0"/>
               <a:t>Click to edit Master title style</a:t>
             </a:r>
+            <a:endParaRPr lang="en-US"/>
           </a:p>
         </p:txBody>
       </p:sp>
@@ -922,9 +929,10 @@
           </a:lstStyle>
           <a:p>
             <a:r>
-              <a:rPr lang="en-US"/>
+              <a:rPr lang="en-US" smtClean="0"/>
               <a:t>Click to edit Master subtitle style</a:t>
             </a:r>
+            <a:endParaRPr lang="en-US"/>
           </a:p>
         </p:txBody>
       </p:sp>
@@ -945,7 +953,7 @@
           <a:p>
             <a:fld id="{699DC775-C286-4358-8C92-D7E584E969B3}" type="datetimeFigureOut">
               <a:rPr lang="en-US" smtClean="0"/>
-              <a:t>1/23/2017</a:t>
+              <a:t>19-Jun-15</a:t>
             </a:fld>
             <a:endParaRPr lang="en-US"/>
           </a:p>
@@ -1039,9 +1047,10 @@
           <a:lstStyle/>
           <a:p>
             <a:r>
-              <a:rPr lang="en-US"/>
+              <a:rPr lang="en-US" smtClean="0"/>
               <a:t>Click to edit Master title style</a:t>
             </a:r>
+            <a:endParaRPr lang="en-US"/>
           </a:p>
         </p:txBody>
       </p:sp>
@@ -1062,37 +1071,38 @@
           <a:p>
             <a:pPr lvl="0"/>
             <a:r>
-              <a:rPr lang="en-US"/>
+              <a:rPr lang="en-US" smtClean="0"/>
               <a:t>Click to edit Master text styles</a:t>
             </a:r>
           </a:p>
           <a:p>
             <a:pPr lvl="1"/>
             <a:r>
-              <a:rPr lang="en-US"/>
+              <a:rPr lang="en-US" smtClean="0"/>
               <a:t>Second level</a:t>
             </a:r>
           </a:p>
           <a:p>
             <a:pPr lvl="2"/>
             <a:r>
-              <a:rPr lang="en-US"/>
+              <a:rPr lang="en-US" smtClean="0"/>
               <a:t>Third level</a:t>
             </a:r>
           </a:p>
           <a:p>
             <a:pPr lvl="3"/>
             <a:r>
-              <a:rPr lang="en-US"/>
+              <a:rPr lang="en-US" smtClean="0"/>
               <a:t>Fourth level</a:t>
             </a:r>
           </a:p>
           <a:p>
             <a:pPr lvl="4"/>
             <a:r>
-              <a:rPr lang="en-US"/>
+              <a:rPr lang="en-US" smtClean="0"/>
               <a:t>Fifth level</a:t>
             </a:r>
+            <a:endParaRPr lang="en-US"/>
           </a:p>
         </p:txBody>
       </p:sp>
@@ -1113,7 +1123,7 @@
           <a:p>
             <a:fld id="{699DC775-C286-4358-8C92-D7E584E969B3}" type="datetimeFigureOut">
               <a:rPr lang="en-US" smtClean="0"/>
-              <a:t>1/23/2017</a:t>
+              <a:t>19-Jun-15</a:t>
             </a:fld>
             <a:endParaRPr lang="en-US"/>
           </a:p>
@@ -1216,9 +1226,10 @@
           </a:lstStyle>
           <a:p>
             <a:r>
-              <a:rPr lang="en-US"/>
+              <a:rPr lang="en-US" smtClean="0"/>
               <a:t>Click to edit Master title style</a:t>
             </a:r>
+            <a:endParaRPr lang="en-US"/>
           </a:p>
         </p:txBody>
       </p:sp>
@@ -1335,7 +1346,7 @@
           <a:p>
             <a:pPr lvl="0"/>
             <a:r>
-              <a:rPr lang="en-US"/>
+              <a:rPr lang="en-US" smtClean="0"/>
               <a:t>Click to edit Master text styles</a:t>
             </a:r>
           </a:p>
@@ -1358,7 +1369,7 @@
           <a:p>
             <a:fld id="{699DC775-C286-4358-8C92-D7E584E969B3}" type="datetimeFigureOut">
               <a:rPr lang="en-US" smtClean="0"/>
-              <a:t>1/23/2017</a:t>
+              <a:t>19-Jun-15</a:t>
             </a:fld>
             <a:endParaRPr lang="en-US"/>
           </a:p>
@@ -1452,9 +1463,10 @@
           <a:lstStyle/>
           <a:p>
             <a:r>
-              <a:rPr lang="en-US"/>
+              <a:rPr lang="en-US" smtClean="0"/>
               <a:t>Click to edit Master title style</a:t>
             </a:r>
+            <a:endParaRPr lang="en-US"/>
           </a:p>
         </p:txBody>
       </p:sp>
@@ -1508,37 +1520,38 @@
           <a:p>
             <a:pPr lvl="0"/>
             <a:r>
-              <a:rPr lang="en-US"/>
+              <a:rPr lang="en-US" smtClean="0"/>
               <a:t>Click to edit Master text styles</a:t>
             </a:r>
           </a:p>
           <a:p>
             <a:pPr lvl="1"/>
             <a:r>
-              <a:rPr lang="en-US"/>
+              <a:rPr lang="en-US" smtClean="0"/>
               <a:t>Second level</a:t>
             </a:r>
           </a:p>
           <a:p>
             <a:pPr lvl="2"/>
             <a:r>
-              <a:rPr lang="en-US"/>
+              <a:rPr lang="en-US" smtClean="0"/>
               <a:t>Third level</a:t>
             </a:r>
           </a:p>
           <a:p>
             <a:pPr lvl="3"/>
             <a:r>
-              <a:rPr lang="en-US"/>
+              <a:rPr lang="en-US" smtClean="0"/>
               <a:t>Fourth level</a:t>
             </a:r>
           </a:p>
           <a:p>
             <a:pPr lvl="4"/>
             <a:r>
-              <a:rPr lang="en-US"/>
+              <a:rPr lang="en-US" smtClean="0"/>
               <a:t>Fifth level</a:t>
             </a:r>
+            <a:endParaRPr lang="en-US"/>
           </a:p>
         </p:txBody>
       </p:sp>
@@ -1592,37 +1605,38 @@
           <a:p>
             <a:pPr lvl="0"/>
             <a:r>
-              <a:rPr lang="en-US"/>
+              <a:rPr lang="en-US" smtClean="0"/>
               <a:t>Click to edit Master text styles</a:t>
             </a:r>
           </a:p>
           <a:p>
             <a:pPr lvl="1"/>
             <a:r>
-              <a:rPr lang="en-US"/>
+              <a:rPr lang="en-US" smtClean="0"/>
               <a:t>Second level</a:t>
             </a:r>
           </a:p>
           <a:p>
             <a:pPr lvl="2"/>
             <a:r>
-              <a:rPr lang="en-US"/>
+              <a:rPr lang="en-US" smtClean="0"/>
               <a:t>Third level</a:t>
             </a:r>
           </a:p>
           <a:p>
             <a:pPr lvl="3"/>
             <a:r>
-              <a:rPr lang="en-US"/>
+              <a:rPr lang="en-US" smtClean="0"/>
               <a:t>Fourth level</a:t>
             </a:r>
           </a:p>
           <a:p>
             <a:pPr lvl="4"/>
             <a:r>
-              <a:rPr lang="en-US"/>
+              <a:rPr lang="en-US" smtClean="0"/>
               <a:t>Fifth level</a:t>
             </a:r>
+            <a:endParaRPr lang="en-US"/>
           </a:p>
         </p:txBody>
       </p:sp>
@@ -1643,7 +1657,7 @@
           <a:p>
             <a:fld id="{699DC775-C286-4358-8C92-D7E584E969B3}" type="datetimeFigureOut">
               <a:rPr lang="en-US" smtClean="0"/>
-              <a:t>1/23/2017</a:t>
+              <a:t>19-Jun-15</a:t>
             </a:fld>
             <a:endParaRPr lang="en-US"/>
           </a:p>
@@ -1741,9 +1755,10 @@
           </a:lstStyle>
           <a:p>
             <a:r>
-              <a:rPr lang="en-US"/>
+              <a:rPr lang="en-US" smtClean="0"/>
               <a:t>Click to edit Master title style</a:t>
             </a:r>
+            <a:endParaRPr lang="en-US"/>
           </a:p>
         </p:txBody>
       </p:sp>
@@ -1806,7 +1821,7 @@
           <a:p>
             <a:pPr lvl="0"/>
             <a:r>
-              <a:rPr lang="en-US"/>
+              <a:rPr lang="en-US" smtClean="0"/>
               <a:t>Click to edit Master text styles</a:t>
             </a:r>
           </a:p>
@@ -1862,37 +1877,38 @@
           <a:p>
             <a:pPr lvl="0"/>
             <a:r>
-              <a:rPr lang="en-US"/>
+              <a:rPr lang="en-US" smtClean="0"/>
               <a:t>Click to edit Master text styles</a:t>
             </a:r>
           </a:p>
           <a:p>
             <a:pPr lvl="1"/>
             <a:r>
-              <a:rPr lang="en-US"/>
+              <a:rPr lang="en-US" smtClean="0"/>
               <a:t>Second level</a:t>
             </a:r>
           </a:p>
           <a:p>
             <a:pPr lvl="2"/>
             <a:r>
-              <a:rPr lang="en-US"/>
+              <a:rPr lang="en-US" smtClean="0"/>
               <a:t>Third level</a:t>
             </a:r>
           </a:p>
           <a:p>
             <a:pPr lvl="3"/>
             <a:r>
-              <a:rPr lang="en-US"/>
+              <a:rPr lang="en-US" smtClean="0"/>
               <a:t>Fourth level</a:t>
             </a:r>
           </a:p>
           <a:p>
             <a:pPr lvl="4"/>
             <a:r>
-              <a:rPr lang="en-US"/>
+              <a:rPr lang="en-US" smtClean="0"/>
               <a:t>Fifth level</a:t>
             </a:r>
+            <a:endParaRPr lang="en-US"/>
           </a:p>
         </p:txBody>
       </p:sp>
@@ -1955,7 +1971,7 @@
           <a:p>
             <a:pPr lvl="0"/>
             <a:r>
-              <a:rPr lang="en-US"/>
+              <a:rPr lang="en-US" smtClean="0"/>
               <a:t>Click to edit Master text styles</a:t>
             </a:r>
           </a:p>
@@ -2011,37 +2027,38 @@
           <a:p>
             <a:pPr lvl="0"/>
             <a:r>
-              <a:rPr lang="en-US"/>
+              <a:rPr lang="en-US" smtClean="0"/>
               <a:t>Click to edit Master text styles</a:t>
             </a:r>
           </a:p>
           <a:p>
             <a:pPr lvl="1"/>
             <a:r>
-              <a:rPr lang="en-US"/>
+              <a:rPr lang="en-US" smtClean="0"/>
               <a:t>Second level</a:t>
             </a:r>
           </a:p>
           <a:p>
             <a:pPr lvl="2"/>
             <a:r>
-              <a:rPr lang="en-US"/>
+              <a:rPr lang="en-US" smtClean="0"/>
               <a:t>Third level</a:t>
             </a:r>
           </a:p>
           <a:p>
             <a:pPr lvl="3"/>
             <a:r>
-              <a:rPr lang="en-US"/>
+              <a:rPr lang="en-US" smtClean="0"/>
               <a:t>Fourth level</a:t>
             </a:r>
           </a:p>
           <a:p>
             <a:pPr lvl="4"/>
             <a:r>
-              <a:rPr lang="en-US"/>
+              <a:rPr lang="en-US" smtClean="0"/>
               <a:t>Fifth level</a:t>
             </a:r>
+            <a:endParaRPr lang="en-US"/>
           </a:p>
         </p:txBody>
       </p:sp>
@@ -2062,7 +2079,7 @@
           <a:p>
             <a:fld id="{699DC775-C286-4358-8C92-D7E584E969B3}" type="datetimeFigureOut">
               <a:rPr lang="en-US" smtClean="0"/>
-              <a:t>1/23/2017</a:t>
+              <a:t>19-Jun-15</a:t>
             </a:fld>
             <a:endParaRPr lang="en-US"/>
           </a:p>
@@ -2156,9 +2173,10 @@
           <a:lstStyle/>
           <a:p>
             <a:r>
-              <a:rPr lang="en-US"/>
+              <a:rPr lang="en-US" smtClean="0"/>
               <a:t>Click to edit Master title style</a:t>
             </a:r>
+            <a:endParaRPr lang="en-US"/>
           </a:p>
         </p:txBody>
       </p:sp>
@@ -2179,7 +2197,7 @@
           <a:p>
             <a:fld id="{699DC775-C286-4358-8C92-D7E584E969B3}" type="datetimeFigureOut">
               <a:rPr lang="en-US" smtClean="0"/>
-              <a:t>1/23/2017</a:t>
+              <a:t>19-Jun-15</a:t>
             </a:fld>
             <a:endParaRPr lang="en-US"/>
           </a:p>
@@ -2274,7 +2292,7 @@
           <a:p>
             <a:fld id="{699DC775-C286-4358-8C92-D7E584E969B3}" type="datetimeFigureOut">
               <a:rPr lang="en-US" smtClean="0"/>
-              <a:t>1/23/2017</a:t>
+              <a:t>19-Jun-15</a:t>
             </a:fld>
             <a:endParaRPr lang="en-US"/>
           </a:p>
@@ -2377,9 +2395,10 @@
           </a:lstStyle>
           <a:p>
             <a:r>
-              <a:rPr lang="en-US"/>
+              <a:rPr lang="en-US" smtClean="0"/>
               <a:t>Click to edit Master title style</a:t>
             </a:r>
+            <a:endParaRPr lang="en-US"/>
           </a:p>
         </p:txBody>
       </p:sp>
@@ -2433,37 +2452,38 @@
           <a:p>
             <a:pPr lvl="0"/>
             <a:r>
-              <a:rPr lang="en-US"/>
+              <a:rPr lang="en-US" smtClean="0"/>
               <a:t>Click to edit Master text styles</a:t>
             </a:r>
           </a:p>
           <a:p>
             <a:pPr lvl="1"/>
             <a:r>
-              <a:rPr lang="en-US"/>
+              <a:rPr lang="en-US" smtClean="0"/>
               <a:t>Second level</a:t>
             </a:r>
           </a:p>
           <a:p>
             <a:pPr lvl="2"/>
             <a:r>
-              <a:rPr lang="en-US"/>
+              <a:rPr lang="en-US" smtClean="0"/>
               <a:t>Third level</a:t>
             </a:r>
           </a:p>
           <a:p>
             <a:pPr lvl="3"/>
             <a:r>
-              <a:rPr lang="en-US"/>
+              <a:rPr lang="en-US" smtClean="0"/>
               <a:t>Fourth level</a:t>
             </a:r>
           </a:p>
           <a:p>
             <a:pPr lvl="4"/>
             <a:r>
-              <a:rPr lang="en-US"/>
+              <a:rPr lang="en-US" smtClean="0"/>
               <a:t>Fifth level</a:t>
             </a:r>
+            <a:endParaRPr lang="en-US"/>
           </a:p>
         </p:txBody>
       </p:sp>
@@ -2526,7 +2546,7 @@
           <a:p>
             <a:pPr lvl="0"/>
             <a:r>
-              <a:rPr lang="en-US"/>
+              <a:rPr lang="en-US" smtClean="0"/>
               <a:t>Click to edit Master text styles</a:t>
             </a:r>
           </a:p>
@@ -2549,7 +2569,7 @@
           <a:p>
             <a:fld id="{699DC775-C286-4358-8C92-D7E584E969B3}" type="datetimeFigureOut">
               <a:rPr lang="en-US" smtClean="0"/>
-              <a:t>1/23/2017</a:t>
+              <a:t>19-Jun-15</a:t>
             </a:fld>
             <a:endParaRPr lang="en-US"/>
           </a:p>
@@ -2643,9 +2663,10 @@
           <a:lstStyle/>
           <a:p>
             <a:r>
-              <a:rPr lang="en-US"/>
+              <a:rPr lang="en-US" smtClean="0"/>
               <a:t>Click to edit Master title style</a:t>
             </a:r>
+            <a:endParaRPr lang="en-US"/>
           </a:p>
         </p:txBody>
       </p:sp>
@@ -2666,37 +2687,38 @@
           <a:p>
             <a:pPr lvl="0"/>
             <a:r>
-              <a:rPr lang="en-US"/>
+              <a:rPr lang="en-US" smtClean="0"/>
               <a:t>Click to edit Master text styles</a:t>
             </a:r>
           </a:p>
           <a:p>
             <a:pPr lvl="1"/>
             <a:r>
-              <a:rPr lang="en-US"/>
+              <a:rPr lang="en-US" smtClean="0"/>
               <a:t>Second level</a:t>
             </a:r>
           </a:p>
           <a:p>
             <a:pPr lvl="2"/>
             <a:r>
-              <a:rPr lang="en-US"/>
+              <a:rPr lang="en-US" smtClean="0"/>
               <a:t>Third level</a:t>
             </a:r>
           </a:p>
           <a:p>
             <a:pPr lvl="3"/>
             <a:r>
-              <a:rPr lang="en-US"/>
+              <a:rPr lang="en-US" smtClean="0"/>
               <a:t>Fourth level</a:t>
             </a:r>
           </a:p>
           <a:p>
             <a:pPr lvl="4"/>
             <a:r>
-              <a:rPr lang="en-US"/>
+              <a:rPr lang="en-US" smtClean="0"/>
               <a:t>Fifth level</a:t>
             </a:r>
+            <a:endParaRPr lang="en-US"/>
           </a:p>
         </p:txBody>
       </p:sp>
@@ -2717,7 +2739,7 @@
           <a:p>
             <a:fld id="{699DC775-C286-4358-8C92-D7E584E969B3}" type="datetimeFigureOut">
               <a:rPr lang="en-US" smtClean="0"/>
-              <a:t>1/23/2017</a:t>
+              <a:t>19-Jun-15</a:t>
             </a:fld>
             <a:endParaRPr lang="en-US"/>
           </a:p>
@@ -2820,9 +2842,10 @@
           </a:lstStyle>
           <a:p>
             <a:r>
-              <a:rPr lang="en-US"/>
+              <a:rPr lang="en-US" smtClean="0"/>
               <a:t>Click to edit Master title style</a:t>
             </a:r>
+            <a:endParaRPr lang="en-US"/>
           </a:p>
         </p:txBody>
       </p:sp>
@@ -2946,7 +2969,7 @@
           <a:p>
             <a:pPr lvl="0"/>
             <a:r>
-              <a:rPr lang="en-US"/>
+              <a:rPr lang="en-US" smtClean="0"/>
               <a:t>Click to edit Master text styles</a:t>
             </a:r>
           </a:p>
@@ -2969,7 +2992,7 @@
           <a:p>
             <a:fld id="{699DC775-C286-4358-8C92-D7E584E969B3}" type="datetimeFigureOut">
               <a:rPr lang="en-US" smtClean="0"/>
-              <a:t>1/23/2017</a:t>
+              <a:t>19-Jun-15</a:t>
             </a:fld>
             <a:endParaRPr lang="en-US"/>
           </a:p>
@@ -3063,9 +3086,10 @@
           <a:lstStyle/>
           <a:p>
             <a:r>
-              <a:rPr lang="en-US"/>
+              <a:rPr lang="en-US" smtClean="0"/>
               <a:t>Click to edit Master title style</a:t>
             </a:r>
+            <a:endParaRPr lang="en-US"/>
           </a:p>
         </p:txBody>
       </p:sp>
@@ -3086,37 +3110,38 @@
           <a:p>
             <a:pPr lvl="0"/>
             <a:r>
-              <a:rPr lang="en-US"/>
+              <a:rPr lang="en-US" smtClean="0"/>
               <a:t>Click to edit Master text styles</a:t>
             </a:r>
           </a:p>
           <a:p>
             <a:pPr lvl="1"/>
             <a:r>
-              <a:rPr lang="en-US"/>
+              <a:rPr lang="en-US" smtClean="0"/>
               <a:t>Second level</a:t>
             </a:r>
           </a:p>
           <a:p>
             <a:pPr lvl="2"/>
             <a:r>
-              <a:rPr lang="en-US"/>
+              <a:rPr lang="en-US" smtClean="0"/>
               <a:t>Third level</a:t>
             </a:r>
           </a:p>
           <a:p>
             <a:pPr lvl="3"/>
             <a:r>
-              <a:rPr lang="en-US"/>
+              <a:rPr lang="en-US" smtClean="0"/>
               <a:t>Fourth level</a:t>
             </a:r>
           </a:p>
           <a:p>
             <a:pPr lvl="4"/>
             <a:r>
-              <a:rPr lang="en-US"/>
+              <a:rPr lang="en-US" smtClean="0"/>
               <a:t>Fifth level</a:t>
             </a:r>
+            <a:endParaRPr lang="en-US"/>
           </a:p>
         </p:txBody>
       </p:sp>
@@ -3137,7 +3162,7 @@
           <a:p>
             <a:fld id="{699DC775-C286-4358-8C92-D7E584E969B3}" type="datetimeFigureOut">
               <a:rPr lang="en-US" smtClean="0"/>
-              <a:t>1/23/2017</a:t>
+              <a:t>19-Jun-15</a:t>
             </a:fld>
             <a:endParaRPr lang="en-US"/>
           </a:p>
@@ -3236,9 +3261,10 @@
           <a:lstStyle/>
           <a:p>
             <a:r>
-              <a:rPr lang="en-US"/>
+              <a:rPr lang="en-US" smtClean="0"/>
               <a:t>Click to edit Master title style</a:t>
             </a:r>
+            <a:endParaRPr lang="en-US"/>
           </a:p>
         </p:txBody>
       </p:sp>
@@ -3264,37 +3290,38 @@
           <a:p>
             <a:pPr lvl="0"/>
             <a:r>
-              <a:rPr lang="en-US"/>
+              <a:rPr lang="en-US" smtClean="0"/>
               <a:t>Click to edit Master text styles</a:t>
             </a:r>
           </a:p>
           <a:p>
             <a:pPr lvl="1"/>
             <a:r>
-              <a:rPr lang="en-US"/>
+              <a:rPr lang="en-US" smtClean="0"/>
               <a:t>Second level</a:t>
             </a:r>
           </a:p>
           <a:p>
             <a:pPr lvl="2"/>
             <a:r>
-              <a:rPr lang="en-US"/>
+              <a:rPr lang="en-US" smtClean="0"/>
               <a:t>Third level</a:t>
             </a:r>
           </a:p>
           <a:p>
             <a:pPr lvl="3"/>
             <a:r>
-              <a:rPr lang="en-US"/>
+              <a:rPr lang="en-US" smtClean="0"/>
               <a:t>Fourth level</a:t>
             </a:r>
           </a:p>
           <a:p>
             <a:pPr lvl="4"/>
             <a:r>
-              <a:rPr lang="en-US"/>
+              <a:rPr lang="en-US" smtClean="0"/>
               <a:t>Fifth level</a:t>
             </a:r>
+            <a:endParaRPr lang="en-US"/>
           </a:p>
         </p:txBody>
       </p:sp>
@@ -3315,7 +3342,7 @@
           <a:p>
             <a:fld id="{699DC775-C286-4358-8C92-D7E584E969B3}" type="datetimeFigureOut">
               <a:rPr lang="en-US" smtClean="0"/>
-              <a:t>1/23/2017</a:t>
+              <a:t>19-Jun-15</a:t>
             </a:fld>
             <a:endParaRPr lang="en-US"/>
           </a:p>
@@ -3422,9 +3449,10 @@
           <a:lstStyle/>
           <a:p>
             <a:r>
-              <a:rPr lang="en-US"/>
+              <a:rPr lang="en-US" smtClean="0"/>
               <a:t>Click to edit Master title style</a:t>
             </a:r>
+            <a:endParaRPr lang="en-US"/>
           </a:p>
         </p:txBody>
       </p:sp>
@@ -3540,9 +3568,10 @@
           </a:lstStyle>
           <a:p>
             <a:r>
-              <a:rPr lang="en-US"/>
+              <a:rPr lang="en-US" smtClean="0"/>
               <a:t>Click to edit Master subtitle style</a:t>
             </a:r>
+            <a:endParaRPr lang="en-US"/>
           </a:p>
         </p:txBody>
       </p:sp>
@@ -3563,7 +3592,7 @@
           <a:p>
             <a:fld id="{699DC775-C286-4358-8C92-D7E584E969B3}" type="datetimeFigureOut">
               <a:rPr lang="en-US" smtClean="0"/>
-              <a:t>1/23/2017</a:t>
+              <a:t>19-Jun-15</a:t>
             </a:fld>
             <a:endParaRPr lang="en-US"/>
           </a:p>
@@ -3665,9 +3694,10 @@
           <a:lstStyle/>
           <a:p>
             <a:r>
-              <a:rPr lang="en-US"/>
+              <a:rPr lang="en-US" smtClean="0"/>
               <a:t>Click to edit Master title style</a:t>
             </a:r>
+            <a:endParaRPr lang="en-US"/>
           </a:p>
         </p:txBody>
       </p:sp>
@@ -3688,37 +3718,38 @@
           <a:p>
             <a:pPr lvl="0"/>
             <a:r>
-              <a:rPr lang="en-US"/>
+              <a:rPr lang="en-US" smtClean="0"/>
               <a:t>Click to edit Master text styles</a:t>
             </a:r>
           </a:p>
           <a:p>
             <a:pPr lvl="1"/>
             <a:r>
-              <a:rPr lang="en-US"/>
+              <a:rPr lang="en-US" smtClean="0"/>
               <a:t>Second level</a:t>
             </a:r>
           </a:p>
           <a:p>
             <a:pPr lvl="2"/>
             <a:r>
-              <a:rPr lang="en-US"/>
+              <a:rPr lang="en-US" smtClean="0"/>
               <a:t>Third level</a:t>
             </a:r>
           </a:p>
           <a:p>
             <a:pPr lvl="3"/>
             <a:r>
-              <a:rPr lang="en-US"/>
+              <a:rPr lang="en-US" smtClean="0"/>
               <a:t>Fourth level</a:t>
             </a:r>
           </a:p>
           <a:p>
             <a:pPr lvl="4"/>
             <a:r>
-              <a:rPr lang="en-US"/>
+              <a:rPr lang="en-US" smtClean="0"/>
               <a:t>Fifth level</a:t>
             </a:r>
+            <a:endParaRPr lang="en-US"/>
           </a:p>
         </p:txBody>
       </p:sp>
@@ -3739,7 +3770,7 @@
           <a:p>
             <a:fld id="{699DC775-C286-4358-8C92-D7E584E969B3}" type="datetimeFigureOut">
               <a:rPr lang="en-US" smtClean="0"/>
-              <a:t>1/23/2017</a:t>
+              <a:t>19-Jun-15</a:t>
             </a:fld>
             <a:endParaRPr lang="en-US"/>
           </a:p>
@@ -3850,9 +3881,10 @@
           </a:lstStyle>
           <a:p>
             <a:r>
-              <a:rPr lang="en-US"/>
+              <a:rPr lang="en-US" smtClean="0"/>
               <a:t>Click to edit Master title style</a:t>
             </a:r>
+            <a:endParaRPr lang="en-US"/>
           </a:p>
         </p:txBody>
       </p:sp>
@@ -3969,7 +4001,7 @@
           <a:p>
             <a:pPr lvl="0"/>
             <a:r>
-              <a:rPr lang="en-US"/>
+              <a:rPr lang="en-US" smtClean="0"/>
               <a:t>Click to edit Master text styles</a:t>
             </a:r>
           </a:p>
@@ -3992,7 +4024,7 @@
           <a:p>
             <a:fld id="{699DC775-C286-4358-8C92-D7E584E969B3}" type="datetimeFigureOut">
               <a:rPr lang="en-US" smtClean="0"/>
-              <a:t>1/23/2017</a:t>
+              <a:t>19-Jun-15</a:t>
             </a:fld>
             <a:endParaRPr lang="en-US"/>
           </a:p>
@@ -4094,9 +4126,10 @@
           <a:lstStyle/>
           <a:p>
             <a:r>
-              <a:rPr lang="en-US"/>
+              <a:rPr lang="en-US" smtClean="0"/>
               <a:t>Click to edit Master title style</a:t>
             </a:r>
+            <a:endParaRPr lang="en-US"/>
           </a:p>
         </p:txBody>
       </p:sp>
@@ -4150,37 +4183,38 @@
           <a:p>
             <a:pPr lvl="0"/>
             <a:r>
-              <a:rPr lang="en-US"/>
+              <a:rPr lang="en-US" smtClean="0"/>
               <a:t>Click to edit Master text styles</a:t>
             </a:r>
           </a:p>
           <a:p>
             <a:pPr lvl="1"/>
             <a:r>
-              <a:rPr lang="en-US"/>
+              <a:rPr lang="en-US" smtClean="0"/>
               <a:t>Second level</a:t>
             </a:r>
           </a:p>
           <a:p>
             <a:pPr lvl="2"/>
             <a:r>
-              <a:rPr lang="en-US"/>
+              <a:rPr lang="en-US" smtClean="0"/>
               <a:t>Third level</a:t>
             </a:r>
           </a:p>
           <a:p>
             <a:pPr lvl="3"/>
             <a:r>
-              <a:rPr lang="en-US"/>
+              <a:rPr lang="en-US" smtClean="0"/>
               <a:t>Fourth level</a:t>
             </a:r>
           </a:p>
           <a:p>
             <a:pPr lvl="4"/>
             <a:r>
-              <a:rPr lang="en-US"/>
+              <a:rPr lang="en-US" smtClean="0"/>
               <a:t>Fifth level</a:t>
             </a:r>
+            <a:endParaRPr lang="en-US"/>
           </a:p>
         </p:txBody>
       </p:sp>
@@ -4234,37 +4268,38 @@
           <a:p>
             <a:pPr lvl="0"/>
             <a:r>
-              <a:rPr lang="en-US"/>
+              <a:rPr lang="en-US" smtClean="0"/>
               <a:t>Click to edit Master text styles</a:t>
             </a:r>
           </a:p>
           <a:p>
             <a:pPr lvl="1"/>
             <a:r>
-              <a:rPr lang="en-US"/>
+              <a:rPr lang="en-US" smtClean="0"/>
               <a:t>Second level</a:t>
             </a:r>
           </a:p>
           <a:p>
             <a:pPr lvl="2"/>
             <a:r>
-              <a:rPr lang="en-US"/>
+              <a:rPr lang="en-US" smtClean="0"/>
               <a:t>Third level</a:t>
             </a:r>
           </a:p>
           <a:p>
             <a:pPr lvl="3"/>
             <a:r>
-              <a:rPr lang="en-US"/>
+              <a:rPr lang="en-US" smtClean="0"/>
               <a:t>Fourth level</a:t>
             </a:r>
           </a:p>
           <a:p>
             <a:pPr lvl="4"/>
             <a:r>
-              <a:rPr lang="en-US"/>
+              <a:rPr lang="en-US" smtClean="0"/>
               <a:t>Fifth level</a:t>
             </a:r>
+            <a:endParaRPr lang="en-US"/>
           </a:p>
         </p:txBody>
       </p:sp>
@@ -4285,7 +4320,7 @@
           <a:p>
             <a:fld id="{699DC775-C286-4358-8C92-D7E584E969B3}" type="datetimeFigureOut">
               <a:rPr lang="en-US" smtClean="0"/>
-              <a:t>1/23/2017</a:t>
+              <a:t>19-Jun-15</a:t>
             </a:fld>
             <a:endParaRPr lang="en-US"/>
           </a:p>
@@ -4391,9 +4426,10 @@
           </a:lstStyle>
           <a:p>
             <a:r>
-              <a:rPr lang="en-US"/>
+              <a:rPr lang="en-US" smtClean="0"/>
               <a:t>Click to edit Master title style</a:t>
             </a:r>
+            <a:endParaRPr lang="en-US"/>
           </a:p>
         </p:txBody>
       </p:sp>
@@ -4456,7 +4492,7 @@
           <a:p>
             <a:pPr lvl="0"/>
             <a:r>
-              <a:rPr lang="en-US"/>
+              <a:rPr lang="en-US" smtClean="0"/>
               <a:t>Click to edit Master text styles</a:t>
             </a:r>
           </a:p>
@@ -4512,37 +4548,38 @@
           <a:p>
             <a:pPr lvl="0"/>
             <a:r>
-              <a:rPr lang="en-US"/>
+              <a:rPr lang="en-US" smtClean="0"/>
               <a:t>Click to edit Master text styles</a:t>
             </a:r>
           </a:p>
           <a:p>
             <a:pPr lvl="1"/>
             <a:r>
-              <a:rPr lang="en-US"/>
+              <a:rPr lang="en-US" smtClean="0"/>
               <a:t>Second level</a:t>
             </a:r>
           </a:p>
           <a:p>
             <a:pPr lvl="2"/>
             <a:r>
-              <a:rPr lang="en-US"/>
+              <a:rPr lang="en-US" smtClean="0"/>
               <a:t>Third level</a:t>
             </a:r>
           </a:p>
           <a:p>
             <a:pPr lvl="3"/>
             <a:r>
-              <a:rPr lang="en-US"/>
+              <a:rPr lang="en-US" smtClean="0"/>
               <a:t>Fourth level</a:t>
             </a:r>
           </a:p>
           <a:p>
             <a:pPr lvl="4"/>
             <a:r>
-              <a:rPr lang="en-US"/>
+              <a:rPr lang="en-US" smtClean="0"/>
               <a:t>Fifth level</a:t>
             </a:r>
+            <a:endParaRPr lang="en-US"/>
           </a:p>
         </p:txBody>
       </p:sp>
@@ -4605,7 +4642,7 @@
           <a:p>
             <a:pPr lvl="0"/>
             <a:r>
-              <a:rPr lang="en-US"/>
+              <a:rPr lang="en-US" smtClean="0"/>
               <a:t>Click to edit Master text styles</a:t>
             </a:r>
           </a:p>
@@ -4661,37 +4698,38 @@
           <a:p>
             <a:pPr lvl="0"/>
             <a:r>
-              <a:rPr lang="en-US"/>
+              <a:rPr lang="en-US" smtClean="0"/>
               <a:t>Click to edit Master text styles</a:t>
             </a:r>
           </a:p>
           <a:p>
             <a:pPr lvl="1"/>
             <a:r>
-              <a:rPr lang="en-US"/>
+              <a:rPr lang="en-US" smtClean="0"/>
               <a:t>Second level</a:t>
             </a:r>
           </a:p>
           <a:p>
             <a:pPr lvl="2"/>
             <a:r>
-              <a:rPr lang="en-US"/>
+              <a:rPr lang="en-US" smtClean="0"/>
               <a:t>Third level</a:t>
             </a:r>
           </a:p>
           <a:p>
             <a:pPr lvl="3"/>
             <a:r>
-              <a:rPr lang="en-US"/>
+              <a:rPr lang="en-US" smtClean="0"/>
               <a:t>Fourth level</a:t>
             </a:r>
           </a:p>
           <a:p>
             <a:pPr lvl="4"/>
             <a:r>
-              <a:rPr lang="en-US"/>
+              <a:rPr lang="en-US" smtClean="0"/>
               <a:t>Fifth level</a:t>
             </a:r>
+            <a:endParaRPr lang="en-US"/>
           </a:p>
         </p:txBody>
       </p:sp>
@@ -4712,7 +4750,7 @@
           <a:p>
             <a:fld id="{699DC775-C286-4358-8C92-D7E584E969B3}" type="datetimeFigureOut">
               <a:rPr lang="en-US" smtClean="0"/>
-              <a:t>1/23/2017</a:t>
+              <a:t>19-Jun-15</a:t>
             </a:fld>
             <a:endParaRPr lang="en-US"/>
           </a:p>
@@ -4814,9 +4852,10 @@
           <a:lstStyle/>
           <a:p>
             <a:r>
-              <a:rPr lang="en-US"/>
+              <a:rPr lang="en-US" smtClean="0"/>
               <a:t>Click to edit Master title style</a:t>
             </a:r>
+            <a:endParaRPr lang="en-US"/>
           </a:p>
         </p:txBody>
       </p:sp>
@@ -4837,7 +4876,7 @@
           <a:p>
             <a:fld id="{699DC775-C286-4358-8C92-D7E584E969B3}" type="datetimeFigureOut">
               <a:rPr lang="en-US" smtClean="0"/>
-              <a:t>1/23/2017</a:t>
+              <a:t>19-Jun-15</a:t>
             </a:fld>
             <a:endParaRPr lang="en-US"/>
           </a:p>
@@ -4940,7 +4979,7 @@
           <a:p>
             <a:fld id="{699DC775-C286-4358-8C92-D7E584E969B3}" type="datetimeFigureOut">
               <a:rPr lang="en-US" smtClean="0"/>
-              <a:t>1/23/2017</a:t>
+              <a:t>19-Jun-15</a:t>
             </a:fld>
             <a:endParaRPr lang="en-US"/>
           </a:p>
@@ -5043,9 +5082,10 @@
           </a:lstStyle>
           <a:p>
             <a:r>
-              <a:rPr lang="en-US"/>
+              <a:rPr lang="en-US" smtClean="0"/>
               <a:t>Click to edit Master title style</a:t>
             </a:r>
+            <a:endParaRPr lang="en-US"/>
           </a:p>
         </p:txBody>
       </p:sp>
@@ -5162,7 +5202,7 @@
           <a:p>
             <a:pPr lvl="0"/>
             <a:r>
-              <a:rPr lang="en-US"/>
+              <a:rPr lang="en-US" smtClean="0"/>
               <a:t>Click to edit Master text styles</a:t>
             </a:r>
           </a:p>
@@ -5185,7 +5225,7 @@
           <a:p>
             <a:fld id="{699DC775-C286-4358-8C92-D7E584E969B3}" type="datetimeFigureOut">
               <a:rPr lang="en-US" smtClean="0"/>
-              <a:t>1/23/2017</a:t>
+              <a:t>19-Jun-15</a:t>
             </a:fld>
             <a:endParaRPr lang="en-US"/>
           </a:p>
@@ -5296,9 +5336,10 @@
           </a:lstStyle>
           <a:p>
             <a:r>
-              <a:rPr lang="en-US"/>
+              <a:rPr lang="en-US" smtClean="0"/>
               <a:t>Click to edit Master title style</a:t>
             </a:r>
+            <a:endParaRPr lang="en-US"/>
           </a:p>
         </p:txBody>
       </p:sp>
@@ -5352,37 +5393,38 @@
           <a:p>
             <a:pPr lvl="0"/>
             <a:r>
-              <a:rPr lang="en-US"/>
+              <a:rPr lang="en-US" smtClean="0"/>
               <a:t>Click to edit Master text styles</a:t>
             </a:r>
           </a:p>
           <a:p>
             <a:pPr lvl="1"/>
             <a:r>
-              <a:rPr lang="en-US"/>
+              <a:rPr lang="en-US" smtClean="0"/>
               <a:t>Second level</a:t>
             </a:r>
           </a:p>
           <a:p>
             <a:pPr lvl="2"/>
             <a:r>
-              <a:rPr lang="en-US"/>
+              <a:rPr lang="en-US" smtClean="0"/>
               <a:t>Third level</a:t>
             </a:r>
           </a:p>
           <a:p>
             <a:pPr lvl="3"/>
             <a:r>
-              <a:rPr lang="en-US"/>
+              <a:rPr lang="en-US" smtClean="0"/>
               <a:t>Fourth level</a:t>
             </a:r>
           </a:p>
           <a:p>
             <a:pPr lvl="4"/>
             <a:r>
-              <a:rPr lang="en-US"/>
+              <a:rPr lang="en-US" smtClean="0"/>
               <a:t>Fifth level</a:t>
             </a:r>
+            <a:endParaRPr lang="en-US"/>
           </a:p>
         </p:txBody>
       </p:sp>
@@ -5445,7 +5487,7 @@
           <a:p>
             <a:pPr lvl="0"/>
             <a:r>
-              <a:rPr lang="en-US"/>
+              <a:rPr lang="en-US" smtClean="0"/>
               <a:t>Click to edit Master text styles</a:t>
             </a:r>
           </a:p>
@@ -5468,7 +5510,7 @@
           <a:p>
             <a:fld id="{699DC775-C286-4358-8C92-D7E584E969B3}" type="datetimeFigureOut">
               <a:rPr lang="en-US" smtClean="0"/>
-              <a:t>1/23/2017</a:t>
+              <a:t>19-Jun-15</a:t>
             </a:fld>
             <a:endParaRPr lang="en-US"/>
           </a:p>
@@ -5579,9 +5621,10 @@
           </a:lstStyle>
           <a:p>
             <a:r>
-              <a:rPr lang="en-US"/>
+              <a:rPr lang="en-US" smtClean="0"/>
               <a:t>Click to edit Master title style</a:t>
             </a:r>
+            <a:endParaRPr lang="en-US"/>
           </a:p>
         </p:txBody>
       </p:sp>
@@ -5705,7 +5748,7 @@
           <a:p>
             <a:pPr lvl="0"/>
             <a:r>
-              <a:rPr lang="en-US"/>
+              <a:rPr lang="en-US" smtClean="0"/>
               <a:t>Click to edit Master text styles</a:t>
             </a:r>
           </a:p>
@@ -5728,7 +5771,7 @@
           <a:p>
             <a:fld id="{699DC775-C286-4358-8C92-D7E584E969B3}" type="datetimeFigureOut">
               <a:rPr lang="en-US" smtClean="0"/>
-              <a:t>1/23/2017</a:t>
+              <a:t>19-Jun-15</a:t>
             </a:fld>
             <a:endParaRPr lang="en-US"/>
           </a:p>
@@ -5830,9 +5873,10 @@
           <a:lstStyle/>
           <a:p>
             <a:r>
-              <a:rPr lang="en-US"/>
+              <a:rPr lang="en-US" smtClean="0"/>
               <a:t>Click to edit Master title style</a:t>
             </a:r>
+            <a:endParaRPr lang="en-US"/>
           </a:p>
         </p:txBody>
       </p:sp>
@@ -5853,37 +5897,38 @@
           <a:p>
             <a:pPr lvl="0"/>
             <a:r>
-              <a:rPr lang="en-US"/>
+              <a:rPr lang="en-US" smtClean="0"/>
               <a:t>Click to edit Master text styles</a:t>
             </a:r>
           </a:p>
           <a:p>
             <a:pPr lvl="1"/>
             <a:r>
-              <a:rPr lang="en-US"/>
+              <a:rPr lang="en-US" smtClean="0"/>
               <a:t>Second level</a:t>
             </a:r>
           </a:p>
           <a:p>
             <a:pPr lvl="2"/>
             <a:r>
-              <a:rPr lang="en-US"/>
+              <a:rPr lang="en-US" smtClean="0"/>
               <a:t>Third level</a:t>
             </a:r>
           </a:p>
           <a:p>
             <a:pPr lvl="3"/>
             <a:r>
-              <a:rPr lang="en-US"/>
+              <a:rPr lang="en-US" smtClean="0"/>
               <a:t>Fourth level</a:t>
             </a:r>
           </a:p>
           <a:p>
             <a:pPr lvl="4"/>
             <a:r>
-              <a:rPr lang="en-US"/>
+              <a:rPr lang="en-US" smtClean="0"/>
               <a:t>Fifth level</a:t>
             </a:r>
+            <a:endParaRPr lang="en-US"/>
           </a:p>
         </p:txBody>
       </p:sp>
@@ -5904,7 +5949,7 @@
           <a:p>
             <a:fld id="{699DC775-C286-4358-8C92-D7E584E969B3}" type="datetimeFigureOut">
               <a:rPr lang="en-US" smtClean="0"/>
-              <a:t>1/23/2017</a:t>
+              <a:t>19-Jun-15</a:t>
             </a:fld>
             <a:endParaRPr lang="en-US"/>
           </a:p>
@@ -6011,9 +6056,10 @@
           <a:lstStyle/>
           <a:p>
             <a:r>
-              <a:rPr lang="en-US"/>
+              <a:rPr lang="en-US" smtClean="0"/>
               <a:t>Click to edit Master title style</a:t>
             </a:r>
+            <a:endParaRPr lang="en-US"/>
           </a:p>
         </p:txBody>
       </p:sp>
@@ -6039,37 +6085,38 @@
           <a:p>
             <a:pPr lvl="0"/>
             <a:r>
-              <a:rPr lang="en-US"/>
+              <a:rPr lang="en-US" smtClean="0"/>
               <a:t>Click to edit Master text styles</a:t>
             </a:r>
           </a:p>
           <a:p>
             <a:pPr lvl="1"/>
             <a:r>
-              <a:rPr lang="en-US"/>
+              <a:rPr lang="en-US" smtClean="0"/>
               <a:t>Second level</a:t>
             </a:r>
           </a:p>
           <a:p>
             <a:pPr lvl="2"/>
             <a:r>
-              <a:rPr lang="en-US"/>
+              <a:rPr lang="en-US" smtClean="0"/>
               <a:t>Third level</a:t>
             </a:r>
           </a:p>
           <a:p>
             <a:pPr lvl="3"/>
             <a:r>
-              <a:rPr lang="en-US"/>
+              <a:rPr lang="en-US" smtClean="0"/>
               <a:t>Fourth level</a:t>
             </a:r>
           </a:p>
           <a:p>
             <a:pPr lvl="4"/>
             <a:r>
-              <a:rPr lang="en-US"/>
+              <a:rPr lang="en-US" smtClean="0"/>
               <a:t>Fifth level</a:t>
             </a:r>
+            <a:endParaRPr lang="en-US"/>
           </a:p>
         </p:txBody>
       </p:sp>
@@ -6090,7 +6137,7 @@
           <a:p>
             <a:fld id="{699DC775-C286-4358-8C92-D7E584E969B3}" type="datetimeFigureOut">
               <a:rPr lang="en-US" smtClean="0"/>
-              <a:t>1/23/2017</a:t>
+              <a:t>19-Jun-15</a:t>
             </a:fld>
             <a:endParaRPr lang="en-US"/>
           </a:p>
@@ -6184,9 +6231,10 @@
           <a:lstStyle/>
           <a:p>
             <a:r>
-              <a:rPr lang="en-US"/>
+              <a:rPr lang="en-US" smtClean="0"/>
               <a:t>Click to edit Master title style</a:t>
             </a:r>
+            <a:endParaRPr lang="en-US"/>
           </a:p>
         </p:txBody>
       </p:sp>
@@ -6240,37 +6288,38 @@
           <a:p>
             <a:pPr lvl="0"/>
             <a:r>
-              <a:rPr lang="en-US"/>
+              <a:rPr lang="en-US" smtClean="0"/>
               <a:t>Click to edit Master text styles</a:t>
             </a:r>
           </a:p>
           <a:p>
             <a:pPr lvl="1"/>
             <a:r>
-              <a:rPr lang="en-US"/>
+              <a:rPr lang="en-US" smtClean="0"/>
               <a:t>Second level</a:t>
             </a:r>
           </a:p>
           <a:p>
             <a:pPr lvl="2"/>
             <a:r>
-              <a:rPr lang="en-US"/>
+              <a:rPr lang="en-US" smtClean="0"/>
               <a:t>Third level</a:t>
             </a:r>
           </a:p>
           <a:p>
             <a:pPr lvl="3"/>
             <a:r>
-              <a:rPr lang="en-US"/>
+              <a:rPr lang="en-US" smtClean="0"/>
               <a:t>Fourth level</a:t>
             </a:r>
           </a:p>
           <a:p>
             <a:pPr lvl="4"/>
             <a:r>
-              <a:rPr lang="en-US"/>
+              <a:rPr lang="en-US" smtClean="0"/>
               <a:t>Fifth level</a:t>
             </a:r>
+            <a:endParaRPr lang="en-US"/>
           </a:p>
         </p:txBody>
       </p:sp>
@@ -6324,37 +6373,38 @@
           <a:p>
             <a:pPr lvl="0"/>
             <a:r>
-              <a:rPr lang="en-US"/>
+              <a:rPr lang="en-US" smtClean="0"/>
               <a:t>Click to edit Master text styles</a:t>
             </a:r>
           </a:p>
           <a:p>
             <a:pPr lvl="1"/>
             <a:r>
-              <a:rPr lang="en-US"/>
+              <a:rPr lang="en-US" smtClean="0"/>
               <a:t>Second level</a:t>
             </a:r>
           </a:p>
           <a:p>
             <a:pPr lvl="2"/>
             <a:r>
-              <a:rPr lang="en-US"/>
+              <a:rPr lang="en-US" smtClean="0"/>
               <a:t>Third level</a:t>
             </a:r>
           </a:p>
           <a:p>
             <a:pPr lvl="3"/>
             <a:r>
-              <a:rPr lang="en-US"/>
+              <a:rPr lang="en-US" smtClean="0"/>
               <a:t>Fourth level</a:t>
             </a:r>
           </a:p>
           <a:p>
             <a:pPr lvl="4"/>
             <a:r>
-              <a:rPr lang="en-US"/>
+              <a:rPr lang="en-US" smtClean="0"/>
               <a:t>Fifth level</a:t>
             </a:r>
+            <a:endParaRPr lang="en-US"/>
           </a:p>
         </p:txBody>
       </p:sp>
@@ -6375,7 +6425,7 @@
           <a:p>
             <a:fld id="{699DC775-C286-4358-8C92-D7E584E969B3}" type="datetimeFigureOut">
               <a:rPr lang="en-US" smtClean="0"/>
-              <a:t>1/23/2017</a:t>
+              <a:t>19-Jun-15</a:t>
             </a:fld>
             <a:endParaRPr lang="en-US"/>
           </a:p>
@@ -6473,9 +6523,10 @@
           </a:lstStyle>
           <a:p>
             <a:r>
-              <a:rPr lang="en-US"/>
+              <a:rPr lang="en-US" smtClean="0"/>
               <a:t>Click to edit Master title style</a:t>
             </a:r>
+            <a:endParaRPr lang="en-US"/>
           </a:p>
         </p:txBody>
       </p:sp>
@@ -6538,7 +6589,7 @@
           <a:p>
             <a:pPr lvl="0"/>
             <a:r>
-              <a:rPr lang="en-US"/>
+              <a:rPr lang="en-US" smtClean="0"/>
               <a:t>Click to edit Master text styles</a:t>
             </a:r>
           </a:p>
@@ -6594,37 +6645,38 @@
           <a:p>
             <a:pPr lvl="0"/>
             <a:r>
-              <a:rPr lang="en-US"/>
+              <a:rPr lang="en-US" smtClean="0"/>
               <a:t>Click to edit Master text styles</a:t>
             </a:r>
           </a:p>
           <a:p>
             <a:pPr lvl="1"/>
             <a:r>
-              <a:rPr lang="en-US"/>
+              <a:rPr lang="en-US" smtClean="0"/>
               <a:t>Second level</a:t>
             </a:r>
           </a:p>
           <a:p>
             <a:pPr lvl="2"/>
             <a:r>
-              <a:rPr lang="en-US"/>
+              <a:rPr lang="en-US" smtClean="0"/>
               <a:t>Third level</a:t>
             </a:r>
           </a:p>
           <a:p>
             <a:pPr lvl="3"/>
             <a:r>
-              <a:rPr lang="en-US"/>
+              <a:rPr lang="en-US" smtClean="0"/>
               <a:t>Fourth level</a:t>
             </a:r>
           </a:p>
           <a:p>
             <a:pPr lvl="4"/>
             <a:r>
-              <a:rPr lang="en-US"/>
+              <a:rPr lang="en-US" smtClean="0"/>
               <a:t>Fifth level</a:t>
             </a:r>
+            <a:endParaRPr lang="en-US"/>
           </a:p>
         </p:txBody>
       </p:sp>
@@ -6687,7 +6739,7 @@
           <a:p>
             <a:pPr lvl="0"/>
             <a:r>
-              <a:rPr lang="en-US"/>
+              <a:rPr lang="en-US" smtClean="0"/>
               <a:t>Click to edit Master text styles</a:t>
             </a:r>
           </a:p>
@@ -6743,37 +6795,38 @@
           <a:p>
             <a:pPr lvl="0"/>
             <a:r>
-              <a:rPr lang="en-US"/>
+              <a:rPr lang="en-US" smtClean="0"/>
               <a:t>Click to edit Master text styles</a:t>
             </a:r>
           </a:p>
           <a:p>
             <a:pPr lvl="1"/>
             <a:r>
-              <a:rPr lang="en-US"/>
+              <a:rPr lang="en-US" smtClean="0"/>
               <a:t>Second level</a:t>
             </a:r>
           </a:p>
           <a:p>
             <a:pPr lvl="2"/>
             <a:r>
-              <a:rPr lang="en-US"/>
+              <a:rPr lang="en-US" smtClean="0"/>
               <a:t>Third level</a:t>
             </a:r>
           </a:p>
           <a:p>
             <a:pPr lvl="3"/>
             <a:r>
-              <a:rPr lang="en-US"/>
+              <a:rPr lang="en-US" smtClean="0"/>
               <a:t>Fourth level</a:t>
             </a:r>
           </a:p>
           <a:p>
             <a:pPr lvl="4"/>
             <a:r>
-              <a:rPr lang="en-US"/>
+              <a:rPr lang="en-US" smtClean="0"/>
               <a:t>Fifth level</a:t>
             </a:r>
+            <a:endParaRPr lang="en-US"/>
           </a:p>
         </p:txBody>
       </p:sp>
@@ -6794,7 +6847,7 @@
           <a:p>
             <a:fld id="{699DC775-C286-4358-8C92-D7E584E969B3}" type="datetimeFigureOut">
               <a:rPr lang="en-US" smtClean="0"/>
-              <a:t>1/23/2017</a:t>
+              <a:t>19-Jun-15</a:t>
             </a:fld>
             <a:endParaRPr lang="en-US"/>
           </a:p>
@@ -6888,9 +6941,10 @@
           <a:lstStyle/>
           <a:p>
             <a:r>
-              <a:rPr lang="en-US"/>
+              <a:rPr lang="en-US" smtClean="0"/>
               <a:t>Click to edit Master title style</a:t>
             </a:r>
+            <a:endParaRPr lang="en-US"/>
           </a:p>
         </p:txBody>
       </p:sp>
@@ -6911,7 +6965,7 @@
           <a:p>
             <a:fld id="{699DC775-C286-4358-8C92-D7E584E969B3}" type="datetimeFigureOut">
               <a:rPr lang="en-US" smtClean="0"/>
-              <a:t>1/23/2017</a:t>
+              <a:t>19-Jun-15</a:t>
             </a:fld>
             <a:endParaRPr lang="en-US"/>
           </a:p>
@@ -7006,7 +7060,7 @@
           <a:p>
             <a:fld id="{699DC775-C286-4358-8C92-D7E584E969B3}" type="datetimeFigureOut">
               <a:rPr lang="en-US" smtClean="0"/>
-              <a:t>1/23/2017</a:t>
+              <a:t>19-Jun-15</a:t>
             </a:fld>
             <a:endParaRPr lang="en-US"/>
           </a:p>
@@ -7109,9 +7163,10 @@
           </a:lstStyle>
           <a:p>
             <a:r>
-              <a:rPr lang="en-US"/>
+              <a:rPr lang="en-US" smtClean="0"/>
               <a:t>Click to edit Master title style</a:t>
             </a:r>
+            <a:endParaRPr lang="en-US"/>
           </a:p>
         </p:txBody>
       </p:sp>
@@ -7165,37 +7220,38 @@
           <a:p>
             <a:pPr lvl="0"/>
             <a:r>
-              <a:rPr lang="en-US"/>
+              <a:rPr lang="en-US" smtClean="0"/>
               <a:t>Click to edit Master text styles</a:t>
             </a:r>
           </a:p>
           <a:p>
             <a:pPr lvl="1"/>
             <a:r>
-              <a:rPr lang="en-US"/>
+              <a:rPr lang="en-US" smtClean="0"/>
               <a:t>Second level</a:t>
             </a:r>
           </a:p>
           <a:p>
             <a:pPr lvl="2"/>
             <a:r>
-              <a:rPr lang="en-US"/>
+              <a:rPr lang="en-US" smtClean="0"/>
               <a:t>Third level</a:t>
             </a:r>
           </a:p>
           <a:p>
             <a:pPr lvl="3"/>
             <a:r>
-              <a:rPr lang="en-US"/>
+              <a:rPr lang="en-US" smtClean="0"/>
               <a:t>Fourth level</a:t>
             </a:r>
           </a:p>
           <a:p>
             <a:pPr lvl="4"/>
             <a:r>
-              <a:rPr lang="en-US"/>
+              <a:rPr lang="en-US" smtClean="0"/>
               <a:t>Fifth level</a:t>
             </a:r>
+            <a:endParaRPr lang="en-US"/>
           </a:p>
         </p:txBody>
       </p:sp>
@@ -7258,7 +7314,7 @@
           <a:p>
             <a:pPr lvl="0"/>
             <a:r>
-              <a:rPr lang="en-US"/>
+              <a:rPr lang="en-US" smtClean="0"/>
               <a:t>Click to edit Master text styles</a:t>
             </a:r>
           </a:p>
@@ -7281,7 +7337,7 @@
           <a:p>
             <a:fld id="{699DC775-C286-4358-8C92-D7E584E969B3}" type="datetimeFigureOut">
               <a:rPr lang="en-US" smtClean="0"/>
-              <a:t>1/23/2017</a:t>
+              <a:t>19-Jun-15</a:t>
             </a:fld>
             <a:endParaRPr lang="en-US"/>
           </a:p>
@@ -7384,9 +7440,10 @@
           </a:lstStyle>
           <a:p>
             <a:r>
-              <a:rPr lang="en-US"/>
+              <a:rPr lang="en-US" smtClean="0"/>
               <a:t>Click to edit Master title style</a:t>
             </a:r>
+            <a:endParaRPr lang="en-US"/>
           </a:p>
         </p:txBody>
       </p:sp>
@@ -7510,7 +7567,7 @@
           <a:p>
             <a:pPr lvl="0"/>
             <a:r>
-              <a:rPr lang="en-US"/>
+              <a:rPr lang="en-US" smtClean="0"/>
               <a:t>Click to edit Master text styles</a:t>
             </a:r>
           </a:p>
@@ -7533,7 +7590,7 @@
           <a:p>
             <a:fld id="{699DC775-C286-4358-8C92-D7E584E969B3}" type="datetimeFigureOut">
               <a:rPr lang="en-US" smtClean="0"/>
-              <a:t>1/23/2017</a:t>
+              <a:t>19-Jun-15</a:t>
             </a:fld>
             <a:endParaRPr lang="en-US"/>
           </a:p>
@@ -7642,9 +7699,10 @@
           <a:lstStyle/>
           <a:p>
             <a:r>
-              <a:rPr lang="en-US"/>
+              <a:rPr lang="en-US" smtClean="0"/>
               <a:t>Click to edit Master title style</a:t>
             </a:r>
+            <a:endParaRPr lang="en-US"/>
           </a:p>
         </p:txBody>
       </p:sp>
@@ -7675,37 +7733,38 @@
           <a:p>
             <a:pPr lvl="0"/>
             <a:r>
-              <a:rPr lang="en-US"/>
+              <a:rPr lang="en-US" smtClean="0"/>
               <a:t>Click to edit Master text styles</a:t>
             </a:r>
           </a:p>
           <a:p>
             <a:pPr lvl="1"/>
             <a:r>
-              <a:rPr lang="en-US"/>
+              <a:rPr lang="en-US" smtClean="0"/>
               <a:t>Second level</a:t>
             </a:r>
           </a:p>
           <a:p>
             <a:pPr lvl="2"/>
             <a:r>
-              <a:rPr lang="en-US"/>
+              <a:rPr lang="en-US" smtClean="0"/>
               <a:t>Third level</a:t>
             </a:r>
           </a:p>
           <a:p>
             <a:pPr lvl="3"/>
             <a:r>
-              <a:rPr lang="en-US"/>
+              <a:rPr lang="en-US" smtClean="0"/>
               <a:t>Fourth level</a:t>
             </a:r>
           </a:p>
           <a:p>
             <a:pPr lvl="4"/>
             <a:r>
-              <a:rPr lang="en-US"/>
+              <a:rPr lang="en-US" smtClean="0"/>
               <a:t>Fifth level</a:t>
             </a:r>
+            <a:endParaRPr lang="en-US"/>
           </a:p>
         </p:txBody>
       </p:sp>
@@ -7744,7 +7803,7 @@
           <a:p>
             <a:fld id="{699DC775-C286-4358-8C92-D7E584E969B3}" type="datetimeFigureOut">
               <a:rPr lang="en-US" smtClean="0"/>
-              <a:t>1/23/2017</a:t>
+              <a:t>19-Jun-15</a:t>
             </a:fld>
             <a:endParaRPr lang="en-US"/>
           </a:p>
@@ -8155,9 +8214,10 @@
           <a:lstStyle/>
           <a:p>
             <a:r>
-              <a:rPr lang="en-US"/>
+              <a:rPr lang="en-US" smtClean="0"/>
               <a:t>Click to edit Master title style</a:t>
             </a:r>
+            <a:endParaRPr lang="en-US"/>
           </a:p>
         </p:txBody>
       </p:sp>
@@ -8188,37 +8248,38 @@
           <a:p>
             <a:pPr lvl="0"/>
             <a:r>
-              <a:rPr lang="en-US"/>
+              <a:rPr lang="en-US" smtClean="0"/>
               <a:t>Click to edit Master text styles</a:t>
             </a:r>
           </a:p>
           <a:p>
             <a:pPr lvl="1"/>
             <a:r>
-              <a:rPr lang="en-US"/>
+              <a:rPr lang="en-US" smtClean="0"/>
               <a:t>Second level</a:t>
             </a:r>
           </a:p>
           <a:p>
             <a:pPr lvl="2"/>
             <a:r>
-              <a:rPr lang="en-US"/>
+              <a:rPr lang="en-US" smtClean="0"/>
               <a:t>Third level</a:t>
             </a:r>
           </a:p>
           <a:p>
             <a:pPr lvl="3"/>
             <a:r>
-              <a:rPr lang="en-US"/>
+              <a:rPr lang="en-US" smtClean="0"/>
               <a:t>Fourth level</a:t>
             </a:r>
           </a:p>
           <a:p>
             <a:pPr lvl="4"/>
             <a:r>
-              <a:rPr lang="en-US"/>
+              <a:rPr lang="en-US" smtClean="0"/>
               <a:t>Fifth level</a:t>
             </a:r>
+            <a:endParaRPr lang="en-US"/>
           </a:p>
         </p:txBody>
       </p:sp>
@@ -8257,7 +8318,7 @@
           <a:p>
             <a:fld id="{699DC775-C286-4358-8C92-D7E584E969B3}" type="datetimeFigureOut">
               <a:rPr lang="en-US" smtClean="0"/>
-              <a:t>1/23/2017</a:t>
+              <a:t>19-Jun-15</a:t>
             </a:fld>
             <a:endParaRPr lang="en-US"/>
           </a:p>
@@ -8666,9 +8727,10 @@
           <a:lstStyle/>
           <a:p>
             <a:r>
-              <a:rPr lang="en-US" dirty="0"/>
+              <a:rPr lang="en-US" dirty="0" smtClean="0"/>
               <a:t>Click to edit Master title style</a:t>
             </a:r>
+            <a:endParaRPr lang="en-US" dirty="0"/>
           </a:p>
         </p:txBody>
       </p:sp>
@@ -8699,37 +8761,38 @@
           <a:p>
             <a:pPr lvl="0"/>
             <a:r>
-              <a:rPr lang="en-US"/>
+              <a:rPr lang="en-US" smtClean="0"/>
               <a:t>Click to edit Master text styles</a:t>
             </a:r>
           </a:p>
           <a:p>
             <a:pPr lvl="1"/>
             <a:r>
-              <a:rPr lang="en-US"/>
+              <a:rPr lang="en-US" smtClean="0"/>
               <a:t>Second level</a:t>
             </a:r>
           </a:p>
           <a:p>
             <a:pPr lvl="2"/>
             <a:r>
-              <a:rPr lang="en-US"/>
+              <a:rPr lang="en-US" smtClean="0"/>
               <a:t>Third level</a:t>
             </a:r>
           </a:p>
           <a:p>
             <a:pPr lvl="3"/>
             <a:r>
-              <a:rPr lang="en-US"/>
+              <a:rPr lang="en-US" smtClean="0"/>
               <a:t>Fourth level</a:t>
             </a:r>
           </a:p>
           <a:p>
             <a:pPr lvl="4"/>
             <a:r>
-              <a:rPr lang="en-US"/>
+              <a:rPr lang="en-US" smtClean="0"/>
               <a:t>Fifth level</a:t>
             </a:r>
+            <a:endParaRPr lang="en-US"/>
           </a:p>
         </p:txBody>
       </p:sp>
@@ -8768,7 +8831,7 @@
           <a:p>
             <a:fld id="{699DC775-C286-4358-8C92-D7E584E969B3}" type="datetimeFigureOut">
               <a:rPr lang="en-US" smtClean="0"/>
-              <a:t>1/23/2017</a:t>
+              <a:t>19-Jun-15</a:t>
             </a:fld>
             <a:endParaRPr lang="en-US"/>
           </a:p>
@@ -9169,7 +9232,7 @@
           <a:p>
             <a:pPr algn="ctr"/>
             <a:r>
-              <a:rPr lang="en-US" b="1">
+              <a:rPr lang="en-US" b="1" smtClean="0">
                 <a:solidFill>
                   <a:srgbClr val="FFFF00"/>
                 </a:solidFill>
@@ -9180,13 +9243,18 @@
           <a:p>
             <a:pPr algn="ctr"/>
             <a:r>
-              <a:rPr lang="en-US">
+              <a:rPr lang="en-US" smtClean="0">
                 <a:solidFill>
                   <a:srgbClr val="FFFFFF"/>
                 </a:solidFill>
               </a:rPr>
               <a:t>Adjust the design of this slide and click the 'Sync Agenda' (in Agenda Lab) to replicate the design in the other slides.</a:t>
             </a:r>
+            <a:endParaRPr lang="en-US">
+              <a:solidFill>
+                <a:srgbClr val="FFFFFF"/>
+              </a:solidFill>
+            </a:endParaRPr>
           </a:p>
         </p:txBody>
       </p:sp>
@@ -9287,13 +9355,18 @@
             <a:lstStyle/>
             <a:p>
               <a:r>
-                <a:rPr lang="en-US">
+                <a:rPr lang="en-US" smtClean="0">
                   <a:solidFill>
                     <a:srgbClr val="FFFFFF"/>
                   </a:solidFill>
                 </a:rPr>
                 <a:t>One Slide</a:t>
               </a:r>
+              <a:endParaRPr lang="en-US">
+                <a:solidFill>
+                  <a:srgbClr val="FFFFFF"/>
+                </a:solidFill>
+              </a:endParaRPr>
             </a:p>
           </p:txBody>
         </p:sp>
@@ -9320,13 +9393,18 @@
             <a:lstStyle/>
             <a:p>
               <a:r>
-                <a:rPr lang="en-US">
+                <a:rPr lang="en-US" smtClean="0">
                   <a:solidFill>
                     <a:srgbClr val="FFFFFF"/>
                   </a:solidFill>
                 </a:rPr>
                 <a:t>Two Slides</a:t>
               </a:r>
+              <a:endParaRPr lang="en-US">
+                <a:solidFill>
+                  <a:srgbClr val="FFFFFF"/>
+                </a:solidFill>
+              </a:endParaRPr>
             </a:p>
           </p:txBody>
         </p:sp>
@@ -9353,13 +9431,18 @@
             <a:lstStyle/>
             <a:p>
               <a:r>
-                <a:rPr lang="en-US">
+                <a:rPr lang="en-US" smtClean="0">
                   <a:solidFill>
                     <a:srgbClr val="FFFFFF"/>
                   </a:solidFill>
                 </a:rPr>
                 <a:t>Same Name</a:t>
               </a:r>
+              <a:endParaRPr lang="en-US">
+                <a:solidFill>
+                  <a:srgbClr val="FFFFFF"/>
+                </a:solidFill>
+              </a:endParaRPr>
             </a:p>
           </p:txBody>
         </p:sp>
@@ -9386,13 +9469,18 @@
             <a:lstStyle/>
             <a:p>
               <a:r>
-                <a:rPr lang="en-US">
+                <a:rPr lang="en-US" smtClean="0">
                   <a:solidFill>
                     <a:srgbClr val="FFFFFF"/>
                   </a:solidFill>
                 </a:rPr>
                 <a:t>Same Name</a:t>
               </a:r>
+              <a:endParaRPr lang="en-US">
+                <a:solidFill>
+                  <a:srgbClr val="FFFFFF"/>
+                </a:solidFill>
+              </a:endParaRPr>
             </a:p>
           </p:txBody>
         </p:sp>
@@ -9419,7 +9507,7 @@
             <a:lstStyle/>
             <a:p>
               <a:r>
-                <a:rPr lang="ja-JP" altLang="en-US">
+                <a:rPr lang="ja-JP" altLang="en-US" smtClean="0">
                   <a:solidFill>
                     <a:srgbClr val="FFFFFF"/>
                   </a:solidFill>
@@ -9427,13 +9515,18 @@
                 <a:t>あいうえお</a:t>
               </a:r>
               <a:r>
-                <a:rPr lang="en-US">
+                <a:rPr lang="en-US" smtClean="0">
                   <a:solidFill>
                     <a:srgbClr val="FFFFFF"/>
                   </a:solidFill>
                 </a:rPr>
                 <a:t>kl)(*&amp;%$#@85v_+)0_@#%L:CF]1</a:t>
               </a:r>
+              <a:endParaRPr lang="en-US">
+                <a:solidFill>
+                  <a:srgbClr val="FFFFFF"/>
+                </a:solidFill>
+              </a:endParaRPr>
             </a:p>
           </p:txBody>
         </p:sp>
@@ -9460,13 +9553,18 @@
             <a:lstStyle/>
             <a:p>
               <a:r>
-                <a:rPr lang="en-US">
+                <a:rPr lang="en-US" smtClean="0">
                   <a:solidFill>
                     <a:srgbClr val="FFFF00"/>
                   </a:solidFill>
                 </a:rPr>
                 <a:t>Highlighted</a:t>
               </a:r>
+              <a:endParaRPr lang="en-US">
+                <a:solidFill>
+                  <a:srgbClr val="FFFF00"/>
+                </a:solidFill>
+              </a:endParaRPr>
             </a:p>
           </p:txBody>
         </p:sp>
@@ -9481,6 +9579,14 @@
   <p:clrMapOvr>
     <a:masterClrMapping/>
   </p:clrMapOvr>
+  <mc:AlternateContent xmlns:mc="http://schemas.openxmlformats.org/markup-compatibility/2006">
+    <mc:Choice xmlns:p14="http://schemas.microsoft.com/office/powerpoint/2010/main" Requires="p14">
+      <p:transition spd="slow" p14:dur="2000"/>
+    </mc:Choice>
+    <mc:Fallback>
+      <p:transition spd="slow"/>
+    </mc:Fallback>
+  </mc:AlternateContent>
   <p:timing>
     <p:tnLst>
       <p:par>
@@ -9715,13 +9821,18 @@
             <a:lstStyle/>
             <a:p>
               <a:r>
-                <a:rPr lang="en-US">
+                <a:rPr lang="en-US" smtClean="0">
                   <a:solidFill>
                     <a:srgbClr val="FFFFFF"/>
                   </a:solidFill>
                 </a:rPr>
                 <a:t>One Slide</a:t>
               </a:r>
+              <a:endParaRPr lang="en-US">
+                <a:solidFill>
+                  <a:srgbClr val="FFFFFF"/>
+                </a:solidFill>
+              </a:endParaRPr>
             </a:p>
           </p:txBody>
         </p:sp>
@@ -9748,13 +9859,18 @@
             <a:lstStyle/>
             <a:p>
               <a:r>
-                <a:rPr lang="en-US">
+                <a:rPr lang="en-US" smtClean="0">
                   <a:solidFill>
                     <a:srgbClr val="FFFFFF"/>
                   </a:solidFill>
                 </a:rPr>
                 <a:t>Two Slides</a:t>
               </a:r>
+              <a:endParaRPr lang="en-US">
+                <a:solidFill>
+                  <a:srgbClr val="FFFFFF"/>
+                </a:solidFill>
+              </a:endParaRPr>
             </a:p>
           </p:txBody>
         </p:sp>
@@ -9781,13 +9897,18 @@
             <a:lstStyle/>
             <a:p>
               <a:r>
-                <a:rPr lang="en-US">
+                <a:rPr lang="en-US" smtClean="0">
                   <a:solidFill>
                     <a:srgbClr val="FFFFFF"/>
                   </a:solidFill>
                 </a:rPr>
                 <a:t>Same Name</a:t>
               </a:r>
+              <a:endParaRPr lang="en-US">
+                <a:solidFill>
+                  <a:srgbClr val="FFFFFF"/>
+                </a:solidFill>
+              </a:endParaRPr>
             </a:p>
           </p:txBody>
         </p:sp>
@@ -9815,13 +9936,18 @@
             <a:p>
               <a:pPr lvl="0"/>
               <a:r>
-                <a:rPr lang="en-US">
+                <a:rPr lang="en-US" smtClean="0">
                   <a:solidFill>
                     <a:srgbClr val="FFFF00"/>
                   </a:solidFill>
                 </a:rPr>
                 <a:t>Same Name</a:t>
               </a:r>
+              <a:endParaRPr lang="en-US">
+                <a:solidFill>
+                  <a:srgbClr val="FFFF00"/>
+                </a:solidFill>
+              </a:endParaRPr>
             </a:p>
           </p:txBody>
         </p:sp>
@@ -9848,7 +9974,7 @@
             <a:lstStyle/>
             <a:p>
               <a:r>
-                <a:rPr lang="ja-JP" altLang="en-US">
+                <a:rPr lang="ja-JP" altLang="en-US" smtClean="0">
                   <a:solidFill>
                     <a:srgbClr val="FFFFFF"/>
                   </a:solidFill>
@@ -9856,13 +9982,18 @@
                 <a:t>あいうえお</a:t>
               </a:r>
               <a:r>
-                <a:rPr lang="en-US">
+                <a:rPr lang="en-US" smtClean="0">
                   <a:solidFill>
                     <a:srgbClr val="FFFFFF"/>
                   </a:solidFill>
                 </a:rPr>
                 <a:t>kl)(*&amp;%$#@85v_+)0_@#%L:CF]1</a:t>
               </a:r>
+              <a:endParaRPr lang="en-US">
+                <a:solidFill>
+                  <a:srgbClr val="FFFFFF"/>
+                </a:solidFill>
+              </a:endParaRPr>
             </a:p>
           </p:txBody>
         </p:sp>
@@ -9877,6 +10008,13 @@
   <p:clrMapOvr>
     <a:masterClrMapping/>
   </p:clrMapOvr>
+  <p:timing>
+    <p:tnLst>
+      <p:par>
+        <p:cTn id="1" dur="indefinite" restart="never" nodeType="tmRoot"/>
+      </p:par>
+    </p:tnLst>
+  </p:timing>
 </p:sld>
 </file>
 
@@ -10003,13 +10141,18 @@
             <a:lstStyle/>
             <a:p>
               <a:r>
-                <a:rPr lang="en-US">
+                <a:rPr lang="en-US" smtClean="0">
                   <a:solidFill>
                     <a:srgbClr val="FFFFFF"/>
                   </a:solidFill>
                 </a:rPr>
                 <a:t>One Slide</a:t>
               </a:r>
+              <a:endParaRPr lang="en-US">
+                <a:solidFill>
+                  <a:srgbClr val="FFFFFF"/>
+                </a:solidFill>
+              </a:endParaRPr>
             </a:p>
           </p:txBody>
         </p:sp>
@@ -10036,13 +10179,18 @@
             <a:lstStyle/>
             <a:p>
               <a:r>
-                <a:rPr lang="en-US">
+                <a:rPr lang="en-US" smtClean="0">
                   <a:solidFill>
                     <a:srgbClr val="FFFFFF"/>
                   </a:solidFill>
                 </a:rPr>
                 <a:t>Two Slides</a:t>
               </a:r>
+              <a:endParaRPr lang="en-US">
+                <a:solidFill>
+                  <a:srgbClr val="FFFFFF"/>
+                </a:solidFill>
+              </a:endParaRPr>
             </a:p>
           </p:txBody>
         </p:sp>
@@ -10069,13 +10217,18 @@
             <a:lstStyle/>
             <a:p>
               <a:r>
-                <a:rPr lang="en-US">
+                <a:rPr lang="en-US" smtClean="0">
                   <a:solidFill>
                     <a:srgbClr val="FFFFFF"/>
                   </a:solidFill>
                 </a:rPr>
                 <a:t>Same Name</a:t>
               </a:r>
+              <a:endParaRPr lang="en-US">
+                <a:solidFill>
+                  <a:srgbClr val="FFFFFF"/>
+                </a:solidFill>
+              </a:endParaRPr>
             </a:p>
           </p:txBody>
         </p:sp>
@@ -10103,13 +10256,18 @@
             <a:p>
               <a:pPr lvl="0"/>
               <a:r>
-                <a:rPr lang="en-US">
+                <a:rPr lang="en-US" smtClean="0">
                   <a:solidFill>
                     <a:srgbClr val="FFFF00"/>
                   </a:solidFill>
                 </a:rPr>
                 <a:t>Same Name</a:t>
               </a:r>
+              <a:endParaRPr lang="en-US">
+                <a:solidFill>
+                  <a:srgbClr val="FFFF00"/>
+                </a:solidFill>
+              </a:endParaRPr>
             </a:p>
           </p:txBody>
         </p:sp>
@@ -10136,7 +10294,7 @@
             <a:lstStyle/>
             <a:p>
               <a:r>
-                <a:rPr lang="ja-JP" altLang="en-US">
+                <a:rPr lang="ja-JP" altLang="en-US" smtClean="0">
                   <a:solidFill>
                     <a:srgbClr val="FFFFFF"/>
                   </a:solidFill>
@@ -10144,13 +10302,18 @@
                 <a:t>あいうえお</a:t>
               </a:r>
               <a:r>
-                <a:rPr lang="en-US">
+                <a:rPr lang="en-US" smtClean="0">
                   <a:solidFill>
                     <a:srgbClr val="FFFFFF"/>
                   </a:solidFill>
                 </a:rPr>
                 <a:t>kl)(*&amp;%$#@85v_+)0_@#%L:CF]1</a:t>
               </a:r>
+              <a:endParaRPr lang="en-US">
+                <a:solidFill>
+                  <a:srgbClr val="FFFFFF"/>
+                </a:solidFill>
+              </a:endParaRPr>
             </a:p>
           </p:txBody>
         </p:sp>
@@ -10165,6 +10328,13 @@
   <p:clrMapOvr>
     <a:masterClrMapping/>
   </p:clrMapOvr>
+  <p:timing>
+    <p:tnLst>
+      <p:par>
+        <p:cTn id="1" dur="indefinite" restart="never" nodeType="tmRoot"/>
+      </p:par>
+    </p:tnLst>
+  </p:timing>
 </p:sld>
 </file>
 
@@ -10282,13 +10452,18 @@
             <a:lstStyle/>
             <a:p>
               <a:r>
-                <a:rPr lang="en-US">
+                <a:rPr lang="en-US" smtClean="0">
                   <a:solidFill>
                     <a:srgbClr val="FFFFFF"/>
                   </a:solidFill>
                 </a:rPr>
                 <a:t>One Slide</a:t>
               </a:r>
+              <a:endParaRPr lang="en-US">
+                <a:solidFill>
+                  <a:srgbClr val="FFFFFF"/>
+                </a:solidFill>
+              </a:endParaRPr>
             </a:p>
           </p:txBody>
         </p:sp>
@@ -10315,13 +10490,18 @@
             <a:lstStyle/>
             <a:p>
               <a:r>
-                <a:rPr lang="en-US">
+                <a:rPr lang="en-US" smtClean="0">
                   <a:solidFill>
                     <a:srgbClr val="FFFFFF"/>
                   </a:solidFill>
                 </a:rPr>
                 <a:t>Two Slides</a:t>
               </a:r>
+              <a:endParaRPr lang="en-US">
+                <a:solidFill>
+                  <a:srgbClr val="FFFFFF"/>
+                </a:solidFill>
+              </a:endParaRPr>
             </a:p>
           </p:txBody>
         </p:sp>
@@ -10348,13 +10528,18 @@
             <a:lstStyle/>
             <a:p>
               <a:r>
-                <a:rPr lang="en-US">
+                <a:rPr lang="en-US" smtClean="0">
                   <a:solidFill>
                     <a:srgbClr val="FFFFFF"/>
                   </a:solidFill>
                 </a:rPr>
                 <a:t>Same Name</a:t>
               </a:r>
+              <a:endParaRPr lang="en-US">
+                <a:solidFill>
+                  <a:srgbClr val="FFFFFF"/>
+                </a:solidFill>
+              </a:endParaRPr>
             </a:p>
           </p:txBody>
         </p:sp>
@@ -10382,13 +10567,18 @@
             <a:p>
               <a:pPr lvl="0"/>
               <a:r>
-                <a:rPr lang="en-US">
+                <a:rPr lang="en-US" smtClean="0">
                   <a:solidFill>
                     <a:srgbClr val="FFFF00"/>
                   </a:solidFill>
                 </a:rPr>
                 <a:t>Same Name</a:t>
               </a:r>
+              <a:endParaRPr lang="en-US">
+                <a:solidFill>
+                  <a:srgbClr val="FFFF00"/>
+                </a:solidFill>
+              </a:endParaRPr>
             </a:p>
           </p:txBody>
         </p:sp>
@@ -10415,7 +10605,7 @@
             <a:lstStyle/>
             <a:p>
               <a:r>
-                <a:rPr lang="ja-JP" altLang="en-US">
+                <a:rPr lang="ja-JP" altLang="en-US" smtClean="0">
                   <a:solidFill>
                     <a:srgbClr val="FFFFFF"/>
                   </a:solidFill>
@@ -10423,13 +10613,18 @@
                 <a:t>あいうえお</a:t>
               </a:r>
               <a:r>
-                <a:rPr lang="en-US">
+                <a:rPr lang="en-US" smtClean="0">
                   <a:solidFill>
                     <a:srgbClr val="FFFFFF"/>
                   </a:solidFill>
                 </a:rPr>
                 <a:t>kl)(*&amp;%$#@85v_+)0_@#%L:CF]1</a:t>
               </a:r>
+              <a:endParaRPr lang="en-US">
+                <a:solidFill>
+                  <a:srgbClr val="FFFFFF"/>
+                </a:solidFill>
+              </a:endParaRPr>
             </a:p>
           </p:txBody>
         </p:sp>
@@ -10444,6 +10639,13 @@
   <p:clrMapOvr>
     <a:masterClrMapping/>
   </p:clrMapOvr>
+  <p:timing>
+    <p:tnLst>
+      <p:par>
+        <p:cTn id="1" dur="indefinite" restart="never" nodeType="tmRoot"/>
+      </p:par>
+    </p:tnLst>
+  </p:timing>
 </p:sld>
 </file>
 
@@ -10569,13 +10771,18 @@
             <a:lstStyle/>
             <a:p>
               <a:r>
-                <a:rPr lang="en-US">
+                <a:rPr lang="en-US" smtClean="0">
                   <a:solidFill>
                     <a:srgbClr val="FFFFFF"/>
                   </a:solidFill>
                 </a:rPr>
                 <a:t>One Slide</a:t>
               </a:r>
+              <a:endParaRPr lang="en-US">
+                <a:solidFill>
+                  <a:srgbClr val="FFFFFF"/>
+                </a:solidFill>
+              </a:endParaRPr>
             </a:p>
           </p:txBody>
         </p:sp>
@@ -10602,13 +10809,18 @@
             <a:lstStyle/>
             <a:p>
               <a:r>
-                <a:rPr lang="en-US">
+                <a:rPr lang="en-US" smtClean="0">
                   <a:solidFill>
                     <a:srgbClr val="FFFFFF"/>
                   </a:solidFill>
                 </a:rPr>
                 <a:t>Two Slides</a:t>
               </a:r>
+              <a:endParaRPr lang="en-US">
+                <a:solidFill>
+                  <a:srgbClr val="FFFFFF"/>
+                </a:solidFill>
+              </a:endParaRPr>
             </a:p>
           </p:txBody>
         </p:sp>
@@ -10635,13 +10847,18 @@
             <a:lstStyle/>
             <a:p>
               <a:r>
-                <a:rPr lang="en-US">
+                <a:rPr lang="en-US" smtClean="0">
                   <a:solidFill>
                     <a:srgbClr val="FFFFFF"/>
                   </a:solidFill>
                 </a:rPr>
                 <a:t>Same Name</a:t>
               </a:r>
+              <a:endParaRPr lang="en-US">
+                <a:solidFill>
+                  <a:srgbClr val="FFFFFF"/>
+                </a:solidFill>
+              </a:endParaRPr>
             </a:p>
           </p:txBody>
         </p:sp>
@@ -10668,13 +10885,18 @@
             <a:lstStyle/>
             <a:p>
               <a:r>
-                <a:rPr lang="en-US">
+                <a:rPr lang="en-US" smtClean="0">
                   <a:solidFill>
                     <a:srgbClr val="FFFFFF"/>
                   </a:solidFill>
                 </a:rPr>
                 <a:t>Same Name</a:t>
               </a:r>
+              <a:endParaRPr lang="en-US">
+                <a:solidFill>
+                  <a:srgbClr val="FFFFFF"/>
+                </a:solidFill>
+              </a:endParaRPr>
             </a:p>
           </p:txBody>
         </p:sp>
@@ -10702,7 +10924,7 @@
             <a:p>
               <a:pPr lvl="0"/>
               <a:r>
-                <a:rPr lang="ja-JP" altLang="en-US">
+                <a:rPr lang="ja-JP" altLang="en-US" smtClean="0">
                   <a:solidFill>
                     <a:srgbClr val="FFFF00"/>
                   </a:solidFill>
@@ -10710,13 +10932,18 @@
                 <a:t>あいうえお</a:t>
               </a:r>
               <a:r>
-                <a:rPr lang="en-US">
+                <a:rPr lang="en-US" smtClean="0">
                   <a:solidFill>
                     <a:srgbClr val="FFFF00"/>
                   </a:solidFill>
                 </a:rPr>
                 <a:t>kl)(*&amp;%$#@85v_+)0_@#%L:CF]1</a:t>
               </a:r>
+              <a:endParaRPr lang="en-US">
+                <a:solidFill>
+                  <a:srgbClr val="FFFF00"/>
+                </a:solidFill>
+              </a:endParaRPr>
             </a:p>
           </p:txBody>
         </p:sp>
@@ -10731,6 +10958,13 @@
   <p:clrMapOvr>
     <a:masterClrMapping/>
   </p:clrMapOvr>
+  <p:timing>
+    <p:tnLst>
+      <p:par>
+        <p:cTn id="1" dur="indefinite" restart="never" nodeType="tmRoot"/>
+      </p:par>
+    </p:tnLst>
+  </p:timing>
 </p:sld>
 </file>
 
@@ -10755,7 +10989,7 @@
         <p:nvPicPr>
           <p:cNvPr id="2" name="Picture 1"/>
           <p:cNvPicPr>
-            <a:picLocks noChangeAspect="1"/>
+            <a:picLocks/>
           </p:cNvPicPr>
           <p:nvPr/>
         </p:nvPicPr>
@@ -10773,8 +11007,8 @@
         </p:blipFill>
         <p:spPr>
           <a:xfrm>
-            <a:off x="0" y="1029202"/>
-            <a:ext cx="9144000" cy="4799596"/>
+            <a:off x="649224" y="992124"/>
+            <a:ext cx="7845552" cy="4873752"/>
           </a:xfrm>
           <a:prstGeom prst="rect">
             <a:avLst/>
@@ -10784,13 +11018,21 @@
     </p:spTree>
     <p:extLst>
       <p:ext uri="{BB962C8B-B14F-4D97-AF65-F5344CB8AC3E}">
-        <p14:creationId xmlns:p14="http://schemas.microsoft.com/office/powerpoint/2010/main" val="614392867"/>
+        <p14:creationId xmlns:p14="http://schemas.microsoft.com/office/powerpoint/2010/main" val="1306472527"/>
       </p:ext>
     </p:extLst>
   </p:cSld>
   <p:clrMapOvr>
     <a:masterClrMapping/>
   </p:clrMapOvr>
+  <mc:AlternateContent xmlns:mc="http://schemas.openxmlformats.org/markup-compatibility/2006">
+    <mc:Choice xmlns:p14="http://schemas.microsoft.com/office/powerpoint/2010/main" Requires="p14">
+      <p:transition spd="slow" p14:dur="2000"/>
+    </mc:Choice>
+    <mc:Fallback>
+      <p:transition spd="slow"/>
+    </mc:Fallback>
+  </mc:AlternateContent>
 </p:sld>
 </file>
 
@@ -10829,7 +11071,7 @@
           <a:lstStyle/>
           <a:p>
             <a:r>
-              <a:rPr lang="en-US" sz="5400" b="1" dirty="0" err="1">
+              <a:rPr lang="en-US" sz="5400" b="1" dirty="0" err="1" smtClean="0">
                 <a:solidFill>
                   <a:schemeClr val="accent6">
                     <a:lumMod val="75000"/>
@@ -10839,7 +11081,7 @@
               <a:t>PowerPointLabs</a:t>
             </a:r>
             <a:r>
-              <a:rPr lang="en-US" sz="5400" b="1" dirty="0">
+              <a:rPr lang="en-US" sz="5400" b="1" dirty="0" smtClean="0">
                 <a:solidFill>
                   <a:schemeClr val="accent6">
                     <a:lumMod val="75000"/>
@@ -10877,42 +11119,95 @@
               <a:buNone/>
             </a:pPr>
             <a:r>
+              <a:rPr lang="en-US" b="1" dirty="0" smtClean="0">
+                <a:solidFill>
+                  <a:srgbClr val="0070C0"/>
+                </a:solidFill>
+              </a:rPr>
+              <a:t>General instructions:</a:t>
+            </a:r>
+          </a:p>
+          <a:p>
+            <a:pPr marL="285750" indent="-285750"/>
+            <a:r>
+              <a:rPr lang="en-US" b="1" dirty="0" smtClean="0">
+                <a:solidFill>
+                  <a:srgbClr val="0070C0"/>
+                </a:solidFill>
+              </a:rPr>
+              <a:t>DO </a:t>
+            </a:r>
+            <a:r>
               <a:rPr lang="en-US" b="1" dirty="0">
                 <a:solidFill>
                   <a:srgbClr val="0070C0"/>
                 </a:solidFill>
               </a:rPr>
-              <a:t>General instructions:</a:t>
-            </a:r>
-          </a:p>
-          <a:p>
-            <a:pPr marL="285750" indent="-285750"/>
-            <a:r>
-              <a:rPr lang="en-US" b="1" dirty="0">
+              <a:t>NOT SAVE </a:t>
+            </a:r>
+            <a:r>
+              <a:rPr lang="en-US" dirty="0" smtClean="0">
                 <a:solidFill>
                   <a:srgbClr val="0070C0"/>
                 </a:solidFill>
               </a:rPr>
-              <a:t>DO NOT SAVE </a:t>
-            </a:r>
+              <a:t>these slides after testing. Keep this file in its original form.</a:t>
+            </a:r>
+            <a:endParaRPr lang="en-US" dirty="0">
+              <a:solidFill>
+                <a:srgbClr val="0070C0"/>
+              </a:solidFill>
+            </a:endParaRPr>
+          </a:p>
+          <a:p>
+            <a:pPr marL="285750" indent="-285750"/>
             <a:r>
               <a:rPr lang="en-US" dirty="0">
                 <a:solidFill>
                   <a:srgbClr val="0070C0"/>
                 </a:solidFill>
               </a:rPr>
-              <a:t>these slides after testing. Keep this file in its original form.</a:t>
-            </a:r>
-          </a:p>
-          <a:p>
-            <a:pPr marL="285750" indent="-285750"/>
+              <a:t>If </a:t>
+            </a:r>
+            <a:r>
+              <a:rPr lang="en-US" dirty="0" smtClean="0">
+                <a:solidFill>
+                  <a:srgbClr val="0070C0"/>
+                </a:solidFill>
+              </a:rPr>
+              <a:t>your </a:t>
+            </a:r>
             <a:r>
               <a:rPr lang="en-US" dirty="0">
                 <a:solidFill>
                   <a:srgbClr val="0070C0"/>
                 </a:solidFill>
               </a:rPr>
-              <a:t>If your result is different from the expected output, please submit a bug report (attach slides/screenshots as necessary).</a:t>
+              <a:t>result </a:t>
+            </a:r>
+            <a:r>
+              <a:rPr lang="en-US" dirty="0" smtClean="0">
+                <a:solidFill>
+                  <a:srgbClr val="0070C0"/>
+                </a:solidFill>
+              </a:rPr>
+              <a:t>is different from the </a:t>
+            </a:r>
+            <a:r>
+              <a:rPr lang="en-US" dirty="0">
+                <a:solidFill>
+                  <a:srgbClr val="0070C0"/>
+                </a:solidFill>
+              </a:rPr>
+              <a:t>expected output, </a:t>
+            </a:r>
+            <a:r>
+              <a:rPr lang="en-US" dirty="0" smtClean="0">
+                <a:solidFill>
+                  <a:srgbClr val="0070C0"/>
+                </a:solidFill>
+              </a:rPr>
+              <a:t>please submit a bug report (attach slides/screenshots as necessary).</a:t>
             </a:r>
             <a:endParaRPr lang="en-SG" dirty="0">
               <a:solidFill>
@@ -10935,6 +11230,13 @@
   <p:clrMapOvr>
     <a:masterClrMapping/>
   </p:clrMapOvr>
+  <p:timing>
+    <p:tnLst>
+      <p:par>
+        <p:cTn id="1" dur="indefinite" restart="never" nodeType="tmRoot"/>
+      </p:par>
+    </p:tnLst>
+  </p:timing>
 </p:sld>
 </file>
 
@@ -10989,7 +11291,7 @@
           <a:p>
             <a:pPr algn="l"/>
             <a:r>
-              <a:rPr lang="en-US" sz="7200" dirty="0">
+              <a:rPr lang="en-US" sz="7200" dirty="0" smtClean="0">
                 <a:solidFill>
                   <a:schemeClr val="bg1"/>
                 </a:solidFill>
@@ -11027,7 +11329,7 @@
           <a:lstStyle/>
           <a:p>
             <a:r>
-              <a:rPr lang="en-US" sz="2400" b="1" dirty="0">
+              <a:rPr lang="en-US" sz="2400" b="1" dirty="0" smtClean="0">
                 <a:solidFill>
                   <a:schemeClr val="bg1"/>
                 </a:solidFill>
@@ -11041,7 +11343,7 @@
               <a:buChar char="•"/>
             </a:pPr>
             <a:r>
-              <a:rPr lang="en-US" sz="2400" dirty="0">
+              <a:rPr lang="en-US" sz="2400" dirty="0" smtClean="0">
                 <a:solidFill>
                   <a:schemeClr val="bg1"/>
                 </a:solidFill>
@@ -11149,13 +11451,18 @@
             <a:p>
               <a:pPr lvl="0"/>
               <a:r>
-                <a:rPr lang="en-US">
+                <a:rPr lang="en-US" smtClean="0">
                   <a:solidFill>
                     <a:srgbClr val="FFFF00"/>
                   </a:solidFill>
                 </a:rPr>
                 <a:t>One Slide</a:t>
               </a:r>
+              <a:endParaRPr lang="en-US">
+                <a:solidFill>
+                  <a:srgbClr val="FFFF00"/>
+                </a:solidFill>
+              </a:endParaRPr>
             </a:p>
           </p:txBody>
         </p:sp>
@@ -11182,13 +11489,18 @@
             <a:lstStyle/>
             <a:p>
               <a:r>
-                <a:rPr lang="en-US">
+                <a:rPr lang="en-US" smtClean="0">
                   <a:solidFill>
                     <a:srgbClr val="FFFFFF"/>
                   </a:solidFill>
                 </a:rPr>
                 <a:t>Two Slides</a:t>
               </a:r>
+              <a:endParaRPr lang="en-US">
+                <a:solidFill>
+                  <a:srgbClr val="FFFFFF"/>
+                </a:solidFill>
+              </a:endParaRPr>
             </a:p>
           </p:txBody>
         </p:sp>
@@ -11215,13 +11527,18 @@
             <a:lstStyle/>
             <a:p>
               <a:r>
-                <a:rPr lang="en-US">
+                <a:rPr lang="en-US" smtClean="0">
                   <a:solidFill>
                     <a:srgbClr val="FFFFFF"/>
                   </a:solidFill>
                 </a:rPr>
                 <a:t>Same Name</a:t>
               </a:r>
+              <a:endParaRPr lang="en-US">
+                <a:solidFill>
+                  <a:srgbClr val="FFFFFF"/>
+                </a:solidFill>
+              </a:endParaRPr>
             </a:p>
           </p:txBody>
         </p:sp>
@@ -11248,13 +11565,18 @@
             <a:lstStyle/>
             <a:p>
               <a:r>
-                <a:rPr lang="en-US">
+                <a:rPr lang="en-US" smtClean="0">
                   <a:solidFill>
                     <a:srgbClr val="FFFFFF"/>
                   </a:solidFill>
                 </a:rPr>
                 <a:t>Same Name</a:t>
               </a:r>
+              <a:endParaRPr lang="en-US">
+                <a:solidFill>
+                  <a:srgbClr val="FFFFFF"/>
+                </a:solidFill>
+              </a:endParaRPr>
             </a:p>
           </p:txBody>
         </p:sp>
@@ -11281,7 +11603,7 @@
             <a:lstStyle/>
             <a:p>
               <a:r>
-                <a:rPr lang="ja-JP" altLang="en-US">
+                <a:rPr lang="ja-JP" altLang="en-US" smtClean="0">
                   <a:solidFill>
                     <a:srgbClr val="FFFFFF"/>
                   </a:solidFill>
@@ -11289,13 +11611,18 @@
                 <a:t>あいうえお</a:t>
               </a:r>
               <a:r>
-                <a:rPr lang="en-US">
+                <a:rPr lang="en-US" smtClean="0">
                   <a:solidFill>
                     <a:srgbClr val="FFFFFF"/>
                   </a:solidFill>
                 </a:rPr>
                 <a:t>kl)(*&amp;%$#@85v_+)0_@#%L:CF]1</a:t>
               </a:r>
+              <a:endParaRPr lang="en-US">
+                <a:solidFill>
+                  <a:srgbClr val="FFFFFF"/>
+                </a:solidFill>
+              </a:endParaRPr>
             </a:p>
           </p:txBody>
         </p:sp>
@@ -11310,6 +11637,13 @@
   <p:clrMapOvr>
     <a:masterClrMapping/>
   </p:clrMapOvr>
+  <p:timing>
+    <p:tnLst>
+      <p:par>
+        <p:cTn id="1" dur="indefinite" restart="never" nodeType="tmRoot"/>
+      </p:par>
+    </p:tnLst>
+  </p:timing>
 </p:sld>
 </file>
 
@@ -11383,7 +11717,7 @@
           <a:lstStyle/>
           <a:p>
             <a:r>
-              <a:rPr lang="en-US" sz="6000" dirty="0"/>
+              <a:rPr lang="en-US" sz="6000" dirty="0" smtClean="0"/>
               <a:t>Test Image</a:t>
             </a:r>
             <a:endParaRPr lang="en-SG" sz="6000" dirty="0"/>
@@ -11487,13 +11821,18 @@
             <a:lstStyle/>
             <a:p>
               <a:r>
-                <a:rPr lang="en-US">
+                <a:rPr lang="en-US" smtClean="0">
                   <a:solidFill>
                     <a:srgbClr val="FFFFFF"/>
                   </a:solidFill>
                 </a:rPr>
                 <a:t>One Slide</a:t>
               </a:r>
+              <a:endParaRPr lang="en-US">
+                <a:solidFill>
+                  <a:srgbClr val="FFFFFF"/>
+                </a:solidFill>
+              </a:endParaRPr>
             </a:p>
           </p:txBody>
         </p:sp>
@@ -11521,13 +11860,18 @@
             <a:p>
               <a:pPr lvl="0"/>
               <a:r>
-                <a:rPr lang="en-US">
+                <a:rPr lang="en-US" smtClean="0">
                   <a:solidFill>
                     <a:srgbClr val="FFFF00"/>
                   </a:solidFill>
                 </a:rPr>
                 <a:t>Two Slides</a:t>
               </a:r>
+              <a:endParaRPr lang="en-US">
+                <a:solidFill>
+                  <a:srgbClr val="FFFF00"/>
+                </a:solidFill>
+              </a:endParaRPr>
             </a:p>
           </p:txBody>
         </p:sp>
@@ -11554,13 +11898,18 @@
             <a:lstStyle/>
             <a:p>
               <a:r>
-                <a:rPr lang="en-US">
+                <a:rPr lang="en-US" smtClean="0">
                   <a:solidFill>
                     <a:srgbClr val="FFFFFF"/>
                   </a:solidFill>
                 </a:rPr>
                 <a:t>Same Name</a:t>
               </a:r>
+              <a:endParaRPr lang="en-US">
+                <a:solidFill>
+                  <a:srgbClr val="FFFFFF"/>
+                </a:solidFill>
+              </a:endParaRPr>
             </a:p>
           </p:txBody>
         </p:sp>
@@ -11587,13 +11936,18 @@
             <a:lstStyle/>
             <a:p>
               <a:r>
-                <a:rPr lang="en-US">
+                <a:rPr lang="en-US" smtClean="0">
                   <a:solidFill>
                     <a:srgbClr val="FFFFFF"/>
                   </a:solidFill>
                 </a:rPr>
                 <a:t>Same Name</a:t>
               </a:r>
+              <a:endParaRPr lang="en-US">
+                <a:solidFill>
+                  <a:srgbClr val="FFFFFF"/>
+                </a:solidFill>
+              </a:endParaRPr>
             </a:p>
           </p:txBody>
         </p:sp>
@@ -11620,7 +11974,7 @@
             <a:lstStyle/>
             <a:p>
               <a:r>
-                <a:rPr lang="ja-JP" altLang="en-US">
+                <a:rPr lang="ja-JP" altLang="en-US" smtClean="0">
                   <a:solidFill>
                     <a:srgbClr val="FFFFFF"/>
                   </a:solidFill>
@@ -11628,13 +11982,18 @@
                 <a:t>あいうえお</a:t>
               </a:r>
               <a:r>
-                <a:rPr lang="en-US">
+                <a:rPr lang="en-US" smtClean="0">
                   <a:solidFill>
                     <a:srgbClr val="FFFFFF"/>
                   </a:solidFill>
                 </a:rPr>
                 <a:t>kl)(*&amp;%$#@85v_+)0_@#%L:CF]1</a:t>
               </a:r>
+              <a:endParaRPr lang="en-US">
+                <a:solidFill>
+                  <a:srgbClr val="FFFFFF"/>
+                </a:solidFill>
+              </a:endParaRPr>
             </a:p>
           </p:txBody>
         </p:sp>
@@ -11649,6 +12008,13 @@
   <p:clrMapOvr>
     <a:masterClrMapping/>
   </p:clrMapOvr>
+  <p:timing>
+    <p:tnLst>
+      <p:par>
+        <p:cTn id="1" dur="indefinite" restart="never" nodeType="tmRoot"/>
+      </p:par>
+    </p:tnLst>
+  </p:timing>
 </p:sld>
 </file>
 
@@ -11766,13 +12132,18 @@
             <a:lstStyle/>
             <a:p>
               <a:r>
-                <a:rPr lang="en-US">
+                <a:rPr lang="en-US" smtClean="0">
                   <a:solidFill>
                     <a:srgbClr val="FFFFFF"/>
                   </a:solidFill>
                 </a:rPr>
                 <a:t>One Slide</a:t>
               </a:r>
+              <a:endParaRPr lang="en-US">
+                <a:solidFill>
+                  <a:srgbClr val="FFFFFF"/>
+                </a:solidFill>
+              </a:endParaRPr>
             </a:p>
           </p:txBody>
         </p:sp>
@@ -11800,13 +12171,18 @@
             <a:p>
               <a:pPr lvl="0"/>
               <a:r>
-                <a:rPr lang="en-US">
+                <a:rPr lang="en-US" smtClean="0">
                   <a:solidFill>
                     <a:srgbClr val="FFFF00"/>
                   </a:solidFill>
                 </a:rPr>
                 <a:t>Two Slides</a:t>
               </a:r>
+              <a:endParaRPr lang="en-US">
+                <a:solidFill>
+                  <a:srgbClr val="FFFF00"/>
+                </a:solidFill>
+              </a:endParaRPr>
             </a:p>
           </p:txBody>
         </p:sp>
@@ -11833,13 +12209,18 @@
             <a:lstStyle/>
             <a:p>
               <a:r>
-                <a:rPr lang="en-US">
+                <a:rPr lang="en-US" smtClean="0">
                   <a:solidFill>
                     <a:srgbClr val="FFFFFF"/>
                   </a:solidFill>
                 </a:rPr>
                 <a:t>Same Name</a:t>
               </a:r>
+              <a:endParaRPr lang="en-US">
+                <a:solidFill>
+                  <a:srgbClr val="FFFFFF"/>
+                </a:solidFill>
+              </a:endParaRPr>
             </a:p>
           </p:txBody>
         </p:sp>
@@ -11866,13 +12247,18 @@
             <a:lstStyle/>
             <a:p>
               <a:r>
-                <a:rPr lang="en-US">
+                <a:rPr lang="en-US" smtClean="0">
                   <a:solidFill>
                     <a:srgbClr val="FFFFFF"/>
                   </a:solidFill>
                 </a:rPr>
                 <a:t>Same Name</a:t>
               </a:r>
+              <a:endParaRPr lang="en-US">
+                <a:solidFill>
+                  <a:srgbClr val="FFFFFF"/>
+                </a:solidFill>
+              </a:endParaRPr>
             </a:p>
           </p:txBody>
         </p:sp>
@@ -11899,7 +12285,7 @@
             <a:lstStyle/>
             <a:p>
               <a:r>
-                <a:rPr lang="ja-JP" altLang="en-US">
+                <a:rPr lang="ja-JP" altLang="en-US" smtClean="0">
                   <a:solidFill>
                     <a:srgbClr val="FFFFFF"/>
                   </a:solidFill>
@@ -11907,13 +12293,18 @@
                 <a:t>あいうえお</a:t>
               </a:r>
               <a:r>
-                <a:rPr lang="en-US">
+                <a:rPr lang="en-US" smtClean="0">
                   <a:solidFill>
                     <a:srgbClr val="FFFFFF"/>
                   </a:solidFill>
                 </a:rPr>
                 <a:t>kl)(*&amp;%$#@85v_+)0_@#%L:CF]1</a:t>
               </a:r>
+              <a:endParaRPr lang="en-US">
+                <a:solidFill>
+                  <a:srgbClr val="FFFFFF"/>
+                </a:solidFill>
+              </a:endParaRPr>
             </a:p>
           </p:txBody>
         </p:sp>
@@ -11928,6 +12319,13 @@
   <p:clrMapOvr>
     <a:masterClrMapping/>
   </p:clrMapOvr>
+  <p:timing>
+    <p:tnLst>
+      <p:par>
+        <p:cTn id="1" dur="indefinite" restart="never" nodeType="tmRoot"/>
+      </p:par>
+    </p:tnLst>
+  </p:timing>
 </p:sld>
 </file>
 
@@ -12085,9 +12483,10 @@
           </a:lstStyle>
           <a:p>
             <a:r>
-              <a:rPr lang="en-US" dirty="0"/>
+              <a:rPr lang="en-US" dirty="0" smtClean="0"/>
               <a:t>Pattern</a:t>
             </a:r>
+            <a:endParaRPr lang="en-US" dirty="0"/>
           </a:p>
         </p:txBody>
       </p:sp>
@@ -12188,13 +12587,18 @@
             <a:lstStyle/>
             <a:p>
               <a:r>
-                <a:rPr lang="en-US">
+                <a:rPr lang="en-US" smtClean="0">
                   <a:solidFill>
                     <a:srgbClr val="FFFFFF"/>
                   </a:solidFill>
                 </a:rPr>
                 <a:t>One Slide</a:t>
               </a:r>
+              <a:endParaRPr lang="en-US">
+                <a:solidFill>
+                  <a:srgbClr val="FFFFFF"/>
+                </a:solidFill>
+              </a:endParaRPr>
             </a:p>
           </p:txBody>
         </p:sp>
@@ -12221,13 +12625,18 @@
             <a:lstStyle/>
             <a:p>
               <a:r>
-                <a:rPr lang="en-US">
+                <a:rPr lang="en-US" smtClean="0">
                   <a:solidFill>
                     <a:srgbClr val="FFFFFF"/>
                   </a:solidFill>
                 </a:rPr>
                 <a:t>Two Slides</a:t>
               </a:r>
+              <a:endParaRPr lang="en-US">
+                <a:solidFill>
+                  <a:srgbClr val="FFFFFF"/>
+                </a:solidFill>
+              </a:endParaRPr>
             </a:p>
           </p:txBody>
         </p:sp>
@@ -12255,13 +12664,18 @@
             <a:p>
               <a:pPr lvl="0"/>
               <a:r>
-                <a:rPr lang="en-US">
+                <a:rPr lang="en-US" smtClean="0">
                   <a:solidFill>
                     <a:srgbClr val="FFFF00"/>
                   </a:solidFill>
                 </a:rPr>
                 <a:t>Same Name</a:t>
               </a:r>
+              <a:endParaRPr lang="en-US">
+                <a:solidFill>
+                  <a:srgbClr val="FFFF00"/>
+                </a:solidFill>
+              </a:endParaRPr>
             </a:p>
           </p:txBody>
         </p:sp>
@@ -12288,13 +12702,18 @@
             <a:lstStyle/>
             <a:p>
               <a:r>
-                <a:rPr lang="en-US">
+                <a:rPr lang="en-US" smtClean="0">
                   <a:solidFill>
                     <a:srgbClr val="FFFFFF"/>
                   </a:solidFill>
                 </a:rPr>
                 <a:t>Same Name</a:t>
               </a:r>
+              <a:endParaRPr lang="en-US">
+                <a:solidFill>
+                  <a:srgbClr val="FFFFFF"/>
+                </a:solidFill>
+              </a:endParaRPr>
             </a:p>
           </p:txBody>
         </p:sp>
@@ -12321,7 +12740,7 @@
             <a:lstStyle/>
             <a:p>
               <a:r>
-                <a:rPr lang="ja-JP" altLang="en-US">
+                <a:rPr lang="ja-JP" altLang="en-US" smtClean="0">
                   <a:solidFill>
                     <a:srgbClr val="FFFFFF"/>
                   </a:solidFill>
@@ -12329,13 +12748,18 @@
                 <a:t>あいうえお</a:t>
               </a:r>
               <a:r>
-                <a:rPr lang="en-US">
+                <a:rPr lang="en-US" smtClean="0">
                   <a:solidFill>
                     <a:srgbClr val="FFFFFF"/>
                   </a:solidFill>
                 </a:rPr>
                 <a:t>kl)(*&amp;%$#@85v_+)0_@#%L:CF]1</a:t>
               </a:r>
+              <a:endParaRPr lang="en-US">
+                <a:solidFill>
+                  <a:srgbClr val="FFFFFF"/>
+                </a:solidFill>
+              </a:endParaRPr>
             </a:p>
           </p:txBody>
         </p:sp>
@@ -12350,6 +12774,13 @@
   <p:clrMapOvr>
     <a:masterClrMapping/>
   </p:clrMapOvr>
+  <p:timing>
+    <p:tnLst>
+      <p:par>
+        <p:cTn id="1" dur="indefinite" restart="never" nodeType="tmRoot"/>
+      </p:par>
+    </p:tnLst>
+  </p:timing>
 </p:sld>
 </file>
 
@@ -12467,13 +12898,18 @@
             <a:lstStyle/>
             <a:p>
               <a:r>
-                <a:rPr lang="en-US">
+                <a:rPr lang="en-US" smtClean="0">
                   <a:solidFill>
                     <a:srgbClr val="FFFFFF"/>
                   </a:solidFill>
                 </a:rPr>
                 <a:t>One Slide</a:t>
               </a:r>
+              <a:endParaRPr lang="en-US">
+                <a:solidFill>
+                  <a:srgbClr val="FFFFFF"/>
+                </a:solidFill>
+              </a:endParaRPr>
             </a:p>
           </p:txBody>
         </p:sp>
@@ -12500,13 +12936,18 @@
             <a:lstStyle/>
             <a:p>
               <a:r>
-                <a:rPr lang="en-US">
+                <a:rPr lang="en-US" smtClean="0">
                   <a:solidFill>
                     <a:srgbClr val="FFFFFF"/>
                   </a:solidFill>
                 </a:rPr>
                 <a:t>Two Slides</a:t>
               </a:r>
+              <a:endParaRPr lang="en-US">
+                <a:solidFill>
+                  <a:srgbClr val="FFFFFF"/>
+                </a:solidFill>
+              </a:endParaRPr>
             </a:p>
           </p:txBody>
         </p:sp>
@@ -12534,13 +12975,18 @@
             <a:p>
               <a:pPr lvl="0"/>
               <a:r>
-                <a:rPr lang="en-US">
+                <a:rPr lang="en-US" smtClean="0">
                   <a:solidFill>
                     <a:srgbClr val="FFFF00"/>
                   </a:solidFill>
                 </a:rPr>
                 <a:t>Same Name</a:t>
               </a:r>
+              <a:endParaRPr lang="en-US">
+                <a:solidFill>
+                  <a:srgbClr val="FFFF00"/>
+                </a:solidFill>
+              </a:endParaRPr>
             </a:p>
           </p:txBody>
         </p:sp>
@@ -12567,13 +13013,18 @@
             <a:lstStyle/>
             <a:p>
               <a:r>
-                <a:rPr lang="en-US">
+                <a:rPr lang="en-US" smtClean="0">
                   <a:solidFill>
                     <a:srgbClr val="FFFFFF"/>
                   </a:solidFill>
                 </a:rPr>
                 <a:t>Same Name</a:t>
               </a:r>
+              <a:endParaRPr lang="en-US">
+                <a:solidFill>
+                  <a:srgbClr val="FFFFFF"/>
+                </a:solidFill>
+              </a:endParaRPr>
             </a:p>
           </p:txBody>
         </p:sp>
@@ -12600,7 +13051,7 @@
             <a:lstStyle/>
             <a:p>
               <a:r>
-                <a:rPr lang="ja-JP" altLang="en-US">
+                <a:rPr lang="ja-JP" altLang="en-US" smtClean="0">
                   <a:solidFill>
                     <a:srgbClr val="FFFFFF"/>
                   </a:solidFill>
@@ -12608,13 +13059,18 @@
                 <a:t>あいうえお</a:t>
               </a:r>
               <a:r>
-                <a:rPr lang="en-US">
+                <a:rPr lang="en-US" smtClean="0">
                   <a:solidFill>
                     <a:srgbClr val="FFFFFF"/>
                   </a:solidFill>
                 </a:rPr>
                 <a:t>kl)(*&amp;%$#@85v_+)0_@#%L:CF]1</a:t>
               </a:r>
+              <a:endParaRPr lang="en-US">
+                <a:solidFill>
+                  <a:srgbClr val="FFFFFF"/>
+                </a:solidFill>
+              </a:endParaRPr>
             </a:p>
           </p:txBody>
         </p:sp>
@@ -12629,6 +13085,13 @@
   <p:clrMapOvr>
     <a:masterClrMapping/>
   </p:clrMapOvr>
+  <p:timing>
+    <p:tnLst>
+      <p:par>
+        <p:cTn id="1" dur="indefinite" restart="never" nodeType="tmRoot"/>
+      </p:par>
+    </p:tnLst>
+  </p:timing>
 </p:sld>
 </file>
 
@@ -12702,7 +13165,7 @@
           <a:lstStyle/>
           <a:p>
             <a:r>
-              <a:rPr lang="en-US" sz="6000" dirty="0"/>
+              <a:rPr lang="en-US" sz="6000" dirty="0" smtClean="0"/>
               <a:t>Test Image</a:t>
             </a:r>
             <a:endParaRPr lang="en-SG" sz="6000" dirty="0"/>
@@ -12806,13 +13269,18 @@
             <a:lstStyle/>
             <a:p>
               <a:r>
-                <a:rPr lang="en-US">
+                <a:rPr lang="en-US" smtClean="0">
                   <a:solidFill>
                     <a:srgbClr val="FFFFFF"/>
                   </a:solidFill>
                 </a:rPr>
                 <a:t>One Slide</a:t>
               </a:r>
+              <a:endParaRPr lang="en-US">
+                <a:solidFill>
+                  <a:srgbClr val="FFFFFF"/>
+                </a:solidFill>
+              </a:endParaRPr>
             </a:p>
           </p:txBody>
         </p:sp>
@@ -12839,13 +13307,18 @@
             <a:lstStyle/>
             <a:p>
               <a:r>
-                <a:rPr lang="en-US">
+                <a:rPr lang="en-US" smtClean="0">
                   <a:solidFill>
                     <a:srgbClr val="FFFFFF"/>
                   </a:solidFill>
                 </a:rPr>
                 <a:t>Two Slides</a:t>
               </a:r>
+              <a:endParaRPr lang="en-US">
+                <a:solidFill>
+                  <a:srgbClr val="FFFFFF"/>
+                </a:solidFill>
+              </a:endParaRPr>
             </a:p>
           </p:txBody>
         </p:sp>
@@ -12872,13 +13345,18 @@
             <a:lstStyle/>
             <a:p>
               <a:r>
-                <a:rPr lang="en-US">
+                <a:rPr lang="en-US" smtClean="0">
                   <a:solidFill>
                     <a:srgbClr val="FFFFFF"/>
                   </a:solidFill>
                 </a:rPr>
                 <a:t>Same Name</a:t>
               </a:r>
+              <a:endParaRPr lang="en-US">
+                <a:solidFill>
+                  <a:srgbClr val="FFFFFF"/>
+                </a:solidFill>
+              </a:endParaRPr>
             </a:p>
           </p:txBody>
         </p:sp>
@@ -12906,13 +13384,18 @@
             <a:p>
               <a:pPr lvl="0"/>
               <a:r>
-                <a:rPr lang="en-US">
+                <a:rPr lang="en-US" smtClean="0">
                   <a:solidFill>
                     <a:srgbClr val="FFFF00"/>
                   </a:solidFill>
                 </a:rPr>
                 <a:t>Same Name</a:t>
               </a:r>
+              <a:endParaRPr lang="en-US">
+                <a:solidFill>
+                  <a:srgbClr val="FFFF00"/>
+                </a:solidFill>
+              </a:endParaRPr>
             </a:p>
           </p:txBody>
         </p:sp>
@@ -12939,7 +13422,7 @@
             <a:lstStyle/>
             <a:p>
               <a:r>
-                <a:rPr lang="ja-JP" altLang="en-US">
+                <a:rPr lang="ja-JP" altLang="en-US" smtClean="0">
                   <a:solidFill>
                     <a:srgbClr val="FFFFFF"/>
                   </a:solidFill>
@@ -12947,13 +13430,18 @@
                 <a:t>あいうえお</a:t>
               </a:r>
               <a:r>
-                <a:rPr lang="en-US">
+                <a:rPr lang="en-US" smtClean="0">
                   <a:solidFill>
                     <a:srgbClr val="FFFFFF"/>
                   </a:solidFill>
                 </a:rPr>
                 <a:t>kl)(*&amp;%$#@85v_+)0_@#%L:CF]1</a:t>
               </a:r>
+              <a:endParaRPr lang="en-US">
+                <a:solidFill>
+                  <a:srgbClr val="FFFFFF"/>
+                </a:solidFill>
+              </a:endParaRPr>
             </a:p>
           </p:txBody>
         </p:sp>
@@ -12968,6 +13456,13 @@
   <p:clrMapOvr>
     <a:masterClrMapping/>
   </p:clrMapOvr>
+  <p:timing>
+    <p:tnLst>
+      <p:par>
+        <p:cTn id="1" dur="indefinite" restart="never" nodeType="tmRoot"/>
+      </p:par>
+    </p:tnLst>
+  </p:timing>
 </p:sld>
 </file>
 
@@ -13011,7 +13506,7 @@
           <a:lstStyle/>
           <a:p>
             <a:r>
-              <a:rPr lang="en-US" sz="6000" dirty="0"/>
+              <a:rPr lang="en-US" sz="6000" dirty="0" smtClean="0"/>
               <a:t>A long section</a:t>
             </a:r>
             <a:endParaRPr lang="en-SG" sz="6000" dirty="0"/>
@@ -13115,13 +13610,18 @@
             <a:lstStyle/>
             <a:p>
               <a:r>
-                <a:rPr lang="en-US">
+                <a:rPr lang="en-US" smtClean="0">
                   <a:solidFill>
                     <a:srgbClr val="FFFFFF"/>
                   </a:solidFill>
                 </a:rPr>
                 <a:t>One Slide</a:t>
               </a:r>
+              <a:endParaRPr lang="en-US">
+                <a:solidFill>
+                  <a:srgbClr val="FFFFFF"/>
+                </a:solidFill>
+              </a:endParaRPr>
             </a:p>
           </p:txBody>
         </p:sp>
@@ -13148,13 +13648,18 @@
             <a:lstStyle/>
             <a:p>
               <a:r>
-                <a:rPr lang="en-US">
+                <a:rPr lang="en-US" smtClean="0">
                   <a:solidFill>
                     <a:srgbClr val="FFFFFF"/>
                   </a:solidFill>
                 </a:rPr>
                 <a:t>Two Slides</a:t>
               </a:r>
+              <a:endParaRPr lang="en-US">
+                <a:solidFill>
+                  <a:srgbClr val="FFFFFF"/>
+                </a:solidFill>
+              </a:endParaRPr>
             </a:p>
           </p:txBody>
         </p:sp>
@@ -13181,13 +13686,18 @@
             <a:lstStyle/>
             <a:p>
               <a:r>
-                <a:rPr lang="en-US">
+                <a:rPr lang="en-US" smtClean="0">
                   <a:solidFill>
                     <a:srgbClr val="FFFFFF"/>
                   </a:solidFill>
                 </a:rPr>
                 <a:t>Same Name</a:t>
               </a:r>
+              <a:endParaRPr lang="en-US">
+                <a:solidFill>
+                  <a:srgbClr val="FFFFFF"/>
+                </a:solidFill>
+              </a:endParaRPr>
             </a:p>
           </p:txBody>
         </p:sp>
@@ -13215,13 +13725,18 @@
             <a:p>
               <a:pPr lvl="0"/>
               <a:r>
-                <a:rPr lang="en-US">
+                <a:rPr lang="en-US" smtClean="0">
                   <a:solidFill>
                     <a:srgbClr val="FFFF00"/>
                   </a:solidFill>
                 </a:rPr>
                 <a:t>Same Name</a:t>
               </a:r>
+              <a:endParaRPr lang="en-US">
+                <a:solidFill>
+                  <a:srgbClr val="FFFF00"/>
+                </a:solidFill>
+              </a:endParaRPr>
             </a:p>
           </p:txBody>
         </p:sp>
@@ -13248,7 +13763,7 @@
             <a:lstStyle/>
             <a:p>
               <a:r>
-                <a:rPr lang="ja-JP" altLang="en-US">
+                <a:rPr lang="ja-JP" altLang="en-US" smtClean="0">
                   <a:solidFill>
                     <a:srgbClr val="FFFFFF"/>
                   </a:solidFill>
@@ -13256,13 +13771,18 @@
                 <a:t>あいうえお</a:t>
               </a:r>
               <a:r>
-                <a:rPr lang="en-US">
+                <a:rPr lang="en-US" smtClean="0">
                   <a:solidFill>
                     <a:srgbClr val="FFFFFF"/>
                   </a:solidFill>
                 </a:rPr>
                 <a:t>kl)(*&amp;%$#@85v_+)0_@#%L:CF]1</a:t>
               </a:r>
+              <a:endParaRPr lang="en-US">
+                <a:solidFill>
+                  <a:srgbClr val="FFFFFF"/>
+                </a:solidFill>
+              </a:endParaRPr>
             </a:p>
           </p:txBody>
         </p:sp>
@@ -13277,6 +13797,13 @@
   <p:clrMapOvr>
     <a:masterClrMapping/>
   </p:clrMapOvr>
+  <p:timing>
+    <p:tnLst>
+      <p:par>
+        <p:cTn id="1" dur="indefinite" restart="never" nodeType="tmRoot"/>
+      </p:par>
+    </p:tnLst>
+  </p:timing>
 </p:sld>
 </file>
 
